--- a/5 - Строки и символы.pptx
+++ b/5 - Строки и символы.pptx
@@ -5,10 +5,10 @@
     <p:sldMasterId id="2147483648" r:id="rId1"/>
   </p:sldMasterIdLst>
   <p:notesMasterIdLst>
-    <p:notesMasterId r:id="rId36"/>
+    <p:notesMasterId r:id="rId34"/>
   </p:notesMasterIdLst>
   <p:handoutMasterIdLst>
-    <p:handoutMasterId r:id="rId37"/>
+    <p:handoutMasterId r:id="rId35"/>
   </p:handoutMasterIdLst>
   <p:sldIdLst>
     <p:sldId id="261" r:id="rId2"/>
@@ -43,8 +43,6 @@
     <p:sldId id="346" r:id="rId31"/>
     <p:sldId id="347" r:id="rId32"/>
     <p:sldId id="348" r:id="rId33"/>
-    <p:sldId id="349" r:id="rId34"/>
-    <p:sldId id="350" r:id="rId35"/>
   </p:sldIdLst>
   <p:sldSz cx="12192000" cy="6858000"/>
   <p:notesSz cx="6858000" cy="9144000"/>
@@ -249,7 +247,7 @@
             <a:pPr rtl="0"/>
             <a:fld id="{2BADECFF-C1E6-41B7-861F-BE2B26CDAB05}" type="datetime1">
               <a:rPr lang="ru-RU" smtClean="0"/>
-              <a:t>09.01.2019</a:t>
+              <a:t>18.01.2019</a:t>
             </a:fld>
             <a:endParaRPr lang="ru-RU" dirty="0"/>
           </a:p>
@@ -419,7 +417,7 @@
             <a:pPr rtl="0"/>
             <a:fld id="{6F848B8F-24F3-4766-A59C-71045DA4FEF0}" type="datetime1">
               <a:rPr lang="ru-RU" smtClean="0"/>
-              <a:t>09.01.2019</a:t>
+              <a:t>18.01.2019</a:t>
             </a:fld>
             <a:endParaRPr lang="ru-RU" dirty="0"/>
           </a:p>
@@ -2879,10 +2877,9 @@
         </p:nvSpPr>
         <p:spPr/>
         <p:txBody>
-          <a:bodyPr rtlCol="0"/>
+          <a:bodyPr/>
           <a:lstStyle/>
           <a:p>
-            <a:pPr rtl="0"/>
             <a:endParaRPr lang="ru-RU" dirty="0"/>
           </a:p>
         </p:txBody>
@@ -2899,7 +2896,7 @@
         </p:nvSpPr>
         <p:spPr/>
         <p:txBody>
-          <a:bodyPr rtlCol="0"/>
+          <a:bodyPr/>
           <a:lstStyle/>
           <a:p>
             <a:pPr rtl="0"/>
@@ -2914,179 +2911,7 @@
     </p:spTree>
     <p:extLst>
       <p:ext uri="{BB962C8B-B14F-4D97-AF65-F5344CB8AC3E}">
-        <p14:creationId xmlns:p14="http://schemas.microsoft.com/office/powerpoint/2010/main" val="2887796688"/>
-      </p:ext>
-    </p:extLst>
-  </p:cSld>
-  <p:clrMapOvr>
-    <a:masterClrMapping/>
-  </p:clrMapOvr>
-</p:notes>
-</file>
-
-<file path=ppt/notesSlides/notesSlide33.xml><?xml version="1.0" encoding="utf-8"?>
-<p:notes xmlns:a="http://schemas.openxmlformats.org/drawingml/2006/main" xmlns:r="http://schemas.openxmlformats.org/officeDocument/2006/relationships" xmlns:p="http://schemas.openxmlformats.org/presentationml/2006/main">
-  <p:cSld>
-    <p:spTree>
-      <p:nvGrpSpPr>
-        <p:cNvPr id="1" name=""/>
-        <p:cNvGrpSpPr/>
-        <p:nvPr/>
-      </p:nvGrpSpPr>
-      <p:grpSpPr>
-        <a:xfrm>
-          <a:off x="0" y="0"/>
-          <a:ext cx="0" cy="0"/>
-          <a:chOff x="0" y="0"/>
-          <a:chExt cx="0" cy="0"/>
-        </a:xfrm>
-      </p:grpSpPr>
-      <p:sp>
-        <p:nvSpPr>
-          <p:cNvPr id="2" name="Образ слайда 1"/>
-          <p:cNvSpPr>
-            <a:spLocks noGrp="1" noRot="1" noChangeAspect="1"/>
-          </p:cNvSpPr>
-          <p:nvPr>
-            <p:ph type="sldImg"/>
-          </p:nvPr>
-        </p:nvSpPr>
-        <p:spPr/>
-      </p:sp>
-      <p:sp>
-        <p:nvSpPr>
-          <p:cNvPr id="3" name="Заметки 2"/>
-          <p:cNvSpPr>
-            <a:spLocks noGrp="1"/>
-          </p:cNvSpPr>
-          <p:nvPr>
-            <p:ph type="body" idx="1"/>
-          </p:nvPr>
-        </p:nvSpPr>
-        <p:spPr/>
-        <p:txBody>
-          <a:bodyPr rtlCol="0"/>
-          <a:lstStyle/>
-          <a:p>
-            <a:pPr rtl="0"/>
-            <a:endParaRPr lang="ru-RU" dirty="0"/>
-          </a:p>
-        </p:txBody>
-      </p:sp>
-      <p:sp>
-        <p:nvSpPr>
-          <p:cNvPr id="4" name="Номер слайда 3"/>
-          <p:cNvSpPr>
-            <a:spLocks noGrp="1"/>
-          </p:cNvSpPr>
-          <p:nvPr>
-            <p:ph type="sldNum" sz="quarter" idx="10"/>
-          </p:nvPr>
-        </p:nvSpPr>
-        <p:spPr/>
-        <p:txBody>
-          <a:bodyPr rtlCol="0"/>
-          <a:lstStyle/>
-          <a:p>
-            <a:pPr rtl="0"/>
-            <a:fld id="{82869989-EB00-4EE7-BCB5-25BDC5BB29F8}" type="slidenum">
-              <a:rPr lang="ru-RU" smtClean="0"/>
-              <a:t>33</a:t>
-            </a:fld>
-            <a:endParaRPr lang="ru-RU" dirty="0"/>
-          </a:p>
-        </p:txBody>
-      </p:sp>
-    </p:spTree>
-    <p:extLst>
-      <p:ext uri="{BB962C8B-B14F-4D97-AF65-F5344CB8AC3E}">
-        <p14:creationId xmlns:p14="http://schemas.microsoft.com/office/powerpoint/2010/main" val="1701130429"/>
-      </p:ext>
-    </p:extLst>
-  </p:cSld>
-  <p:clrMapOvr>
-    <a:masterClrMapping/>
-  </p:clrMapOvr>
-</p:notes>
-</file>
-
-<file path=ppt/notesSlides/notesSlide34.xml><?xml version="1.0" encoding="utf-8"?>
-<p:notes xmlns:a="http://schemas.openxmlformats.org/drawingml/2006/main" xmlns:r="http://schemas.openxmlformats.org/officeDocument/2006/relationships" xmlns:p="http://schemas.openxmlformats.org/presentationml/2006/main">
-  <p:cSld>
-    <p:spTree>
-      <p:nvGrpSpPr>
-        <p:cNvPr id="1" name=""/>
-        <p:cNvGrpSpPr/>
-        <p:nvPr/>
-      </p:nvGrpSpPr>
-      <p:grpSpPr>
-        <a:xfrm>
-          <a:off x="0" y="0"/>
-          <a:ext cx="0" cy="0"/>
-          <a:chOff x="0" y="0"/>
-          <a:chExt cx="0" cy="0"/>
-        </a:xfrm>
-      </p:grpSpPr>
-      <p:sp>
-        <p:nvSpPr>
-          <p:cNvPr id="2" name="Образ слайда 1"/>
-          <p:cNvSpPr>
-            <a:spLocks noGrp="1" noRot="1" noChangeAspect="1"/>
-          </p:cNvSpPr>
-          <p:nvPr>
-            <p:ph type="sldImg"/>
-          </p:nvPr>
-        </p:nvSpPr>
-        <p:spPr/>
-      </p:sp>
-      <p:sp>
-        <p:nvSpPr>
-          <p:cNvPr id="3" name="Заметки 2"/>
-          <p:cNvSpPr>
-            <a:spLocks noGrp="1"/>
-          </p:cNvSpPr>
-          <p:nvPr>
-            <p:ph type="body" idx="1"/>
-          </p:nvPr>
-        </p:nvSpPr>
-        <p:spPr/>
-        <p:txBody>
-          <a:bodyPr rtlCol="0"/>
-          <a:lstStyle/>
-          <a:p>
-            <a:pPr rtl="0"/>
-            <a:endParaRPr lang="ru-RU" dirty="0"/>
-          </a:p>
-        </p:txBody>
-      </p:sp>
-      <p:sp>
-        <p:nvSpPr>
-          <p:cNvPr id="4" name="Номер слайда 3"/>
-          <p:cNvSpPr>
-            <a:spLocks noGrp="1"/>
-          </p:cNvSpPr>
-          <p:nvPr>
-            <p:ph type="sldNum" sz="quarter" idx="10"/>
-          </p:nvPr>
-        </p:nvSpPr>
-        <p:spPr/>
-        <p:txBody>
-          <a:bodyPr rtlCol="0"/>
-          <a:lstStyle/>
-          <a:p>
-            <a:pPr rtl="0"/>
-            <a:fld id="{82869989-EB00-4EE7-BCB5-25BDC5BB29F8}" type="slidenum">
-              <a:rPr lang="ru-RU" smtClean="0"/>
-              <a:t>34</a:t>
-            </a:fld>
-            <a:endParaRPr lang="ru-RU" dirty="0"/>
-          </a:p>
-        </p:txBody>
-      </p:sp>
-    </p:spTree>
-    <p:extLst>
-      <p:ext uri="{BB962C8B-B14F-4D97-AF65-F5344CB8AC3E}">
-        <p14:creationId xmlns:p14="http://schemas.microsoft.com/office/powerpoint/2010/main" val="4199864673"/>
+        <p14:creationId xmlns:p14="http://schemas.microsoft.com/office/powerpoint/2010/main" val="3774815691"/>
       </p:ext>
     </p:extLst>
   </p:cSld>
@@ -5761,7 +5586,7 @@
             <a:pPr rtl="0"/>
             <a:fld id="{21D30A75-6773-4051-8E3B-50DEBD5B27F5}" type="datetime1">
               <a:rPr lang="ru-RU" smtClean="0"/>
-              <a:t>09.01.2019</a:t>
+              <a:t>18.01.2019</a:t>
             </a:fld>
             <a:endParaRPr lang="ru-RU" dirty="0"/>
           </a:p>
@@ -5960,7 +5785,7 @@
             <a:pPr rtl="0"/>
             <a:fld id="{D7928C6E-EC50-49F1-B95C-FD73C1D14895}" type="datetime1">
               <a:rPr lang="ru-RU" smtClean="0"/>
-              <a:t>09.01.2019</a:t>
+              <a:t>18.01.2019</a:t>
             </a:fld>
             <a:endParaRPr lang="ru-RU" dirty="0"/>
           </a:p>
@@ -6149,7 +5974,7 @@
             <a:pPr rtl="0"/>
             <a:fld id="{A29ED9D4-4098-4CD3-A9A7-C343301264F2}" type="datetime1">
               <a:rPr lang="ru-RU" smtClean="0"/>
-              <a:t>09.01.2019</a:t>
+              <a:t>18.01.2019</a:t>
             </a:fld>
             <a:endParaRPr lang="ru-RU" dirty="0"/>
           </a:p>
@@ -8497,7 +8322,7 @@
             <a:pPr rtl="0"/>
             <a:fld id="{687FFE1D-B4BF-42B3-9799-021BB66D51E4}" type="datetime1">
               <a:rPr lang="ru-RU" smtClean="0"/>
-              <a:t>09.01.2019</a:t>
+              <a:t>18.01.2019</a:t>
             </a:fld>
             <a:endParaRPr lang="ru-RU" dirty="0"/>
           </a:p>
@@ -8956,7 +8781,7 @@
             <a:pPr rtl="0"/>
             <a:fld id="{433AC169-0119-4659-9B73-547F9C11A152}" type="datetime1">
               <a:rPr lang="ru-RU" smtClean="0"/>
-              <a:t>09.01.2019</a:t>
+              <a:t>18.01.2019</a:t>
             </a:fld>
             <a:endParaRPr lang="ru-RU" dirty="0"/>
           </a:p>
@@ -9093,7 +8918,7 @@
             <a:pPr rtl="0"/>
             <a:fld id="{88FE940F-5E05-43A4-90CE-E7C7653F1C67}" type="datetime1">
               <a:rPr lang="ru-RU" smtClean="0"/>
-              <a:t>09.01.2019</a:t>
+              <a:t>18.01.2019</a:t>
             </a:fld>
             <a:endParaRPr lang="ru-RU" dirty="0"/>
           </a:p>
@@ -11029,7 +10854,7 @@
             <a:pPr rtl="0"/>
             <a:fld id="{CA01554F-F072-4658-949A-7A94F490DB04}" type="datetime1">
               <a:rPr lang="ru-RU" smtClean="0"/>
-              <a:t>09.01.2019</a:t>
+              <a:t>18.01.2019</a:t>
             </a:fld>
             <a:endParaRPr lang="ru-RU" dirty="0"/>
           </a:p>
@@ -13291,7 +13116,7 @@
             <a:pPr rtl="0"/>
             <a:fld id="{3B0BFD1E-E11D-434C-9F87-0B5F0A29CFEC}" type="datetime1">
               <a:rPr lang="ru-RU" smtClean="0"/>
-              <a:t>09.01.2019</a:t>
+              <a:t>18.01.2019</a:t>
             </a:fld>
             <a:endParaRPr lang="ru-RU" dirty="0"/>
           </a:p>
@@ -17590,7 +17415,7 @@
             <a:pPr rtl="0"/>
             <a:fld id="{99137652-B7E4-4AE8-853E-9803CAFAAF7E}" type="datetime1">
               <a:rPr lang="ru-RU" smtClean="0"/>
-              <a:t>09.01.2019</a:t>
+              <a:t>18.01.2019</a:t>
             </a:fld>
             <a:endParaRPr lang="ru-RU" dirty="0"/>
           </a:p>
@@ -18247,7 +18072,10 @@
           <a:bodyPr/>
           <a:lstStyle/>
           <a:p>
-            <a:endParaRPr lang="ru-RU" dirty="0"/>
+            <a:r>
+              <a:rPr lang="ru-RU" dirty="0"/>
+              <a:t>Арифметические операции над символами</a:t>
+            </a:r>
           </a:p>
         </p:txBody>
       </p:sp>
@@ -18270,16 +18098,334 @@
         <p:spPr/>
         <p:txBody>
           <a:bodyPr>
-            <a:normAutofit/>
+            <a:noAutofit/>
           </a:bodyPr>
           <a:lstStyle/>
           <a:p>
-            <a:pPr marL="0" lvl="0" indent="0" eaLnBrk="0" fontAlgn="base" hangingPunct="0">
+            <a:pPr marL="0" indent="0">
+              <a:spcBef>
+                <a:spcPts val="0"/>
+              </a:spcBef>
+              <a:buNone/>
+            </a:pPr>
+            <a:r>
+              <a:rPr lang="en-US" sz="3200" dirty="0">
+                <a:solidFill>
+                  <a:schemeClr val="accent5"/>
+                </a:solidFill>
+                <a:latin typeface="Consolas" panose="020B0609020204030204" pitchFamily="49" charset="0"/>
+              </a:rPr>
+              <a:t>char</a:t>
+            </a:r>
+            <a:r>
+              <a:rPr lang="en-US" sz="3200" dirty="0">
+                <a:latin typeface="Consolas" panose="020B0609020204030204" pitchFamily="49" charset="0"/>
+              </a:rPr>
+              <a:t> c = </a:t>
+            </a:r>
+            <a:r>
+              <a:rPr lang="en-US" sz="3200" dirty="0">
+                <a:solidFill>
+                  <a:schemeClr val="accent1"/>
+                </a:solidFill>
+                <a:latin typeface="Consolas" panose="020B0609020204030204" pitchFamily="49" charset="0"/>
+              </a:rPr>
+              <a:t>'а'</a:t>
+            </a:r>
+            <a:r>
+              <a:rPr lang="en-US" sz="3200" dirty="0">
+                <a:latin typeface="Consolas" panose="020B0609020204030204" pitchFamily="49" charset="0"/>
+              </a:rPr>
+              <a:t>;</a:t>
+            </a:r>
+            <a:endParaRPr lang="ru-RU" sz="3200" dirty="0">
+              <a:latin typeface="Consolas" panose="020B0609020204030204" pitchFamily="49" charset="0"/>
+            </a:endParaRPr>
+          </a:p>
+          <a:p>
+            <a:pPr marL="0" indent="0">
+              <a:spcBef>
+                <a:spcPts val="0"/>
+              </a:spcBef>
+              <a:buNone/>
+            </a:pPr>
+            <a:r>
+              <a:rPr lang="en-US" sz="3200" dirty="0">
+                <a:latin typeface="Consolas" panose="020B0609020204030204" pitchFamily="49" charset="0"/>
+              </a:rPr>
+              <a:t>c = (</a:t>
+            </a:r>
+            <a:r>
+              <a:rPr lang="en-US" sz="3200" dirty="0">
+                <a:solidFill>
+                  <a:schemeClr val="accent5"/>
+                </a:solidFill>
+                <a:latin typeface="Consolas" panose="020B0609020204030204" pitchFamily="49" charset="0"/>
+              </a:rPr>
+              <a:t>char</a:t>
+            </a:r>
+            <a:r>
+              <a:rPr lang="en-US" sz="3200" dirty="0">
+                <a:latin typeface="Consolas" panose="020B0609020204030204" pitchFamily="49" charset="0"/>
+              </a:rPr>
+              <a:t>)(c + 3);</a:t>
+            </a:r>
+            <a:endParaRPr lang="ru-RU" sz="3200" dirty="0">
+              <a:latin typeface="Consolas" panose="020B0609020204030204" pitchFamily="49" charset="0"/>
+            </a:endParaRPr>
+          </a:p>
+          <a:p>
+            <a:pPr marL="0" indent="0">
+              <a:spcBef>
+                <a:spcPts val="0"/>
+              </a:spcBef>
+              <a:buNone/>
+            </a:pPr>
+            <a:r>
+              <a:rPr lang="en-US" sz="3200" dirty="0">
+                <a:latin typeface="Consolas" panose="020B0609020204030204" pitchFamily="49" charset="0"/>
+              </a:rPr>
+              <a:t> </a:t>
+            </a:r>
+            <a:endParaRPr lang="ru-RU" sz="3200" dirty="0">
+              <a:latin typeface="Consolas" panose="020B0609020204030204" pitchFamily="49" charset="0"/>
+            </a:endParaRPr>
+          </a:p>
+          <a:p>
+            <a:pPr marL="0" indent="0">
+              <a:spcBef>
+                <a:spcPts val="0"/>
+              </a:spcBef>
+              <a:buNone/>
+            </a:pPr>
+            <a:r>
+              <a:rPr lang="en-US" sz="3200" dirty="0">
+                <a:solidFill>
+                  <a:schemeClr val="accent5"/>
+                </a:solidFill>
+                <a:latin typeface="Consolas" panose="020B0609020204030204" pitchFamily="49" charset="0"/>
+              </a:rPr>
+              <a:t>char</a:t>
+            </a:r>
+            <a:r>
+              <a:rPr lang="en-US" sz="3200" dirty="0">
+                <a:latin typeface="Consolas" panose="020B0609020204030204" pitchFamily="49" charset="0"/>
+              </a:rPr>
+              <a:t> b = </a:t>
+            </a:r>
+            <a:r>
+              <a:rPr lang="en-US" sz="3200" dirty="0">
+                <a:solidFill>
+                  <a:schemeClr val="accent1"/>
+                </a:solidFill>
+                <a:latin typeface="Consolas" panose="020B0609020204030204" pitchFamily="49" charset="0"/>
+              </a:rPr>
+              <a:t>'0'</a:t>
+            </a:r>
+            <a:r>
+              <a:rPr lang="en-US" sz="3200" dirty="0">
+                <a:latin typeface="Consolas" panose="020B0609020204030204" pitchFamily="49" charset="0"/>
+              </a:rPr>
+              <a:t>;</a:t>
+            </a:r>
+            <a:endParaRPr lang="ru-RU" sz="3200" dirty="0">
+              <a:latin typeface="Consolas" panose="020B0609020204030204" pitchFamily="49" charset="0"/>
+            </a:endParaRPr>
+          </a:p>
+          <a:p>
+            <a:pPr marL="0" indent="0">
+              <a:spcBef>
+                <a:spcPts val="0"/>
+              </a:spcBef>
+              <a:buNone/>
+            </a:pPr>
+            <a:r>
+              <a:rPr lang="en-US" sz="3200" dirty="0">
+                <a:latin typeface="Consolas" panose="020B0609020204030204" pitchFamily="49" charset="0"/>
+              </a:rPr>
+              <a:t>c = (</a:t>
+            </a:r>
+            <a:r>
+              <a:rPr lang="en-US" sz="3200" dirty="0">
+                <a:solidFill>
+                  <a:schemeClr val="accent5"/>
+                </a:solidFill>
+                <a:latin typeface="Consolas" panose="020B0609020204030204" pitchFamily="49" charset="0"/>
+              </a:rPr>
+              <a:t>char</a:t>
+            </a:r>
+            <a:r>
+              <a:rPr lang="en-US" sz="3200" dirty="0">
+                <a:latin typeface="Consolas" panose="020B0609020204030204" pitchFamily="49" charset="0"/>
+              </a:rPr>
+              <a:t>)(c + b);</a:t>
+            </a:r>
+            <a:endParaRPr lang="ru-RU" sz="3200" dirty="0">
+              <a:latin typeface="Consolas" panose="020B0609020204030204" pitchFamily="49" charset="0"/>
+            </a:endParaRPr>
+          </a:p>
+          <a:p>
+            <a:pPr marL="0" indent="0">
+              <a:spcBef>
+                <a:spcPts val="0"/>
+              </a:spcBef>
+              <a:buNone/>
+            </a:pPr>
+            <a:r>
+              <a:rPr lang="en-US" sz="3200" dirty="0">
+                <a:latin typeface="Consolas" panose="020B0609020204030204" pitchFamily="49" charset="0"/>
+              </a:rPr>
+              <a:t>c = (</a:t>
+            </a:r>
+            <a:r>
+              <a:rPr lang="en-US" sz="3200" dirty="0">
+                <a:solidFill>
+                  <a:schemeClr val="accent5"/>
+                </a:solidFill>
+                <a:latin typeface="Consolas" panose="020B0609020204030204" pitchFamily="49" charset="0"/>
+              </a:rPr>
+              <a:t>char</a:t>
+            </a:r>
+            <a:r>
+              <a:rPr lang="en-US" sz="3200" dirty="0">
+                <a:latin typeface="Consolas" panose="020B0609020204030204" pitchFamily="49" charset="0"/>
+              </a:rPr>
+              <a:t>)(c - b);</a:t>
+            </a:r>
+            <a:endParaRPr lang="ru-RU" sz="3200" dirty="0">
+              <a:latin typeface="Consolas" panose="020B0609020204030204" pitchFamily="49" charset="0"/>
+            </a:endParaRPr>
+          </a:p>
+          <a:p>
+            <a:pPr marL="0" indent="0">
+              <a:spcBef>
+                <a:spcPts val="0"/>
+              </a:spcBef>
+              <a:buNone/>
+            </a:pPr>
+            <a:r>
+              <a:rPr lang="en-US" sz="3200" dirty="0">
+                <a:latin typeface="Consolas" panose="020B0609020204030204" pitchFamily="49" charset="0"/>
+              </a:rPr>
+              <a:t>c = (</a:t>
+            </a:r>
+            <a:r>
+              <a:rPr lang="en-US" sz="3200" dirty="0">
+                <a:solidFill>
+                  <a:schemeClr val="accent5"/>
+                </a:solidFill>
+                <a:latin typeface="Consolas" panose="020B0609020204030204" pitchFamily="49" charset="0"/>
+              </a:rPr>
+              <a:t>char</a:t>
+            </a:r>
+            <a:r>
+              <a:rPr lang="en-US" sz="3200" dirty="0">
+                <a:latin typeface="Consolas" panose="020B0609020204030204" pitchFamily="49" charset="0"/>
+              </a:rPr>
+              <a:t>)(c * b);</a:t>
+            </a:r>
+            <a:endParaRPr lang="ru-RU" sz="3200" dirty="0">
+              <a:latin typeface="Consolas" panose="020B0609020204030204" pitchFamily="49" charset="0"/>
+            </a:endParaRPr>
+          </a:p>
+          <a:p>
+            <a:pPr marL="0" indent="0">
+              <a:spcBef>
+                <a:spcPts val="0"/>
+              </a:spcBef>
+              <a:buNone/>
+            </a:pPr>
+            <a:r>
+              <a:rPr lang="en-US" sz="3200" dirty="0">
+                <a:latin typeface="Consolas" panose="020B0609020204030204" pitchFamily="49" charset="0"/>
+              </a:rPr>
+              <a:t>c = (</a:t>
+            </a:r>
+            <a:r>
+              <a:rPr lang="en-US" sz="3200" dirty="0">
+                <a:solidFill>
+                  <a:schemeClr val="accent5"/>
+                </a:solidFill>
+                <a:latin typeface="Consolas" panose="020B0609020204030204" pitchFamily="49" charset="0"/>
+              </a:rPr>
+              <a:t>char</a:t>
+            </a:r>
+            <a:r>
+              <a:rPr lang="en-US" sz="3200" dirty="0">
+                <a:latin typeface="Consolas" panose="020B0609020204030204" pitchFamily="49" charset="0"/>
+              </a:rPr>
+              <a:t>)(c / b);</a:t>
+            </a:r>
+            <a:endParaRPr lang="ru-RU" sz="3200" dirty="0">
+              <a:latin typeface="Consolas" panose="020B0609020204030204" pitchFamily="49" charset="0"/>
+            </a:endParaRPr>
+          </a:p>
+          <a:p>
+            <a:pPr marL="0" indent="0">
+              <a:spcBef>
+                <a:spcPts val="0"/>
+              </a:spcBef>
+              <a:buNone/>
+            </a:pPr>
+            <a:r>
+              <a:rPr lang="en-US" sz="3200" dirty="0">
+                <a:latin typeface="Consolas" panose="020B0609020204030204" pitchFamily="49" charset="0"/>
+              </a:rPr>
+              <a:t>c</a:t>
+            </a:r>
+            <a:r>
+              <a:rPr lang="ru-RU" sz="3200" dirty="0">
+                <a:latin typeface="Consolas" panose="020B0609020204030204" pitchFamily="49" charset="0"/>
+              </a:rPr>
+              <a:t> = (</a:t>
+            </a:r>
+            <a:r>
+              <a:rPr lang="en-US" sz="3200" dirty="0">
+                <a:solidFill>
+                  <a:schemeClr val="accent5"/>
+                </a:solidFill>
+                <a:latin typeface="Consolas" panose="020B0609020204030204" pitchFamily="49" charset="0"/>
+              </a:rPr>
+              <a:t>char</a:t>
+            </a:r>
+            <a:r>
+              <a:rPr lang="ru-RU" sz="3200" dirty="0">
+                <a:latin typeface="Consolas" panose="020B0609020204030204" pitchFamily="49" charset="0"/>
+              </a:rPr>
+              <a:t>)(</a:t>
+            </a:r>
+            <a:r>
+              <a:rPr lang="en-US" sz="3200" dirty="0">
+                <a:latin typeface="Consolas" panose="020B0609020204030204" pitchFamily="49" charset="0"/>
+              </a:rPr>
+              <a:t>c</a:t>
+            </a:r>
+            <a:r>
+              <a:rPr lang="ru-RU" sz="3200" dirty="0">
+                <a:latin typeface="Consolas" panose="020B0609020204030204" pitchFamily="49" charset="0"/>
+              </a:rPr>
+              <a:t> % </a:t>
+            </a:r>
+            <a:r>
+              <a:rPr lang="en-US" sz="3200" dirty="0">
+                <a:latin typeface="Consolas" panose="020B0609020204030204" pitchFamily="49" charset="0"/>
+              </a:rPr>
+              <a:t>b</a:t>
+            </a:r>
+            <a:r>
+              <a:rPr lang="ru-RU" sz="3200" dirty="0">
+                <a:latin typeface="Consolas" panose="020B0609020204030204" pitchFamily="49" charset="0"/>
+              </a:rPr>
+              <a:t>);</a:t>
+            </a:r>
+          </a:p>
+          <a:p>
+            <a:pPr marL="0" indent="0" eaLnBrk="0" fontAlgn="base" hangingPunct="0">
               <a:lnSpc>
                 <a:spcPct val="100000"/>
               </a:lnSpc>
               <a:spcBef>
-                <a:spcPct val="0"/>
+                <a:spcPts val="0"/>
               </a:spcBef>
               <a:spcAft>
                 <a:spcPct val="0"/>
@@ -18306,8 +18452,8 @@
                 <a:tab pos="9305925" algn="l"/>
               </a:tabLst>
             </a:pPr>
-            <a:endParaRPr lang="ru-RU" altLang="ru-RU" sz="2400" dirty="0">
-              <a:latin typeface="Arial" panose="020B0604020202020204" pitchFamily="34" charset="0"/>
+            <a:endParaRPr lang="ru-RU" altLang="ru-RU" sz="3200" dirty="0">
+              <a:latin typeface="Consolas" panose="020B0609020204030204" pitchFamily="49" charset="0"/>
             </a:endParaRPr>
           </a:p>
         </p:txBody>
@@ -18435,7 +18581,10 @@
           <a:bodyPr/>
           <a:lstStyle/>
           <a:p>
-            <a:endParaRPr lang="ru-RU" dirty="0"/>
+            <a:r>
+              <a:rPr lang="ru-RU" dirty="0"/>
+              <a:t>Задание 2</a:t>
+            </a:r>
           </a:p>
         </p:txBody>
       </p:sp>
@@ -18494,7 +18643,31 @@
                 <a:tab pos="9305925" algn="l"/>
               </a:tabLst>
             </a:pPr>
-            <a:endParaRPr lang="ru-RU" altLang="ru-RU" sz="2400" dirty="0">
+            <a:r>
+              <a:rPr lang="ru-RU" sz="2400" dirty="0"/>
+              <a:t>	Вывести все </a:t>
+            </a:r>
+            <a:r>
+              <a:rPr lang="ru-RU" sz="2400" b="1" dirty="0"/>
+              <a:t>заглавные</a:t>
+            </a:r>
+            <a:r>
+              <a:rPr lang="ru-RU" sz="2400" dirty="0"/>
+              <a:t> буквы латинского алфавита с помощью цикла с помощью </a:t>
+            </a:r>
+            <a:r>
+              <a:rPr lang="ru-RU" sz="2400" b="1" dirty="0"/>
+              <a:t>цикла</a:t>
+            </a:r>
+            <a:r>
+              <a:rPr lang="ru-RU" sz="2400" dirty="0"/>
+              <a:t> </a:t>
+            </a:r>
+            <a:r>
+              <a:rPr lang="en-US" sz="2400" dirty="0"/>
+              <a:t>for.</a:t>
+            </a:r>
+            <a:endParaRPr lang="ru-RU" altLang="ru-RU" sz="2800" dirty="0">
               <a:latin typeface="Arial" panose="020B0604020202020204" pitchFamily="34" charset="0"/>
             </a:endParaRPr>
           </a:p>
@@ -18623,68 +18796,10 @@
           <a:bodyPr/>
           <a:lstStyle/>
           <a:p>
-            <a:endParaRPr lang="ru-RU" dirty="0"/>
-          </a:p>
-        </p:txBody>
-      </p:sp>
-      <p:sp>
-        <p:nvSpPr>
-          <p:cNvPr id="7" name="Объект 6">
-            <a:extLst>
-              <a:ext uri="{FF2B5EF4-FFF2-40B4-BE49-F238E27FC236}">
-                <a16:creationId xmlns:a16="http://schemas.microsoft.com/office/drawing/2014/main" id="{ED9B45B7-0AA6-4CF5-B709-176069E72FC7}"/>
-              </a:ext>
-            </a:extLst>
-          </p:cNvPr>
-          <p:cNvSpPr>
-            <a:spLocks noGrp="1"/>
-          </p:cNvSpPr>
-          <p:nvPr>
-            <p:ph idx="1"/>
-          </p:nvPr>
-        </p:nvSpPr>
-        <p:spPr/>
-        <p:txBody>
-          <a:bodyPr>
-            <a:normAutofit/>
-          </a:bodyPr>
-          <a:lstStyle/>
-          <a:p>
-            <a:pPr marL="0" lvl="0" indent="0" eaLnBrk="0" fontAlgn="base" hangingPunct="0">
-              <a:lnSpc>
-                <a:spcPct val="100000"/>
-              </a:lnSpc>
-              <a:spcBef>
-                <a:spcPct val="0"/>
-              </a:spcBef>
-              <a:spcAft>
-                <a:spcPct val="0"/>
-              </a:spcAft>
-              <a:buClrTx/>
-              <a:buSzTx/>
-              <a:buNone/>
-              <a:tabLst>
-                <a:tab pos="581025" algn="l"/>
-                <a:tab pos="1163638" algn="l"/>
-                <a:tab pos="1744663" algn="l"/>
-                <a:tab pos="2327275" algn="l"/>
-                <a:tab pos="2908300" algn="l"/>
-                <a:tab pos="3489325" algn="l"/>
-                <a:tab pos="4071938" algn="l"/>
-                <a:tab pos="4652963" algn="l"/>
-                <a:tab pos="5235575" algn="l"/>
-                <a:tab pos="5816600" algn="l"/>
-                <a:tab pos="6397625" algn="l"/>
-                <a:tab pos="6980238" algn="l"/>
-                <a:tab pos="7561263" algn="l"/>
-                <a:tab pos="8143875" algn="l"/>
-                <a:tab pos="8724900" algn="l"/>
-                <a:tab pos="9305925" algn="l"/>
-              </a:tabLst>
-            </a:pPr>
-            <a:endParaRPr lang="ru-RU" altLang="ru-RU" sz="2400" dirty="0">
-              <a:latin typeface="Arial" panose="020B0604020202020204" pitchFamily="34" charset="0"/>
-            </a:endParaRPr>
+            <a:r>
+              <a:rPr lang="ru-RU" dirty="0"/>
+              <a:t>Строки</a:t>
+            </a:r>
           </a:p>
         </p:txBody>
       </p:sp>
@@ -18748,6 +18863,792 @@
           </a:prstGeom>
         </p:spPr>
       </p:pic>
+      <p:sp>
+        <p:nvSpPr>
+          <p:cNvPr id="2" name="Content Placeholder 1">
+            <a:extLst>
+              <a:ext uri="{FF2B5EF4-FFF2-40B4-BE49-F238E27FC236}">
+                <a16:creationId xmlns:a16="http://schemas.microsoft.com/office/drawing/2014/main" id="{B3674768-FBD4-4E13-A48D-7942D002949E}"/>
+              </a:ext>
+            </a:extLst>
+          </p:cNvPr>
+          <p:cNvSpPr>
+            <a:spLocks noGrp="1" noChangeArrowheads="1"/>
+          </p:cNvSpPr>
+          <p:nvPr>
+            <p:ph idx="1"/>
+          </p:nvPr>
+        </p:nvSpPr>
+        <p:spPr bwMode="auto">
+          <a:xfrm>
+            <a:off x="1295400" y="1981201"/>
+            <a:ext cx="6287299" cy="3539430"/>
+          </a:xfrm>
+          <a:prstGeom prst="rect">
+            <a:avLst/>
+          </a:prstGeom>
+          <a:noFill/>
+          <a:ln>
+            <a:noFill/>
+          </a:ln>
+          <a:effectLst/>
+          <a:extLst>
+            <a:ext uri="{909E8E84-426E-40DD-AFC4-6F175D3DCCD1}">
+              <a14:hiddenFill xmlns:a14="http://schemas.microsoft.com/office/drawing/2010/main">
+                <a:solidFill>
+                  <a:schemeClr val="accent1"/>
+                </a:solidFill>
+              </a14:hiddenFill>
+            </a:ext>
+            <a:ext uri="{91240B29-F687-4F45-9708-019B960494DF}">
+              <a14:hiddenLine xmlns:a14="http://schemas.microsoft.com/office/drawing/2010/main" w="9525">
+                <a:solidFill>
+                  <a:schemeClr val="tx1"/>
+                </a:solidFill>
+                <a:miter lim="800000"/>
+                <a:headEnd/>
+                <a:tailEnd/>
+              </a14:hiddenLine>
+            </a:ext>
+            <a:ext uri="{AF507438-7753-43E0-B8FC-AC1667EBCBE1}">
+              <a14:hiddenEffects xmlns:a14="http://schemas.microsoft.com/office/drawing/2010/main">
+                <a:effectLst>
+                  <a:outerShdw dist="35921" dir="2700000" algn="ctr" rotWithShape="0">
+                    <a:schemeClr val="bg2"/>
+                  </a:outerShdw>
+                </a:effectLst>
+              </a14:hiddenEffects>
+            </a:ext>
+          </a:extLst>
+        </p:spPr>
+        <p:txBody>
+          <a:bodyPr vert="horz" wrap="none" lIns="91440" tIns="45720" rIns="91440" bIns="45720" numCol="1" anchor="t" anchorCtr="0" compatLnSpc="1">
+            <a:prstTxWarp prst="textNoShape">
+              <a:avLst/>
+            </a:prstTxWarp>
+            <a:spAutoFit/>
+          </a:bodyPr>
+          <a:lstStyle>
+            <a:lvl1pPr eaLnBrk="0" fontAlgn="base" hangingPunct="0">
+              <a:spcBef>
+                <a:spcPct val="0"/>
+              </a:spcBef>
+              <a:spcAft>
+                <a:spcPct val="0"/>
+              </a:spcAft>
+              <a:tabLst>
+                <a:tab pos="581025" algn="l"/>
+                <a:tab pos="1163638" algn="l"/>
+                <a:tab pos="1744663" algn="l"/>
+                <a:tab pos="2327275" algn="l"/>
+                <a:tab pos="2908300" algn="l"/>
+                <a:tab pos="3489325" algn="l"/>
+                <a:tab pos="4071938" algn="l"/>
+                <a:tab pos="4652963" algn="l"/>
+                <a:tab pos="5235575" algn="l"/>
+                <a:tab pos="5816600" algn="l"/>
+                <a:tab pos="6397625" algn="l"/>
+                <a:tab pos="6980238" algn="l"/>
+                <a:tab pos="7561263" algn="l"/>
+                <a:tab pos="8143875" algn="l"/>
+                <a:tab pos="8724900" algn="l"/>
+                <a:tab pos="9305925" algn="l"/>
+              </a:tabLst>
+              <a:defRPr>
+                <a:solidFill>
+                  <a:schemeClr val="tx1"/>
+                </a:solidFill>
+                <a:latin typeface="Arial" panose="020B0604020202020204" pitchFamily="34" charset="0"/>
+              </a:defRPr>
+            </a:lvl1pPr>
+            <a:lvl2pPr eaLnBrk="0" fontAlgn="base" hangingPunct="0">
+              <a:spcBef>
+                <a:spcPct val="0"/>
+              </a:spcBef>
+              <a:spcAft>
+                <a:spcPct val="0"/>
+              </a:spcAft>
+              <a:tabLst>
+                <a:tab pos="581025" algn="l"/>
+                <a:tab pos="1163638" algn="l"/>
+                <a:tab pos="1744663" algn="l"/>
+                <a:tab pos="2327275" algn="l"/>
+                <a:tab pos="2908300" algn="l"/>
+                <a:tab pos="3489325" algn="l"/>
+                <a:tab pos="4071938" algn="l"/>
+                <a:tab pos="4652963" algn="l"/>
+                <a:tab pos="5235575" algn="l"/>
+                <a:tab pos="5816600" algn="l"/>
+                <a:tab pos="6397625" algn="l"/>
+                <a:tab pos="6980238" algn="l"/>
+                <a:tab pos="7561263" algn="l"/>
+                <a:tab pos="8143875" algn="l"/>
+                <a:tab pos="8724900" algn="l"/>
+                <a:tab pos="9305925" algn="l"/>
+              </a:tabLst>
+              <a:defRPr>
+                <a:solidFill>
+                  <a:schemeClr val="tx1"/>
+                </a:solidFill>
+                <a:latin typeface="Arial" panose="020B0604020202020204" pitchFamily="34" charset="0"/>
+              </a:defRPr>
+            </a:lvl2pPr>
+            <a:lvl3pPr eaLnBrk="0" fontAlgn="base" hangingPunct="0">
+              <a:spcBef>
+                <a:spcPct val="0"/>
+              </a:spcBef>
+              <a:spcAft>
+                <a:spcPct val="0"/>
+              </a:spcAft>
+              <a:tabLst>
+                <a:tab pos="581025" algn="l"/>
+                <a:tab pos="1163638" algn="l"/>
+                <a:tab pos="1744663" algn="l"/>
+                <a:tab pos="2327275" algn="l"/>
+                <a:tab pos="2908300" algn="l"/>
+                <a:tab pos="3489325" algn="l"/>
+                <a:tab pos="4071938" algn="l"/>
+                <a:tab pos="4652963" algn="l"/>
+                <a:tab pos="5235575" algn="l"/>
+                <a:tab pos="5816600" algn="l"/>
+                <a:tab pos="6397625" algn="l"/>
+                <a:tab pos="6980238" algn="l"/>
+                <a:tab pos="7561263" algn="l"/>
+                <a:tab pos="8143875" algn="l"/>
+                <a:tab pos="8724900" algn="l"/>
+                <a:tab pos="9305925" algn="l"/>
+              </a:tabLst>
+              <a:defRPr>
+                <a:solidFill>
+                  <a:schemeClr val="tx1"/>
+                </a:solidFill>
+                <a:latin typeface="Arial" panose="020B0604020202020204" pitchFamily="34" charset="0"/>
+              </a:defRPr>
+            </a:lvl3pPr>
+            <a:lvl4pPr eaLnBrk="0" fontAlgn="base" hangingPunct="0">
+              <a:spcBef>
+                <a:spcPct val="0"/>
+              </a:spcBef>
+              <a:spcAft>
+                <a:spcPct val="0"/>
+              </a:spcAft>
+              <a:tabLst>
+                <a:tab pos="581025" algn="l"/>
+                <a:tab pos="1163638" algn="l"/>
+                <a:tab pos="1744663" algn="l"/>
+                <a:tab pos="2327275" algn="l"/>
+                <a:tab pos="2908300" algn="l"/>
+                <a:tab pos="3489325" algn="l"/>
+                <a:tab pos="4071938" algn="l"/>
+                <a:tab pos="4652963" algn="l"/>
+                <a:tab pos="5235575" algn="l"/>
+                <a:tab pos="5816600" algn="l"/>
+                <a:tab pos="6397625" algn="l"/>
+                <a:tab pos="6980238" algn="l"/>
+                <a:tab pos="7561263" algn="l"/>
+                <a:tab pos="8143875" algn="l"/>
+                <a:tab pos="8724900" algn="l"/>
+                <a:tab pos="9305925" algn="l"/>
+              </a:tabLst>
+              <a:defRPr>
+                <a:solidFill>
+                  <a:schemeClr val="tx1"/>
+                </a:solidFill>
+                <a:latin typeface="Arial" panose="020B0604020202020204" pitchFamily="34" charset="0"/>
+              </a:defRPr>
+            </a:lvl4pPr>
+            <a:lvl5pPr eaLnBrk="0" fontAlgn="base" hangingPunct="0">
+              <a:spcBef>
+                <a:spcPct val="0"/>
+              </a:spcBef>
+              <a:spcAft>
+                <a:spcPct val="0"/>
+              </a:spcAft>
+              <a:tabLst>
+                <a:tab pos="581025" algn="l"/>
+                <a:tab pos="1163638" algn="l"/>
+                <a:tab pos="1744663" algn="l"/>
+                <a:tab pos="2327275" algn="l"/>
+                <a:tab pos="2908300" algn="l"/>
+                <a:tab pos="3489325" algn="l"/>
+                <a:tab pos="4071938" algn="l"/>
+                <a:tab pos="4652963" algn="l"/>
+                <a:tab pos="5235575" algn="l"/>
+                <a:tab pos="5816600" algn="l"/>
+                <a:tab pos="6397625" algn="l"/>
+                <a:tab pos="6980238" algn="l"/>
+                <a:tab pos="7561263" algn="l"/>
+                <a:tab pos="8143875" algn="l"/>
+                <a:tab pos="8724900" algn="l"/>
+                <a:tab pos="9305925" algn="l"/>
+              </a:tabLst>
+              <a:defRPr>
+                <a:solidFill>
+                  <a:schemeClr val="tx1"/>
+                </a:solidFill>
+                <a:latin typeface="Arial" panose="020B0604020202020204" pitchFamily="34" charset="0"/>
+              </a:defRPr>
+            </a:lvl5pPr>
+            <a:lvl6pPr eaLnBrk="0" fontAlgn="base" hangingPunct="0">
+              <a:spcBef>
+                <a:spcPct val="0"/>
+              </a:spcBef>
+              <a:spcAft>
+                <a:spcPct val="0"/>
+              </a:spcAft>
+              <a:tabLst>
+                <a:tab pos="581025" algn="l"/>
+                <a:tab pos="1163638" algn="l"/>
+                <a:tab pos="1744663" algn="l"/>
+                <a:tab pos="2327275" algn="l"/>
+                <a:tab pos="2908300" algn="l"/>
+                <a:tab pos="3489325" algn="l"/>
+                <a:tab pos="4071938" algn="l"/>
+                <a:tab pos="4652963" algn="l"/>
+                <a:tab pos="5235575" algn="l"/>
+                <a:tab pos="5816600" algn="l"/>
+                <a:tab pos="6397625" algn="l"/>
+                <a:tab pos="6980238" algn="l"/>
+                <a:tab pos="7561263" algn="l"/>
+                <a:tab pos="8143875" algn="l"/>
+                <a:tab pos="8724900" algn="l"/>
+                <a:tab pos="9305925" algn="l"/>
+              </a:tabLst>
+              <a:defRPr>
+                <a:solidFill>
+                  <a:schemeClr val="tx1"/>
+                </a:solidFill>
+                <a:latin typeface="Arial" panose="020B0604020202020204" pitchFamily="34" charset="0"/>
+              </a:defRPr>
+            </a:lvl6pPr>
+            <a:lvl7pPr eaLnBrk="0" fontAlgn="base" hangingPunct="0">
+              <a:spcBef>
+                <a:spcPct val="0"/>
+              </a:spcBef>
+              <a:spcAft>
+                <a:spcPct val="0"/>
+              </a:spcAft>
+              <a:tabLst>
+                <a:tab pos="581025" algn="l"/>
+                <a:tab pos="1163638" algn="l"/>
+                <a:tab pos="1744663" algn="l"/>
+                <a:tab pos="2327275" algn="l"/>
+                <a:tab pos="2908300" algn="l"/>
+                <a:tab pos="3489325" algn="l"/>
+                <a:tab pos="4071938" algn="l"/>
+                <a:tab pos="4652963" algn="l"/>
+                <a:tab pos="5235575" algn="l"/>
+                <a:tab pos="5816600" algn="l"/>
+                <a:tab pos="6397625" algn="l"/>
+                <a:tab pos="6980238" algn="l"/>
+                <a:tab pos="7561263" algn="l"/>
+                <a:tab pos="8143875" algn="l"/>
+                <a:tab pos="8724900" algn="l"/>
+                <a:tab pos="9305925" algn="l"/>
+              </a:tabLst>
+              <a:defRPr>
+                <a:solidFill>
+                  <a:schemeClr val="tx1"/>
+                </a:solidFill>
+                <a:latin typeface="Arial" panose="020B0604020202020204" pitchFamily="34" charset="0"/>
+              </a:defRPr>
+            </a:lvl7pPr>
+            <a:lvl8pPr eaLnBrk="0" fontAlgn="base" hangingPunct="0">
+              <a:spcBef>
+                <a:spcPct val="0"/>
+              </a:spcBef>
+              <a:spcAft>
+                <a:spcPct val="0"/>
+              </a:spcAft>
+              <a:tabLst>
+                <a:tab pos="581025" algn="l"/>
+                <a:tab pos="1163638" algn="l"/>
+                <a:tab pos="1744663" algn="l"/>
+                <a:tab pos="2327275" algn="l"/>
+                <a:tab pos="2908300" algn="l"/>
+                <a:tab pos="3489325" algn="l"/>
+                <a:tab pos="4071938" algn="l"/>
+                <a:tab pos="4652963" algn="l"/>
+                <a:tab pos="5235575" algn="l"/>
+                <a:tab pos="5816600" algn="l"/>
+                <a:tab pos="6397625" algn="l"/>
+                <a:tab pos="6980238" algn="l"/>
+                <a:tab pos="7561263" algn="l"/>
+                <a:tab pos="8143875" algn="l"/>
+                <a:tab pos="8724900" algn="l"/>
+                <a:tab pos="9305925" algn="l"/>
+              </a:tabLst>
+              <a:defRPr>
+                <a:solidFill>
+                  <a:schemeClr val="tx1"/>
+                </a:solidFill>
+                <a:latin typeface="Arial" panose="020B0604020202020204" pitchFamily="34" charset="0"/>
+              </a:defRPr>
+            </a:lvl8pPr>
+            <a:lvl9pPr eaLnBrk="0" fontAlgn="base" hangingPunct="0">
+              <a:spcBef>
+                <a:spcPct val="0"/>
+              </a:spcBef>
+              <a:spcAft>
+                <a:spcPct val="0"/>
+              </a:spcAft>
+              <a:tabLst>
+                <a:tab pos="581025" algn="l"/>
+                <a:tab pos="1163638" algn="l"/>
+                <a:tab pos="1744663" algn="l"/>
+                <a:tab pos="2327275" algn="l"/>
+                <a:tab pos="2908300" algn="l"/>
+                <a:tab pos="3489325" algn="l"/>
+                <a:tab pos="4071938" algn="l"/>
+                <a:tab pos="4652963" algn="l"/>
+                <a:tab pos="5235575" algn="l"/>
+                <a:tab pos="5816600" algn="l"/>
+                <a:tab pos="6397625" algn="l"/>
+                <a:tab pos="6980238" algn="l"/>
+                <a:tab pos="7561263" algn="l"/>
+                <a:tab pos="8143875" algn="l"/>
+                <a:tab pos="8724900" algn="l"/>
+                <a:tab pos="9305925" algn="l"/>
+              </a:tabLst>
+              <a:defRPr>
+                <a:solidFill>
+                  <a:schemeClr val="tx1"/>
+                </a:solidFill>
+                <a:latin typeface="Arial" panose="020B0604020202020204" pitchFamily="34" charset="0"/>
+              </a:defRPr>
+            </a:lvl9pPr>
+          </a:lstStyle>
+          <a:p>
+            <a:pPr marL="0" marR="0" lvl="0" indent="0" algn="l" defTabSz="914400" rtl="0" eaLnBrk="0" fontAlgn="base" latinLnBrk="0" hangingPunct="0">
+              <a:lnSpc>
+                <a:spcPct val="100000"/>
+              </a:lnSpc>
+              <a:spcBef>
+                <a:spcPct val="0"/>
+              </a:spcBef>
+              <a:spcAft>
+                <a:spcPct val="0"/>
+              </a:spcAft>
+              <a:buClrTx/>
+              <a:buSzTx/>
+              <a:buFontTx/>
+              <a:buNone/>
+              <a:tabLst>
+                <a:tab pos="581025" algn="l"/>
+                <a:tab pos="1163638" algn="l"/>
+                <a:tab pos="1744663" algn="l"/>
+                <a:tab pos="2327275" algn="l"/>
+                <a:tab pos="2908300" algn="l"/>
+                <a:tab pos="3489325" algn="l"/>
+                <a:tab pos="4071938" algn="l"/>
+                <a:tab pos="4652963" algn="l"/>
+                <a:tab pos="5235575" algn="l"/>
+                <a:tab pos="5816600" algn="l"/>
+                <a:tab pos="6397625" algn="l"/>
+                <a:tab pos="6980238" algn="l"/>
+                <a:tab pos="7561263" algn="l"/>
+                <a:tab pos="8143875" algn="l"/>
+                <a:tab pos="8724900" algn="l"/>
+                <a:tab pos="9305925" algn="l"/>
+              </a:tabLst>
+            </a:pPr>
+            <a:r>
+              <a:rPr kumimoji="0" lang="en-US" altLang="ru-RU" sz="3200" b="0" i="0" u="none" strike="noStrike" cap="none" normalizeH="0" baseline="0" dirty="0">
+                <a:ln>
+                  <a:noFill/>
+                </a:ln>
+                <a:solidFill>
+                  <a:srgbClr val="76923C"/>
+                </a:solidFill>
+                <a:effectLst/>
+                <a:latin typeface="Consolas" panose="020B0609020204030204" pitchFamily="49" charset="0"/>
+                <a:ea typeface="Times New Roman" panose="02020603050405020304" pitchFamily="18" charset="0"/>
+                <a:cs typeface="Courier New" panose="02070309020205020404" pitchFamily="49" charset="0"/>
+              </a:rPr>
+              <a:t>string </a:t>
+            </a:r>
+            <a:r>
+              <a:rPr kumimoji="0" lang="en-US" altLang="ru-RU" sz="3200" b="0" i="0" u="none" strike="noStrike" cap="none" normalizeH="0" baseline="0" dirty="0">
+                <a:ln>
+                  <a:noFill/>
+                </a:ln>
+                <a:solidFill>
+                  <a:schemeClr val="tx1"/>
+                </a:solidFill>
+                <a:effectLst/>
+                <a:latin typeface="Consolas" panose="020B0609020204030204" pitchFamily="49" charset="0"/>
+                <a:ea typeface="Times New Roman" panose="02020603050405020304" pitchFamily="18" charset="0"/>
+                <a:cs typeface="Courier New" panose="02070309020205020404" pitchFamily="49" charset="0"/>
+              </a:rPr>
+              <a:t>s</a:t>
+            </a:r>
+            <a:r>
+              <a:rPr kumimoji="0" lang="ru-RU" altLang="ru-RU" sz="3200" b="0" i="0" u="none" strike="noStrike" cap="none" normalizeH="0" baseline="0" dirty="0">
+                <a:ln>
+                  <a:noFill/>
+                </a:ln>
+                <a:solidFill>
+                  <a:schemeClr val="tx1"/>
+                </a:solidFill>
+                <a:effectLst/>
+                <a:latin typeface="Consolas" panose="020B0609020204030204" pitchFamily="49" charset="0"/>
+                <a:ea typeface="Times New Roman" panose="02020603050405020304" pitchFamily="18" charset="0"/>
+                <a:cs typeface="Courier New" panose="02070309020205020404" pitchFamily="49" charset="0"/>
+              </a:rPr>
+              <a:t> = </a:t>
+            </a:r>
+            <a:r>
+              <a:rPr kumimoji="0" lang="ru-RU" altLang="ru-RU" sz="3200" b="0" i="0" u="none" strike="noStrike" cap="none" normalizeH="0" baseline="0" dirty="0">
+                <a:ln>
+                  <a:noFill/>
+                </a:ln>
+                <a:solidFill>
+                  <a:srgbClr val="943634"/>
+                </a:solidFill>
+                <a:effectLst/>
+                <a:latin typeface="Consolas" panose="020B0609020204030204" pitchFamily="49" charset="0"/>
+                <a:ea typeface="Times New Roman" panose="02020603050405020304" pitchFamily="18" charset="0"/>
+                <a:cs typeface="Courier New" panose="02070309020205020404" pitchFamily="49" charset="0"/>
+              </a:rPr>
+              <a:t>"</a:t>
+            </a:r>
+            <a:r>
+              <a:rPr kumimoji="0" lang="en-US" altLang="ru-RU" sz="3200" b="0" i="0" u="none" strike="noStrike" cap="none" normalizeH="0" baseline="0" dirty="0">
+                <a:ln>
+                  <a:noFill/>
+                </a:ln>
+                <a:solidFill>
+                  <a:srgbClr val="943634"/>
+                </a:solidFill>
+                <a:effectLst/>
+                <a:latin typeface="Consolas" panose="020B0609020204030204" pitchFamily="49" charset="0"/>
+                <a:ea typeface="Times New Roman" panose="02020603050405020304" pitchFamily="18" charset="0"/>
+                <a:cs typeface="Courier New" panose="02070309020205020404" pitchFamily="49" charset="0"/>
+              </a:rPr>
+              <a:t>Hello</a:t>
+            </a:r>
+            <a:r>
+              <a:rPr kumimoji="0" lang="ru-RU" altLang="ru-RU" sz="3200" b="0" i="0" u="none" strike="noStrike" cap="none" normalizeH="0" baseline="0" dirty="0">
+                <a:ln>
+                  <a:noFill/>
+                </a:ln>
+                <a:solidFill>
+                  <a:srgbClr val="943634"/>
+                </a:solidFill>
+                <a:effectLst/>
+                <a:latin typeface="Consolas" panose="020B0609020204030204" pitchFamily="49" charset="0"/>
+                <a:ea typeface="Times New Roman" panose="02020603050405020304" pitchFamily="18" charset="0"/>
+                <a:cs typeface="Courier New" panose="02070309020205020404" pitchFamily="49" charset="0"/>
+              </a:rPr>
+              <a:t>, </a:t>
+            </a:r>
+            <a:r>
+              <a:rPr kumimoji="0" lang="en-US" altLang="ru-RU" sz="3200" b="0" i="0" u="none" strike="noStrike" cap="none" normalizeH="0" baseline="0" dirty="0">
+                <a:ln>
+                  <a:noFill/>
+                </a:ln>
+                <a:solidFill>
+                  <a:srgbClr val="943634"/>
+                </a:solidFill>
+                <a:effectLst/>
+                <a:latin typeface="Consolas" panose="020B0609020204030204" pitchFamily="49" charset="0"/>
+                <a:ea typeface="Times New Roman" panose="02020603050405020304" pitchFamily="18" charset="0"/>
+                <a:cs typeface="Courier New" panose="02070309020205020404" pitchFamily="49" charset="0"/>
+              </a:rPr>
+              <a:t>World</a:t>
+            </a:r>
+            <a:r>
+              <a:rPr kumimoji="0" lang="ru-RU" altLang="ru-RU" sz="3200" b="0" i="0" u="none" strike="noStrike" cap="none" normalizeH="0" baseline="0" dirty="0">
+                <a:ln>
+                  <a:noFill/>
+                </a:ln>
+                <a:solidFill>
+                  <a:srgbClr val="943634"/>
+                </a:solidFill>
+                <a:effectLst/>
+                <a:latin typeface="Consolas" panose="020B0609020204030204" pitchFamily="49" charset="0"/>
+                <a:ea typeface="Times New Roman" panose="02020603050405020304" pitchFamily="18" charset="0"/>
+                <a:cs typeface="Courier New" panose="02070309020205020404" pitchFamily="49" charset="0"/>
+              </a:rPr>
+              <a:t>!"</a:t>
+            </a:r>
+            <a:r>
+              <a:rPr kumimoji="0" lang="ru-RU" altLang="ru-RU" sz="3200" b="0" i="0" u="none" strike="noStrike" cap="none" normalizeH="0" baseline="0" dirty="0">
+                <a:ln>
+                  <a:noFill/>
+                </a:ln>
+                <a:solidFill>
+                  <a:schemeClr val="tx1"/>
+                </a:solidFill>
+                <a:effectLst/>
+                <a:latin typeface="Consolas" panose="020B0609020204030204" pitchFamily="49" charset="0"/>
+                <a:ea typeface="Times New Roman" panose="02020603050405020304" pitchFamily="18" charset="0"/>
+                <a:cs typeface="Courier New" panose="02070309020205020404" pitchFamily="49" charset="0"/>
+              </a:rPr>
+              <a:t>;</a:t>
+            </a:r>
+          </a:p>
+          <a:p>
+            <a:pPr marL="0" marR="0" lvl="0" indent="0" algn="l" defTabSz="914400" rtl="0" eaLnBrk="0" fontAlgn="base" latinLnBrk="0" hangingPunct="0">
+              <a:lnSpc>
+                <a:spcPct val="100000"/>
+              </a:lnSpc>
+              <a:spcBef>
+                <a:spcPct val="0"/>
+              </a:spcBef>
+              <a:spcAft>
+                <a:spcPct val="0"/>
+              </a:spcAft>
+              <a:buClrTx/>
+              <a:buSzTx/>
+              <a:buFontTx/>
+              <a:buNone/>
+              <a:tabLst>
+                <a:tab pos="581025" algn="l"/>
+                <a:tab pos="1163638" algn="l"/>
+                <a:tab pos="1744663" algn="l"/>
+                <a:tab pos="2327275" algn="l"/>
+                <a:tab pos="2908300" algn="l"/>
+                <a:tab pos="3489325" algn="l"/>
+                <a:tab pos="4071938" algn="l"/>
+                <a:tab pos="4652963" algn="l"/>
+                <a:tab pos="5235575" algn="l"/>
+                <a:tab pos="5816600" algn="l"/>
+                <a:tab pos="6397625" algn="l"/>
+                <a:tab pos="6980238" algn="l"/>
+                <a:tab pos="7561263" algn="l"/>
+                <a:tab pos="8143875" algn="l"/>
+                <a:tab pos="8724900" algn="l"/>
+                <a:tab pos="9305925" algn="l"/>
+              </a:tabLst>
+            </a:pPr>
+            <a:endParaRPr lang="ru-RU" altLang="ru-RU" sz="3200" dirty="0">
+              <a:latin typeface="Consolas" panose="020B0609020204030204" pitchFamily="49" charset="0"/>
+              <a:ea typeface="Times New Roman" panose="02020603050405020304" pitchFamily="18" charset="0"/>
+              <a:cs typeface="Courier New" panose="02070309020205020404" pitchFamily="49" charset="0"/>
+            </a:endParaRPr>
+          </a:p>
+          <a:p>
+            <a:pPr marL="0" lvl="0" indent="0">
+              <a:lnSpc>
+                <a:spcPct val="100000"/>
+              </a:lnSpc>
+              <a:buClrTx/>
+              <a:buSzTx/>
+              <a:buNone/>
+            </a:pPr>
+            <a:r>
+              <a:rPr lang="en-US" altLang="ru-RU" sz="3200" dirty="0">
+                <a:latin typeface="Consolas" panose="020B0609020204030204" pitchFamily="49" charset="0"/>
+                <a:ea typeface="Times New Roman" panose="02020603050405020304" pitchFamily="18" charset="0"/>
+                <a:cs typeface="Courier New" panose="02070309020205020404" pitchFamily="49" charset="0"/>
+              </a:rPr>
+              <a:t>s = </a:t>
+            </a:r>
+            <a:r>
+              <a:rPr lang="en-US" altLang="ru-RU" sz="3200" dirty="0" err="1">
+                <a:solidFill>
+                  <a:srgbClr val="31849B"/>
+                </a:solidFill>
+                <a:latin typeface="Consolas" panose="020B0609020204030204" pitchFamily="49" charset="0"/>
+                <a:ea typeface="Times New Roman" panose="02020603050405020304" pitchFamily="18" charset="0"/>
+                <a:cs typeface="Courier New" panose="02070309020205020404" pitchFamily="49" charset="0"/>
+              </a:rPr>
+              <a:t>Console</a:t>
+            </a:r>
+            <a:r>
+              <a:rPr lang="en-US" altLang="ru-RU" sz="3200" dirty="0" err="1">
+                <a:latin typeface="Consolas" panose="020B0609020204030204" pitchFamily="49" charset="0"/>
+                <a:ea typeface="Times New Roman" panose="02020603050405020304" pitchFamily="18" charset="0"/>
+                <a:cs typeface="Courier New" panose="02070309020205020404" pitchFamily="49" charset="0"/>
+              </a:rPr>
+              <a:t>.ReadLine</a:t>
+            </a:r>
+            <a:r>
+              <a:rPr lang="en-US" altLang="ru-RU" sz="3200" dirty="0">
+                <a:latin typeface="Consolas" panose="020B0609020204030204" pitchFamily="49" charset="0"/>
+                <a:ea typeface="Times New Roman" panose="02020603050405020304" pitchFamily="18" charset="0"/>
+                <a:cs typeface="Courier New" panose="02070309020205020404" pitchFamily="49" charset="0"/>
+              </a:rPr>
+              <a:t>();</a:t>
+            </a:r>
+            <a:endParaRPr lang="ru-RU" altLang="ru-RU" sz="3200" dirty="0">
+              <a:latin typeface="Consolas" panose="020B0609020204030204" pitchFamily="49" charset="0"/>
+            </a:endParaRPr>
+          </a:p>
+          <a:p>
+            <a:pPr marL="0" lvl="0" indent="0">
+              <a:lnSpc>
+                <a:spcPct val="100000"/>
+              </a:lnSpc>
+              <a:buClrTx/>
+              <a:buSzTx/>
+              <a:buNone/>
+            </a:pPr>
+            <a:r>
+              <a:rPr lang="en-US" altLang="ru-RU" sz="3200" dirty="0" err="1">
+                <a:solidFill>
+                  <a:srgbClr val="31849B"/>
+                </a:solidFill>
+                <a:latin typeface="Consolas" panose="020B0609020204030204" pitchFamily="49" charset="0"/>
+                <a:ea typeface="Times New Roman" panose="02020603050405020304" pitchFamily="18" charset="0"/>
+                <a:cs typeface="Courier New" panose="02070309020205020404" pitchFamily="49" charset="0"/>
+              </a:rPr>
+              <a:t>Console</a:t>
+            </a:r>
+            <a:r>
+              <a:rPr lang="en-US" altLang="ru-RU" sz="3200" dirty="0" err="1">
+                <a:latin typeface="Consolas" panose="020B0609020204030204" pitchFamily="49" charset="0"/>
+                <a:ea typeface="Times New Roman" panose="02020603050405020304" pitchFamily="18" charset="0"/>
+                <a:cs typeface="Courier New" panose="02070309020205020404" pitchFamily="49" charset="0"/>
+              </a:rPr>
+              <a:t>.WriteLine</a:t>
+            </a:r>
+            <a:r>
+              <a:rPr lang="en-US" altLang="ru-RU" sz="3200" dirty="0">
+                <a:latin typeface="Consolas" panose="020B0609020204030204" pitchFamily="49" charset="0"/>
+                <a:ea typeface="Times New Roman" panose="02020603050405020304" pitchFamily="18" charset="0"/>
+                <a:cs typeface="Courier New" panose="02070309020205020404" pitchFamily="49" charset="0"/>
+              </a:rPr>
+              <a:t>(s);</a:t>
+            </a:r>
+            <a:endParaRPr lang="en-US" altLang="ru-RU" sz="3200" dirty="0">
+              <a:latin typeface="Consolas" panose="020B0609020204030204" pitchFamily="49" charset="0"/>
+            </a:endParaRPr>
+          </a:p>
+          <a:p>
+            <a:pPr marL="0" marR="0" lvl="0" indent="0" algn="l" defTabSz="914400" rtl="0" eaLnBrk="0" fontAlgn="base" latinLnBrk="0" hangingPunct="0">
+              <a:lnSpc>
+                <a:spcPct val="100000"/>
+              </a:lnSpc>
+              <a:spcBef>
+                <a:spcPct val="0"/>
+              </a:spcBef>
+              <a:spcAft>
+                <a:spcPct val="0"/>
+              </a:spcAft>
+              <a:buClrTx/>
+              <a:buSzTx/>
+              <a:buFontTx/>
+              <a:buNone/>
+              <a:tabLst>
+                <a:tab pos="581025" algn="l"/>
+                <a:tab pos="1163638" algn="l"/>
+                <a:tab pos="1744663" algn="l"/>
+                <a:tab pos="2327275" algn="l"/>
+                <a:tab pos="2908300" algn="l"/>
+                <a:tab pos="3489325" algn="l"/>
+                <a:tab pos="4071938" algn="l"/>
+                <a:tab pos="4652963" algn="l"/>
+                <a:tab pos="5235575" algn="l"/>
+                <a:tab pos="5816600" algn="l"/>
+                <a:tab pos="6397625" algn="l"/>
+                <a:tab pos="6980238" algn="l"/>
+                <a:tab pos="7561263" algn="l"/>
+                <a:tab pos="8143875" algn="l"/>
+                <a:tab pos="8724900" algn="l"/>
+                <a:tab pos="9305925" algn="l"/>
+              </a:tabLst>
+            </a:pPr>
+            <a:endParaRPr kumimoji="0" lang="ru-RU" altLang="ru-RU" sz="3200" b="0" i="0" u="none" strike="noStrike" cap="none" normalizeH="0" baseline="0" dirty="0">
+              <a:ln>
+                <a:noFill/>
+              </a:ln>
+              <a:solidFill>
+                <a:schemeClr val="tx1"/>
+              </a:solidFill>
+              <a:effectLst/>
+              <a:latin typeface="Consolas" panose="020B0609020204030204" pitchFamily="49" charset="0"/>
+              <a:ea typeface="Times New Roman" panose="02020603050405020304" pitchFamily="18" charset="0"/>
+              <a:cs typeface="Courier New" panose="02070309020205020404" pitchFamily="49" charset="0"/>
+            </a:endParaRPr>
+          </a:p>
+          <a:p>
+            <a:pPr marL="0" marR="0" lvl="0" indent="0" algn="l" defTabSz="914400" rtl="0" eaLnBrk="0" fontAlgn="base" latinLnBrk="0" hangingPunct="0">
+              <a:lnSpc>
+                <a:spcPct val="100000"/>
+              </a:lnSpc>
+              <a:spcBef>
+                <a:spcPct val="0"/>
+              </a:spcBef>
+              <a:spcAft>
+                <a:spcPct val="0"/>
+              </a:spcAft>
+              <a:buClrTx/>
+              <a:buSzTx/>
+              <a:buFontTx/>
+              <a:buNone/>
+              <a:tabLst>
+                <a:tab pos="581025" algn="l"/>
+                <a:tab pos="1163638" algn="l"/>
+                <a:tab pos="1744663" algn="l"/>
+                <a:tab pos="2327275" algn="l"/>
+                <a:tab pos="2908300" algn="l"/>
+                <a:tab pos="3489325" algn="l"/>
+                <a:tab pos="4071938" algn="l"/>
+                <a:tab pos="4652963" algn="l"/>
+                <a:tab pos="5235575" algn="l"/>
+                <a:tab pos="5816600" algn="l"/>
+                <a:tab pos="6397625" algn="l"/>
+                <a:tab pos="6980238" algn="l"/>
+                <a:tab pos="7561263" algn="l"/>
+                <a:tab pos="8143875" algn="l"/>
+                <a:tab pos="8724900" algn="l"/>
+                <a:tab pos="9305925" algn="l"/>
+              </a:tabLst>
+            </a:pPr>
+            <a:endParaRPr lang="ru-RU" altLang="ru-RU" sz="3200" dirty="0">
+              <a:latin typeface="Consolas" panose="020B0609020204030204" pitchFamily="49" charset="0"/>
+              <a:cs typeface="Courier New" panose="02070309020205020404" pitchFamily="49" charset="0"/>
+            </a:endParaRPr>
+          </a:p>
+          <a:p>
+            <a:pPr marL="0" marR="0" lvl="0" indent="0" algn="l" defTabSz="914400" rtl="0" eaLnBrk="0" fontAlgn="base" latinLnBrk="0" hangingPunct="0">
+              <a:lnSpc>
+                <a:spcPct val="100000"/>
+              </a:lnSpc>
+              <a:spcBef>
+                <a:spcPct val="0"/>
+              </a:spcBef>
+              <a:spcAft>
+                <a:spcPct val="0"/>
+              </a:spcAft>
+              <a:buClrTx/>
+              <a:buSzTx/>
+              <a:buFontTx/>
+              <a:buNone/>
+              <a:tabLst>
+                <a:tab pos="581025" algn="l"/>
+                <a:tab pos="1163638" algn="l"/>
+                <a:tab pos="1744663" algn="l"/>
+                <a:tab pos="2327275" algn="l"/>
+                <a:tab pos="2908300" algn="l"/>
+                <a:tab pos="3489325" algn="l"/>
+                <a:tab pos="4071938" algn="l"/>
+                <a:tab pos="4652963" algn="l"/>
+                <a:tab pos="5235575" algn="l"/>
+                <a:tab pos="5816600" algn="l"/>
+                <a:tab pos="6397625" algn="l"/>
+                <a:tab pos="6980238" algn="l"/>
+                <a:tab pos="7561263" algn="l"/>
+                <a:tab pos="8143875" algn="l"/>
+                <a:tab pos="8724900" algn="l"/>
+                <a:tab pos="9305925" algn="l"/>
+              </a:tabLst>
+            </a:pPr>
+            <a:endParaRPr kumimoji="0" lang="ru-RU" altLang="ru-RU" sz="3200" b="0" i="0" u="none" strike="noStrike" cap="none" normalizeH="0" baseline="0" dirty="0">
+              <a:ln>
+                <a:noFill/>
+              </a:ln>
+              <a:solidFill>
+                <a:schemeClr val="tx1"/>
+              </a:solidFill>
+              <a:effectLst/>
+              <a:latin typeface="Consolas" panose="020B0609020204030204" pitchFamily="49" charset="0"/>
+            </a:endParaRPr>
+          </a:p>
+        </p:txBody>
+      </p:sp>
     </p:spTree>
     <p:extLst>
       <p:ext uri="{BB962C8B-B14F-4D97-AF65-F5344CB8AC3E}">
@@ -18811,68 +19712,10 @@
           <a:bodyPr/>
           <a:lstStyle/>
           <a:p>
-            <a:endParaRPr lang="ru-RU" dirty="0"/>
-          </a:p>
-        </p:txBody>
-      </p:sp>
-      <p:sp>
-        <p:nvSpPr>
-          <p:cNvPr id="7" name="Объект 6">
-            <a:extLst>
-              <a:ext uri="{FF2B5EF4-FFF2-40B4-BE49-F238E27FC236}">
-                <a16:creationId xmlns:a16="http://schemas.microsoft.com/office/drawing/2014/main" id="{ED9B45B7-0AA6-4CF5-B709-176069E72FC7}"/>
-              </a:ext>
-            </a:extLst>
-          </p:cNvPr>
-          <p:cNvSpPr>
-            <a:spLocks noGrp="1"/>
-          </p:cNvSpPr>
-          <p:nvPr>
-            <p:ph idx="1"/>
-          </p:nvPr>
-        </p:nvSpPr>
-        <p:spPr/>
-        <p:txBody>
-          <a:bodyPr>
-            <a:normAutofit/>
-          </a:bodyPr>
-          <a:lstStyle/>
-          <a:p>
-            <a:pPr marL="0" lvl="0" indent="0" eaLnBrk="0" fontAlgn="base" hangingPunct="0">
-              <a:lnSpc>
-                <a:spcPct val="100000"/>
-              </a:lnSpc>
-              <a:spcBef>
-                <a:spcPct val="0"/>
-              </a:spcBef>
-              <a:spcAft>
-                <a:spcPct val="0"/>
-              </a:spcAft>
-              <a:buClrTx/>
-              <a:buSzTx/>
-              <a:buNone/>
-              <a:tabLst>
-                <a:tab pos="581025" algn="l"/>
-                <a:tab pos="1163638" algn="l"/>
-                <a:tab pos="1744663" algn="l"/>
-                <a:tab pos="2327275" algn="l"/>
-                <a:tab pos="2908300" algn="l"/>
-                <a:tab pos="3489325" algn="l"/>
-                <a:tab pos="4071938" algn="l"/>
-                <a:tab pos="4652963" algn="l"/>
-                <a:tab pos="5235575" algn="l"/>
-                <a:tab pos="5816600" algn="l"/>
-                <a:tab pos="6397625" algn="l"/>
-                <a:tab pos="6980238" algn="l"/>
-                <a:tab pos="7561263" algn="l"/>
-                <a:tab pos="8143875" algn="l"/>
-                <a:tab pos="8724900" algn="l"/>
-                <a:tab pos="9305925" algn="l"/>
-              </a:tabLst>
-            </a:pPr>
-            <a:endParaRPr lang="ru-RU" altLang="ru-RU" sz="2400" dirty="0">
-              <a:latin typeface="Arial" panose="020B0604020202020204" pitchFamily="34" charset="0"/>
-            </a:endParaRPr>
+            <a:r>
+              <a:rPr lang="ru-RU" dirty="0"/>
+              <a:t>Длина строки</a:t>
+            </a:r>
           </a:p>
         </p:txBody>
       </p:sp>
@@ -18936,6 +19779,588 @@
           </a:prstGeom>
         </p:spPr>
       </p:pic>
+      <p:sp>
+        <p:nvSpPr>
+          <p:cNvPr id="2" name="Content Placeholder 1">
+            <a:extLst>
+              <a:ext uri="{FF2B5EF4-FFF2-40B4-BE49-F238E27FC236}">
+                <a16:creationId xmlns:a16="http://schemas.microsoft.com/office/drawing/2014/main" id="{D7076F1C-41A8-46B8-9F30-F22667645F2E}"/>
+              </a:ext>
+            </a:extLst>
+          </p:cNvPr>
+          <p:cNvSpPr>
+            <a:spLocks noGrp="1" noChangeArrowheads="1"/>
+          </p:cNvSpPr>
+          <p:nvPr>
+            <p:ph idx="1"/>
+          </p:nvPr>
+        </p:nvSpPr>
+        <p:spPr bwMode="auto">
+          <a:xfrm>
+            <a:off x="1295400" y="1981201"/>
+            <a:ext cx="6513322" cy="1077218"/>
+          </a:xfrm>
+          <a:prstGeom prst="rect">
+            <a:avLst/>
+          </a:prstGeom>
+          <a:noFill/>
+          <a:ln>
+            <a:noFill/>
+          </a:ln>
+          <a:effectLst/>
+          <a:extLst>
+            <a:ext uri="{909E8E84-426E-40DD-AFC4-6F175D3DCCD1}">
+              <a14:hiddenFill xmlns:a14="http://schemas.microsoft.com/office/drawing/2010/main">
+                <a:solidFill>
+                  <a:schemeClr val="accent1"/>
+                </a:solidFill>
+              </a14:hiddenFill>
+            </a:ext>
+            <a:ext uri="{91240B29-F687-4F45-9708-019B960494DF}">
+              <a14:hiddenLine xmlns:a14="http://schemas.microsoft.com/office/drawing/2010/main" w="9525">
+                <a:solidFill>
+                  <a:schemeClr val="tx1"/>
+                </a:solidFill>
+                <a:miter lim="800000"/>
+                <a:headEnd/>
+                <a:tailEnd/>
+              </a14:hiddenLine>
+            </a:ext>
+            <a:ext uri="{AF507438-7753-43E0-B8FC-AC1667EBCBE1}">
+              <a14:hiddenEffects xmlns:a14="http://schemas.microsoft.com/office/drawing/2010/main">
+                <a:effectLst>
+                  <a:outerShdw dist="35921" dir="2700000" algn="ctr" rotWithShape="0">
+                    <a:schemeClr val="bg2"/>
+                  </a:outerShdw>
+                </a:effectLst>
+              </a14:hiddenEffects>
+            </a:ext>
+          </a:extLst>
+        </p:spPr>
+        <p:txBody>
+          <a:bodyPr vert="horz" wrap="none" lIns="91440" tIns="45720" rIns="91440" bIns="45720" numCol="1" anchor="t" anchorCtr="0" compatLnSpc="1">
+            <a:prstTxWarp prst="textNoShape">
+              <a:avLst/>
+            </a:prstTxWarp>
+            <a:spAutoFit/>
+          </a:bodyPr>
+          <a:lstStyle>
+            <a:lvl1pPr eaLnBrk="0" fontAlgn="base" hangingPunct="0">
+              <a:spcBef>
+                <a:spcPct val="0"/>
+              </a:spcBef>
+              <a:spcAft>
+                <a:spcPct val="0"/>
+              </a:spcAft>
+              <a:tabLst>
+                <a:tab pos="581025" algn="l"/>
+                <a:tab pos="1163638" algn="l"/>
+                <a:tab pos="1744663" algn="l"/>
+                <a:tab pos="2327275" algn="l"/>
+                <a:tab pos="2908300" algn="l"/>
+                <a:tab pos="3489325" algn="l"/>
+                <a:tab pos="4071938" algn="l"/>
+                <a:tab pos="4652963" algn="l"/>
+                <a:tab pos="5235575" algn="l"/>
+                <a:tab pos="5816600" algn="l"/>
+                <a:tab pos="6397625" algn="l"/>
+                <a:tab pos="6980238" algn="l"/>
+                <a:tab pos="7561263" algn="l"/>
+                <a:tab pos="8143875" algn="l"/>
+                <a:tab pos="8724900" algn="l"/>
+                <a:tab pos="9305925" algn="l"/>
+              </a:tabLst>
+              <a:defRPr>
+                <a:solidFill>
+                  <a:schemeClr val="tx1"/>
+                </a:solidFill>
+                <a:latin typeface="Arial" panose="020B0604020202020204" pitchFamily="34" charset="0"/>
+              </a:defRPr>
+            </a:lvl1pPr>
+            <a:lvl2pPr eaLnBrk="0" fontAlgn="base" hangingPunct="0">
+              <a:spcBef>
+                <a:spcPct val="0"/>
+              </a:spcBef>
+              <a:spcAft>
+                <a:spcPct val="0"/>
+              </a:spcAft>
+              <a:tabLst>
+                <a:tab pos="581025" algn="l"/>
+                <a:tab pos="1163638" algn="l"/>
+                <a:tab pos="1744663" algn="l"/>
+                <a:tab pos="2327275" algn="l"/>
+                <a:tab pos="2908300" algn="l"/>
+                <a:tab pos="3489325" algn="l"/>
+                <a:tab pos="4071938" algn="l"/>
+                <a:tab pos="4652963" algn="l"/>
+                <a:tab pos="5235575" algn="l"/>
+                <a:tab pos="5816600" algn="l"/>
+                <a:tab pos="6397625" algn="l"/>
+                <a:tab pos="6980238" algn="l"/>
+                <a:tab pos="7561263" algn="l"/>
+                <a:tab pos="8143875" algn="l"/>
+                <a:tab pos="8724900" algn="l"/>
+                <a:tab pos="9305925" algn="l"/>
+              </a:tabLst>
+              <a:defRPr>
+                <a:solidFill>
+                  <a:schemeClr val="tx1"/>
+                </a:solidFill>
+                <a:latin typeface="Arial" panose="020B0604020202020204" pitchFamily="34" charset="0"/>
+              </a:defRPr>
+            </a:lvl2pPr>
+            <a:lvl3pPr eaLnBrk="0" fontAlgn="base" hangingPunct="0">
+              <a:spcBef>
+                <a:spcPct val="0"/>
+              </a:spcBef>
+              <a:spcAft>
+                <a:spcPct val="0"/>
+              </a:spcAft>
+              <a:tabLst>
+                <a:tab pos="581025" algn="l"/>
+                <a:tab pos="1163638" algn="l"/>
+                <a:tab pos="1744663" algn="l"/>
+                <a:tab pos="2327275" algn="l"/>
+                <a:tab pos="2908300" algn="l"/>
+                <a:tab pos="3489325" algn="l"/>
+                <a:tab pos="4071938" algn="l"/>
+                <a:tab pos="4652963" algn="l"/>
+                <a:tab pos="5235575" algn="l"/>
+                <a:tab pos="5816600" algn="l"/>
+                <a:tab pos="6397625" algn="l"/>
+                <a:tab pos="6980238" algn="l"/>
+                <a:tab pos="7561263" algn="l"/>
+                <a:tab pos="8143875" algn="l"/>
+                <a:tab pos="8724900" algn="l"/>
+                <a:tab pos="9305925" algn="l"/>
+              </a:tabLst>
+              <a:defRPr>
+                <a:solidFill>
+                  <a:schemeClr val="tx1"/>
+                </a:solidFill>
+                <a:latin typeface="Arial" panose="020B0604020202020204" pitchFamily="34" charset="0"/>
+              </a:defRPr>
+            </a:lvl3pPr>
+            <a:lvl4pPr eaLnBrk="0" fontAlgn="base" hangingPunct="0">
+              <a:spcBef>
+                <a:spcPct val="0"/>
+              </a:spcBef>
+              <a:spcAft>
+                <a:spcPct val="0"/>
+              </a:spcAft>
+              <a:tabLst>
+                <a:tab pos="581025" algn="l"/>
+                <a:tab pos="1163638" algn="l"/>
+                <a:tab pos="1744663" algn="l"/>
+                <a:tab pos="2327275" algn="l"/>
+                <a:tab pos="2908300" algn="l"/>
+                <a:tab pos="3489325" algn="l"/>
+                <a:tab pos="4071938" algn="l"/>
+                <a:tab pos="4652963" algn="l"/>
+                <a:tab pos="5235575" algn="l"/>
+                <a:tab pos="5816600" algn="l"/>
+                <a:tab pos="6397625" algn="l"/>
+                <a:tab pos="6980238" algn="l"/>
+                <a:tab pos="7561263" algn="l"/>
+                <a:tab pos="8143875" algn="l"/>
+                <a:tab pos="8724900" algn="l"/>
+                <a:tab pos="9305925" algn="l"/>
+              </a:tabLst>
+              <a:defRPr>
+                <a:solidFill>
+                  <a:schemeClr val="tx1"/>
+                </a:solidFill>
+                <a:latin typeface="Arial" panose="020B0604020202020204" pitchFamily="34" charset="0"/>
+              </a:defRPr>
+            </a:lvl4pPr>
+            <a:lvl5pPr eaLnBrk="0" fontAlgn="base" hangingPunct="0">
+              <a:spcBef>
+                <a:spcPct val="0"/>
+              </a:spcBef>
+              <a:spcAft>
+                <a:spcPct val="0"/>
+              </a:spcAft>
+              <a:tabLst>
+                <a:tab pos="581025" algn="l"/>
+                <a:tab pos="1163638" algn="l"/>
+                <a:tab pos="1744663" algn="l"/>
+                <a:tab pos="2327275" algn="l"/>
+                <a:tab pos="2908300" algn="l"/>
+                <a:tab pos="3489325" algn="l"/>
+                <a:tab pos="4071938" algn="l"/>
+                <a:tab pos="4652963" algn="l"/>
+                <a:tab pos="5235575" algn="l"/>
+                <a:tab pos="5816600" algn="l"/>
+                <a:tab pos="6397625" algn="l"/>
+                <a:tab pos="6980238" algn="l"/>
+                <a:tab pos="7561263" algn="l"/>
+                <a:tab pos="8143875" algn="l"/>
+                <a:tab pos="8724900" algn="l"/>
+                <a:tab pos="9305925" algn="l"/>
+              </a:tabLst>
+              <a:defRPr>
+                <a:solidFill>
+                  <a:schemeClr val="tx1"/>
+                </a:solidFill>
+                <a:latin typeface="Arial" panose="020B0604020202020204" pitchFamily="34" charset="0"/>
+              </a:defRPr>
+            </a:lvl5pPr>
+            <a:lvl6pPr eaLnBrk="0" fontAlgn="base" hangingPunct="0">
+              <a:spcBef>
+                <a:spcPct val="0"/>
+              </a:spcBef>
+              <a:spcAft>
+                <a:spcPct val="0"/>
+              </a:spcAft>
+              <a:tabLst>
+                <a:tab pos="581025" algn="l"/>
+                <a:tab pos="1163638" algn="l"/>
+                <a:tab pos="1744663" algn="l"/>
+                <a:tab pos="2327275" algn="l"/>
+                <a:tab pos="2908300" algn="l"/>
+                <a:tab pos="3489325" algn="l"/>
+                <a:tab pos="4071938" algn="l"/>
+                <a:tab pos="4652963" algn="l"/>
+                <a:tab pos="5235575" algn="l"/>
+                <a:tab pos="5816600" algn="l"/>
+                <a:tab pos="6397625" algn="l"/>
+                <a:tab pos="6980238" algn="l"/>
+                <a:tab pos="7561263" algn="l"/>
+                <a:tab pos="8143875" algn="l"/>
+                <a:tab pos="8724900" algn="l"/>
+                <a:tab pos="9305925" algn="l"/>
+              </a:tabLst>
+              <a:defRPr>
+                <a:solidFill>
+                  <a:schemeClr val="tx1"/>
+                </a:solidFill>
+                <a:latin typeface="Arial" panose="020B0604020202020204" pitchFamily="34" charset="0"/>
+              </a:defRPr>
+            </a:lvl6pPr>
+            <a:lvl7pPr eaLnBrk="0" fontAlgn="base" hangingPunct="0">
+              <a:spcBef>
+                <a:spcPct val="0"/>
+              </a:spcBef>
+              <a:spcAft>
+                <a:spcPct val="0"/>
+              </a:spcAft>
+              <a:tabLst>
+                <a:tab pos="581025" algn="l"/>
+                <a:tab pos="1163638" algn="l"/>
+                <a:tab pos="1744663" algn="l"/>
+                <a:tab pos="2327275" algn="l"/>
+                <a:tab pos="2908300" algn="l"/>
+                <a:tab pos="3489325" algn="l"/>
+                <a:tab pos="4071938" algn="l"/>
+                <a:tab pos="4652963" algn="l"/>
+                <a:tab pos="5235575" algn="l"/>
+                <a:tab pos="5816600" algn="l"/>
+                <a:tab pos="6397625" algn="l"/>
+                <a:tab pos="6980238" algn="l"/>
+                <a:tab pos="7561263" algn="l"/>
+                <a:tab pos="8143875" algn="l"/>
+                <a:tab pos="8724900" algn="l"/>
+                <a:tab pos="9305925" algn="l"/>
+              </a:tabLst>
+              <a:defRPr>
+                <a:solidFill>
+                  <a:schemeClr val="tx1"/>
+                </a:solidFill>
+                <a:latin typeface="Arial" panose="020B0604020202020204" pitchFamily="34" charset="0"/>
+              </a:defRPr>
+            </a:lvl7pPr>
+            <a:lvl8pPr eaLnBrk="0" fontAlgn="base" hangingPunct="0">
+              <a:spcBef>
+                <a:spcPct val="0"/>
+              </a:spcBef>
+              <a:spcAft>
+                <a:spcPct val="0"/>
+              </a:spcAft>
+              <a:tabLst>
+                <a:tab pos="581025" algn="l"/>
+                <a:tab pos="1163638" algn="l"/>
+                <a:tab pos="1744663" algn="l"/>
+                <a:tab pos="2327275" algn="l"/>
+                <a:tab pos="2908300" algn="l"/>
+                <a:tab pos="3489325" algn="l"/>
+                <a:tab pos="4071938" algn="l"/>
+                <a:tab pos="4652963" algn="l"/>
+                <a:tab pos="5235575" algn="l"/>
+                <a:tab pos="5816600" algn="l"/>
+                <a:tab pos="6397625" algn="l"/>
+                <a:tab pos="6980238" algn="l"/>
+                <a:tab pos="7561263" algn="l"/>
+                <a:tab pos="8143875" algn="l"/>
+                <a:tab pos="8724900" algn="l"/>
+                <a:tab pos="9305925" algn="l"/>
+              </a:tabLst>
+              <a:defRPr>
+                <a:solidFill>
+                  <a:schemeClr val="tx1"/>
+                </a:solidFill>
+                <a:latin typeface="Arial" panose="020B0604020202020204" pitchFamily="34" charset="0"/>
+              </a:defRPr>
+            </a:lvl8pPr>
+            <a:lvl9pPr eaLnBrk="0" fontAlgn="base" hangingPunct="0">
+              <a:spcBef>
+                <a:spcPct val="0"/>
+              </a:spcBef>
+              <a:spcAft>
+                <a:spcPct val="0"/>
+              </a:spcAft>
+              <a:tabLst>
+                <a:tab pos="581025" algn="l"/>
+                <a:tab pos="1163638" algn="l"/>
+                <a:tab pos="1744663" algn="l"/>
+                <a:tab pos="2327275" algn="l"/>
+                <a:tab pos="2908300" algn="l"/>
+                <a:tab pos="3489325" algn="l"/>
+                <a:tab pos="4071938" algn="l"/>
+                <a:tab pos="4652963" algn="l"/>
+                <a:tab pos="5235575" algn="l"/>
+                <a:tab pos="5816600" algn="l"/>
+                <a:tab pos="6397625" algn="l"/>
+                <a:tab pos="6980238" algn="l"/>
+                <a:tab pos="7561263" algn="l"/>
+                <a:tab pos="8143875" algn="l"/>
+                <a:tab pos="8724900" algn="l"/>
+                <a:tab pos="9305925" algn="l"/>
+              </a:tabLst>
+              <a:defRPr>
+                <a:solidFill>
+                  <a:schemeClr val="tx1"/>
+                </a:solidFill>
+                <a:latin typeface="Arial" panose="020B0604020202020204" pitchFamily="34" charset="0"/>
+              </a:defRPr>
+            </a:lvl9pPr>
+          </a:lstStyle>
+          <a:p>
+            <a:pPr marL="0" marR="0" lvl="0" indent="0" algn="l" defTabSz="914400" rtl="0" eaLnBrk="0" fontAlgn="base" latinLnBrk="0" hangingPunct="0">
+              <a:lnSpc>
+                <a:spcPct val="100000"/>
+              </a:lnSpc>
+              <a:spcBef>
+                <a:spcPct val="0"/>
+              </a:spcBef>
+              <a:spcAft>
+                <a:spcPct val="0"/>
+              </a:spcAft>
+              <a:buClrTx/>
+              <a:buSzTx/>
+              <a:buFontTx/>
+              <a:buNone/>
+              <a:tabLst>
+                <a:tab pos="581025" algn="l"/>
+                <a:tab pos="1163638" algn="l"/>
+                <a:tab pos="1744663" algn="l"/>
+                <a:tab pos="2327275" algn="l"/>
+                <a:tab pos="2908300" algn="l"/>
+                <a:tab pos="3489325" algn="l"/>
+                <a:tab pos="4071938" algn="l"/>
+                <a:tab pos="4652963" algn="l"/>
+                <a:tab pos="5235575" algn="l"/>
+                <a:tab pos="5816600" algn="l"/>
+                <a:tab pos="6397625" algn="l"/>
+                <a:tab pos="6980238" algn="l"/>
+                <a:tab pos="7561263" algn="l"/>
+                <a:tab pos="8143875" algn="l"/>
+                <a:tab pos="8724900" algn="l"/>
+                <a:tab pos="9305925" algn="l"/>
+              </a:tabLst>
+            </a:pPr>
+            <a:r>
+              <a:rPr kumimoji="0" lang="en-US" altLang="ru-RU" sz="3200" b="0" i="0" u="none" strike="noStrike" cap="none" normalizeH="0" baseline="0" dirty="0">
+                <a:ln>
+                  <a:noFill/>
+                </a:ln>
+                <a:solidFill>
+                  <a:srgbClr val="76923C"/>
+                </a:solidFill>
+                <a:effectLst/>
+                <a:latin typeface="Consolas" panose="020B0609020204030204" pitchFamily="49" charset="0"/>
+                <a:ea typeface="Times New Roman" panose="02020603050405020304" pitchFamily="18" charset="0"/>
+                <a:cs typeface="Courier New" panose="02070309020205020404" pitchFamily="49" charset="0"/>
+              </a:rPr>
+              <a:t>string </a:t>
+            </a:r>
+            <a:r>
+              <a:rPr kumimoji="0" lang="en-US" altLang="ru-RU" sz="3200" b="0" i="0" u="none" strike="noStrike" cap="none" normalizeH="0" baseline="0" dirty="0">
+                <a:ln>
+                  <a:noFill/>
+                </a:ln>
+                <a:solidFill>
+                  <a:schemeClr val="tx1"/>
+                </a:solidFill>
+                <a:effectLst/>
+                <a:latin typeface="Consolas" panose="020B0609020204030204" pitchFamily="49" charset="0"/>
+                <a:ea typeface="Times New Roman" panose="02020603050405020304" pitchFamily="18" charset="0"/>
+                <a:cs typeface="Courier New" panose="02070309020205020404" pitchFamily="49" charset="0"/>
+              </a:rPr>
+              <a:t>s = </a:t>
+            </a:r>
+            <a:r>
+              <a:rPr kumimoji="0" lang="en-US" altLang="ru-RU" sz="3200" b="0" i="0" u="none" strike="noStrike" cap="none" normalizeH="0" baseline="0" dirty="0">
+                <a:ln>
+                  <a:noFill/>
+                </a:ln>
+                <a:solidFill>
+                  <a:srgbClr val="943634"/>
+                </a:solidFill>
+                <a:effectLst/>
+                <a:latin typeface="Consolas" panose="020B0609020204030204" pitchFamily="49" charset="0"/>
+                <a:ea typeface="Times New Roman" panose="02020603050405020304" pitchFamily="18" charset="0"/>
+                <a:cs typeface="Courier New" panose="02070309020205020404" pitchFamily="49" charset="0"/>
+              </a:rPr>
+              <a:t>"Hello, World!"</a:t>
+            </a:r>
+            <a:r>
+              <a:rPr kumimoji="0" lang="en-US" altLang="ru-RU" sz="3200" b="0" i="0" u="none" strike="noStrike" cap="none" normalizeH="0" baseline="0" dirty="0">
+                <a:ln>
+                  <a:noFill/>
+                </a:ln>
+                <a:solidFill>
+                  <a:schemeClr val="tx1"/>
+                </a:solidFill>
+                <a:effectLst/>
+                <a:latin typeface="Consolas" panose="020B0609020204030204" pitchFamily="49" charset="0"/>
+                <a:ea typeface="Times New Roman" panose="02020603050405020304" pitchFamily="18" charset="0"/>
+                <a:cs typeface="Courier New" panose="02070309020205020404" pitchFamily="49" charset="0"/>
+              </a:rPr>
+              <a:t>;</a:t>
+            </a:r>
+            <a:endParaRPr kumimoji="0" lang="ru-RU" altLang="ru-RU" sz="3200" b="0" i="0" u="none" strike="noStrike" cap="none" normalizeH="0" baseline="0" dirty="0">
+              <a:ln>
+                <a:noFill/>
+              </a:ln>
+              <a:solidFill>
+                <a:schemeClr val="tx1"/>
+              </a:solidFill>
+              <a:effectLst/>
+              <a:latin typeface="Consolas" panose="020B0609020204030204" pitchFamily="49" charset="0"/>
+            </a:endParaRPr>
+          </a:p>
+          <a:p>
+            <a:pPr marL="0" marR="0" lvl="0" indent="0" algn="l" defTabSz="914400" rtl="0" eaLnBrk="0" fontAlgn="base" latinLnBrk="0" hangingPunct="0">
+              <a:lnSpc>
+                <a:spcPct val="100000"/>
+              </a:lnSpc>
+              <a:spcBef>
+                <a:spcPct val="0"/>
+              </a:spcBef>
+              <a:spcAft>
+                <a:spcPct val="0"/>
+              </a:spcAft>
+              <a:buClrTx/>
+              <a:buSzTx/>
+              <a:buFontTx/>
+              <a:buNone/>
+              <a:tabLst>
+                <a:tab pos="581025" algn="l"/>
+                <a:tab pos="1163638" algn="l"/>
+                <a:tab pos="1744663" algn="l"/>
+                <a:tab pos="2327275" algn="l"/>
+                <a:tab pos="2908300" algn="l"/>
+                <a:tab pos="3489325" algn="l"/>
+                <a:tab pos="4071938" algn="l"/>
+                <a:tab pos="4652963" algn="l"/>
+                <a:tab pos="5235575" algn="l"/>
+                <a:tab pos="5816600" algn="l"/>
+                <a:tab pos="6397625" algn="l"/>
+                <a:tab pos="6980238" algn="l"/>
+                <a:tab pos="7561263" algn="l"/>
+                <a:tab pos="8143875" algn="l"/>
+                <a:tab pos="8724900" algn="l"/>
+                <a:tab pos="9305925" algn="l"/>
+              </a:tabLst>
+            </a:pPr>
+            <a:r>
+              <a:rPr kumimoji="0" lang="en-US" altLang="ru-RU" sz="3200" b="0" i="0" u="none" strike="noStrike" cap="none" normalizeH="0" baseline="0" dirty="0" err="1">
+                <a:ln>
+                  <a:noFill/>
+                </a:ln>
+                <a:solidFill>
+                  <a:srgbClr val="31849B"/>
+                </a:solidFill>
+                <a:effectLst/>
+                <a:latin typeface="Consolas" panose="020B0609020204030204" pitchFamily="49" charset="0"/>
+                <a:ea typeface="Times New Roman" panose="02020603050405020304" pitchFamily="18" charset="0"/>
+                <a:cs typeface="Courier New" panose="02070309020205020404" pitchFamily="49" charset="0"/>
+              </a:rPr>
+              <a:t>Console</a:t>
+            </a:r>
+            <a:r>
+              <a:rPr kumimoji="0" lang="en-US" altLang="ru-RU" sz="3200" b="0" i="0" u="none" strike="noStrike" cap="none" normalizeH="0" baseline="0" dirty="0" err="1">
+                <a:ln>
+                  <a:noFill/>
+                </a:ln>
+                <a:solidFill>
+                  <a:schemeClr val="tx1"/>
+                </a:solidFill>
+                <a:effectLst/>
+                <a:latin typeface="Consolas" panose="020B0609020204030204" pitchFamily="49" charset="0"/>
+                <a:ea typeface="Times New Roman" panose="02020603050405020304" pitchFamily="18" charset="0"/>
+                <a:cs typeface="Courier New" panose="02070309020205020404" pitchFamily="49" charset="0"/>
+              </a:rPr>
+              <a:t>.WriteLine</a:t>
+            </a:r>
+            <a:r>
+              <a:rPr kumimoji="0" lang="en-US" altLang="ru-RU" sz="3200" b="0" i="0" u="none" strike="noStrike" cap="none" normalizeH="0" baseline="0" dirty="0">
+                <a:ln>
+                  <a:noFill/>
+                </a:ln>
+                <a:solidFill>
+                  <a:schemeClr val="tx1"/>
+                </a:solidFill>
+                <a:effectLst/>
+                <a:latin typeface="Consolas" panose="020B0609020204030204" pitchFamily="49" charset="0"/>
+                <a:ea typeface="Times New Roman" panose="02020603050405020304" pitchFamily="18" charset="0"/>
+                <a:cs typeface="Courier New" panose="02070309020205020404" pitchFamily="49" charset="0"/>
+              </a:rPr>
+              <a:t>(</a:t>
+            </a:r>
+            <a:r>
+              <a:rPr kumimoji="0" lang="en-US" altLang="ru-RU" sz="3200" b="0" i="0" u="none" strike="noStrike" cap="none" normalizeH="0" baseline="0" dirty="0" err="1">
+                <a:ln>
+                  <a:noFill/>
+                </a:ln>
+                <a:solidFill>
+                  <a:schemeClr val="tx1"/>
+                </a:solidFill>
+                <a:effectLst/>
+                <a:latin typeface="Consolas" panose="020B0609020204030204" pitchFamily="49" charset="0"/>
+                <a:ea typeface="Times New Roman" panose="02020603050405020304" pitchFamily="18" charset="0"/>
+                <a:cs typeface="Courier New" panose="02070309020205020404" pitchFamily="49" charset="0"/>
+              </a:rPr>
+              <a:t>s.Length</a:t>
+            </a:r>
+            <a:r>
+              <a:rPr kumimoji="0" lang="en-US" altLang="ru-RU" sz="3200" b="0" i="0" u="none" strike="noStrike" cap="none" normalizeH="0" baseline="0" dirty="0">
+                <a:ln>
+                  <a:noFill/>
+                </a:ln>
+                <a:solidFill>
+                  <a:schemeClr val="tx1"/>
+                </a:solidFill>
+                <a:effectLst/>
+                <a:latin typeface="Consolas" panose="020B0609020204030204" pitchFamily="49" charset="0"/>
+                <a:ea typeface="Times New Roman" panose="02020603050405020304" pitchFamily="18" charset="0"/>
+                <a:cs typeface="Courier New" panose="02070309020205020404" pitchFamily="49" charset="0"/>
+              </a:rPr>
+              <a:t>);</a:t>
+            </a:r>
+            <a:endParaRPr kumimoji="0" lang="en-US" altLang="ru-RU" sz="3200" b="0" i="0" u="none" strike="noStrike" cap="none" normalizeH="0" baseline="0" dirty="0">
+              <a:ln>
+                <a:noFill/>
+              </a:ln>
+              <a:solidFill>
+                <a:schemeClr val="tx1"/>
+              </a:solidFill>
+              <a:effectLst/>
+              <a:latin typeface="Consolas" panose="020B0609020204030204" pitchFamily="49" charset="0"/>
+            </a:endParaRPr>
+          </a:p>
+        </p:txBody>
+      </p:sp>
     </p:spTree>
     <p:extLst>
       <p:ext uri="{BB962C8B-B14F-4D97-AF65-F5344CB8AC3E}">
@@ -18999,68 +20424,10 @@
           <a:bodyPr/>
           <a:lstStyle/>
           <a:p>
-            <a:endParaRPr lang="ru-RU" dirty="0"/>
-          </a:p>
-        </p:txBody>
-      </p:sp>
-      <p:sp>
-        <p:nvSpPr>
-          <p:cNvPr id="7" name="Объект 6">
-            <a:extLst>
-              <a:ext uri="{FF2B5EF4-FFF2-40B4-BE49-F238E27FC236}">
-                <a16:creationId xmlns:a16="http://schemas.microsoft.com/office/drawing/2014/main" id="{ED9B45B7-0AA6-4CF5-B709-176069E72FC7}"/>
-              </a:ext>
-            </a:extLst>
-          </p:cNvPr>
-          <p:cNvSpPr>
-            <a:spLocks noGrp="1"/>
-          </p:cNvSpPr>
-          <p:nvPr>
-            <p:ph idx="1"/>
-          </p:nvPr>
-        </p:nvSpPr>
-        <p:spPr/>
-        <p:txBody>
-          <a:bodyPr>
-            <a:normAutofit/>
-          </a:bodyPr>
-          <a:lstStyle/>
-          <a:p>
-            <a:pPr marL="0" lvl="0" indent="0" eaLnBrk="0" fontAlgn="base" hangingPunct="0">
-              <a:lnSpc>
-                <a:spcPct val="100000"/>
-              </a:lnSpc>
-              <a:spcBef>
-                <a:spcPct val="0"/>
-              </a:spcBef>
-              <a:spcAft>
-                <a:spcPct val="0"/>
-              </a:spcAft>
-              <a:buClrTx/>
-              <a:buSzTx/>
-              <a:buNone/>
-              <a:tabLst>
-                <a:tab pos="581025" algn="l"/>
-                <a:tab pos="1163638" algn="l"/>
-                <a:tab pos="1744663" algn="l"/>
-                <a:tab pos="2327275" algn="l"/>
-                <a:tab pos="2908300" algn="l"/>
-                <a:tab pos="3489325" algn="l"/>
-                <a:tab pos="4071938" algn="l"/>
-                <a:tab pos="4652963" algn="l"/>
-                <a:tab pos="5235575" algn="l"/>
-                <a:tab pos="5816600" algn="l"/>
-                <a:tab pos="6397625" algn="l"/>
-                <a:tab pos="6980238" algn="l"/>
-                <a:tab pos="7561263" algn="l"/>
-                <a:tab pos="8143875" algn="l"/>
-                <a:tab pos="8724900" algn="l"/>
-                <a:tab pos="9305925" algn="l"/>
-              </a:tabLst>
-            </a:pPr>
-            <a:endParaRPr lang="ru-RU" altLang="ru-RU" sz="2400" dirty="0">
-              <a:latin typeface="Arial" panose="020B0604020202020204" pitchFamily="34" charset="0"/>
-            </a:endParaRPr>
+            <a:r>
+              <a:rPr lang="ru-RU" dirty="0"/>
+              <a:t>Операции со строками</a:t>
+            </a:r>
           </a:p>
         </p:txBody>
       </p:sp>
@@ -19124,6 +20491,766 @@
           </a:prstGeom>
         </p:spPr>
       </p:pic>
+      <p:sp>
+        <p:nvSpPr>
+          <p:cNvPr id="2" name="Content Placeholder 1">
+            <a:extLst>
+              <a:ext uri="{FF2B5EF4-FFF2-40B4-BE49-F238E27FC236}">
+                <a16:creationId xmlns:a16="http://schemas.microsoft.com/office/drawing/2014/main" id="{3245AE27-53F0-4E08-9E97-F305D854C2B2}"/>
+              </a:ext>
+            </a:extLst>
+          </p:cNvPr>
+          <p:cNvSpPr>
+            <a:spLocks noGrp="1" noChangeArrowheads="1"/>
+          </p:cNvSpPr>
+          <p:nvPr>
+            <p:ph idx="1"/>
+          </p:nvPr>
+        </p:nvSpPr>
+        <p:spPr bwMode="auto">
+          <a:xfrm>
+            <a:off x="1295400" y="1981201"/>
+            <a:ext cx="4705134" cy="3046988"/>
+          </a:xfrm>
+          <a:prstGeom prst="rect">
+            <a:avLst/>
+          </a:prstGeom>
+          <a:noFill/>
+          <a:ln>
+            <a:noFill/>
+          </a:ln>
+          <a:effectLst/>
+          <a:extLst>
+            <a:ext uri="{909E8E84-426E-40DD-AFC4-6F175D3DCCD1}">
+              <a14:hiddenFill xmlns:a14="http://schemas.microsoft.com/office/drawing/2010/main">
+                <a:solidFill>
+                  <a:schemeClr val="accent1"/>
+                </a:solidFill>
+              </a14:hiddenFill>
+            </a:ext>
+            <a:ext uri="{91240B29-F687-4F45-9708-019B960494DF}">
+              <a14:hiddenLine xmlns:a14="http://schemas.microsoft.com/office/drawing/2010/main" w="9525">
+                <a:solidFill>
+                  <a:schemeClr val="tx1"/>
+                </a:solidFill>
+                <a:miter lim="800000"/>
+                <a:headEnd/>
+                <a:tailEnd/>
+              </a14:hiddenLine>
+            </a:ext>
+            <a:ext uri="{AF507438-7753-43E0-B8FC-AC1667EBCBE1}">
+              <a14:hiddenEffects xmlns:a14="http://schemas.microsoft.com/office/drawing/2010/main">
+                <a:effectLst>
+                  <a:outerShdw dist="35921" dir="2700000" algn="ctr" rotWithShape="0">
+                    <a:schemeClr val="bg2"/>
+                  </a:outerShdw>
+                </a:effectLst>
+              </a14:hiddenEffects>
+            </a:ext>
+          </a:extLst>
+        </p:spPr>
+        <p:txBody>
+          <a:bodyPr vert="horz" wrap="none" lIns="91440" tIns="45720" rIns="91440" bIns="45720" numCol="1" anchor="t" anchorCtr="0" compatLnSpc="1">
+            <a:prstTxWarp prst="textNoShape">
+              <a:avLst/>
+            </a:prstTxWarp>
+            <a:spAutoFit/>
+          </a:bodyPr>
+          <a:lstStyle>
+            <a:lvl1pPr eaLnBrk="0" fontAlgn="base" hangingPunct="0">
+              <a:spcBef>
+                <a:spcPct val="0"/>
+              </a:spcBef>
+              <a:spcAft>
+                <a:spcPct val="0"/>
+              </a:spcAft>
+              <a:tabLst>
+                <a:tab pos="581025" algn="l"/>
+                <a:tab pos="1163638" algn="l"/>
+                <a:tab pos="1744663" algn="l"/>
+                <a:tab pos="2327275" algn="l"/>
+                <a:tab pos="2908300" algn="l"/>
+                <a:tab pos="3489325" algn="l"/>
+                <a:tab pos="4071938" algn="l"/>
+                <a:tab pos="4652963" algn="l"/>
+                <a:tab pos="5235575" algn="l"/>
+                <a:tab pos="5816600" algn="l"/>
+                <a:tab pos="6397625" algn="l"/>
+                <a:tab pos="6980238" algn="l"/>
+                <a:tab pos="7561263" algn="l"/>
+                <a:tab pos="8143875" algn="l"/>
+                <a:tab pos="8724900" algn="l"/>
+                <a:tab pos="9305925" algn="l"/>
+              </a:tabLst>
+              <a:defRPr>
+                <a:solidFill>
+                  <a:schemeClr val="tx1"/>
+                </a:solidFill>
+                <a:latin typeface="Arial" panose="020B0604020202020204" pitchFamily="34" charset="0"/>
+              </a:defRPr>
+            </a:lvl1pPr>
+            <a:lvl2pPr eaLnBrk="0" fontAlgn="base" hangingPunct="0">
+              <a:spcBef>
+                <a:spcPct val="0"/>
+              </a:spcBef>
+              <a:spcAft>
+                <a:spcPct val="0"/>
+              </a:spcAft>
+              <a:tabLst>
+                <a:tab pos="581025" algn="l"/>
+                <a:tab pos="1163638" algn="l"/>
+                <a:tab pos="1744663" algn="l"/>
+                <a:tab pos="2327275" algn="l"/>
+                <a:tab pos="2908300" algn="l"/>
+                <a:tab pos="3489325" algn="l"/>
+                <a:tab pos="4071938" algn="l"/>
+                <a:tab pos="4652963" algn="l"/>
+                <a:tab pos="5235575" algn="l"/>
+                <a:tab pos="5816600" algn="l"/>
+                <a:tab pos="6397625" algn="l"/>
+                <a:tab pos="6980238" algn="l"/>
+                <a:tab pos="7561263" algn="l"/>
+                <a:tab pos="8143875" algn="l"/>
+                <a:tab pos="8724900" algn="l"/>
+                <a:tab pos="9305925" algn="l"/>
+              </a:tabLst>
+              <a:defRPr>
+                <a:solidFill>
+                  <a:schemeClr val="tx1"/>
+                </a:solidFill>
+                <a:latin typeface="Arial" panose="020B0604020202020204" pitchFamily="34" charset="0"/>
+              </a:defRPr>
+            </a:lvl2pPr>
+            <a:lvl3pPr eaLnBrk="0" fontAlgn="base" hangingPunct="0">
+              <a:spcBef>
+                <a:spcPct val="0"/>
+              </a:spcBef>
+              <a:spcAft>
+                <a:spcPct val="0"/>
+              </a:spcAft>
+              <a:tabLst>
+                <a:tab pos="581025" algn="l"/>
+                <a:tab pos="1163638" algn="l"/>
+                <a:tab pos="1744663" algn="l"/>
+                <a:tab pos="2327275" algn="l"/>
+                <a:tab pos="2908300" algn="l"/>
+                <a:tab pos="3489325" algn="l"/>
+                <a:tab pos="4071938" algn="l"/>
+                <a:tab pos="4652963" algn="l"/>
+                <a:tab pos="5235575" algn="l"/>
+                <a:tab pos="5816600" algn="l"/>
+                <a:tab pos="6397625" algn="l"/>
+                <a:tab pos="6980238" algn="l"/>
+                <a:tab pos="7561263" algn="l"/>
+                <a:tab pos="8143875" algn="l"/>
+                <a:tab pos="8724900" algn="l"/>
+                <a:tab pos="9305925" algn="l"/>
+              </a:tabLst>
+              <a:defRPr>
+                <a:solidFill>
+                  <a:schemeClr val="tx1"/>
+                </a:solidFill>
+                <a:latin typeface="Arial" panose="020B0604020202020204" pitchFamily="34" charset="0"/>
+              </a:defRPr>
+            </a:lvl3pPr>
+            <a:lvl4pPr eaLnBrk="0" fontAlgn="base" hangingPunct="0">
+              <a:spcBef>
+                <a:spcPct val="0"/>
+              </a:spcBef>
+              <a:spcAft>
+                <a:spcPct val="0"/>
+              </a:spcAft>
+              <a:tabLst>
+                <a:tab pos="581025" algn="l"/>
+                <a:tab pos="1163638" algn="l"/>
+                <a:tab pos="1744663" algn="l"/>
+                <a:tab pos="2327275" algn="l"/>
+                <a:tab pos="2908300" algn="l"/>
+                <a:tab pos="3489325" algn="l"/>
+                <a:tab pos="4071938" algn="l"/>
+                <a:tab pos="4652963" algn="l"/>
+                <a:tab pos="5235575" algn="l"/>
+                <a:tab pos="5816600" algn="l"/>
+                <a:tab pos="6397625" algn="l"/>
+                <a:tab pos="6980238" algn="l"/>
+                <a:tab pos="7561263" algn="l"/>
+                <a:tab pos="8143875" algn="l"/>
+                <a:tab pos="8724900" algn="l"/>
+                <a:tab pos="9305925" algn="l"/>
+              </a:tabLst>
+              <a:defRPr>
+                <a:solidFill>
+                  <a:schemeClr val="tx1"/>
+                </a:solidFill>
+                <a:latin typeface="Arial" panose="020B0604020202020204" pitchFamily="34" charset="0"/>
+              </a:defRPr>
+            </a:lvl4pPr>
+            <a:lvl5pPr eaLnBrk="0" fontAlgn="base" hangingPunct="0">
+              <a:spcBef>
+                <a:spcPct val="0"/>
+              </a:spcBef>
+              <a:spcAft>
+                <a:spcPct val="0"/>
+              </a:spcAft>
+              <a:tabLst>
+                <a:tab pos="581025" algn="l"/>
+                <a:tab pos="1163638" algn="l"/>
+                <a:tab pos="1744663" algn="l"/>
+                <a:tab pos="2327275" algn="l"/>
+                <a:tab pos="2908300" algn="l"/>
+                <a:tab pos="3489325" algn="l"/>
+                <a:tab pos="4071938" algn="l"/>
+                <a:tab pos="4652963" algn="l"/>
+                <a:tab pos="5235575" algn="l"/>
+                <a:tab pos="5816600" algn="l"/>
+                <a:tab pos="6397625" algn="l"/>
+                <a:tab pos="6980238" algn="l"/>
+                <a:tab pos="7561263" algn="l"/>
+                <a:tab pos="8143875" algn="l"/>
+                <a:tab pos="8724900" algn="l"/>
+                <a:tab pos="9305925" algn="l"/>
+              </a:tabLst>
+              <a:defRPr>
+                <a:solidFill>
+                  <a:schemeClr val="tx1"/>
+                </a:solidFill>
+                <a:latin typeface="Arial" panose="020B0604020202020204" pitchFamily="34" charset="0"/>
+              </a:defRPr>
+            </a:lvl5pPr>
+            <a:lvl6pPr eaLnBrk="0" fontAlgn="base" hangingPunct="0">
+              <a:spcBef>
+                <a:spcPct val="0"/>
+              </a:spcBef>
+              <a:spcAft>
+                <a:spcPct val="0"/>
+              </a:spcAft>
+              <a:tabLst>
+                <a:tab pos="581025" algn="l"/>
+                <a:tab pos="1163638" algn="l"/>
+                <a:tab pos="1744663" algn="l"/>
+                <a:tab pos="2327275" algn="l"/>
+                <a:tab pos="2908300" algn="l"/>
+                <a:tab pos="3489325" algn="l"/>
+                <a:tab pos="4071938" algn="l"/>
+                <a:tab pos="4652963" algn="l"/>
+                <a:tab pos="5235575" algn="l"/>
+                <a:tab pos="5816600" algn="l"/>
+                <a:tab pos="6397625" algn="l"/>
+                <a:tab pos="6980238" algn="l"/>
+                <a:tab pos="7561263" algn="l"/>
+                <a:tab pos="8143875" algn="l"/>
+                <a:tab pos="8724900" algn="l"/>
+                <a:tab pos="9305925" algn="l"/>
+              </a:tabLst>
+              <a:defRPr>
+                <a:solidFill>
+                  <a:schemeClr val="tx1"/>
+                </a:solidFill>
+                <a:latin typeface="Arial" panose="020B0604020202020204" pitchFamily="34" charset="0"/>
+              </a:defRPr>
+            </a:lvl6pPr>
+            <a:lvl7pPr eaLnBrk="0" fontAlgn="base" hangingPunct="0">
+              <a:spcBef>
+                <a:spcPct val="0"/>
+              </a:spcBef>
+              <a:spcAft>
+                <a:spcPct val="0"/>
+              </a:spcAft>
+              <a:tabLst>
+                <a:tab pos="581025" algn="l"/>
+                <a:tab pos="1163638" algn="l"/>
+                <a:tab pos="1744663" algn="l"/>
+                <a:tab pos="2327275" algn="l"/>
+                <a:tab pos="2908300" algn="l"/>
+                <a:tab pos="3489325" algn="l"/>
+                <a:tab pos="4071938" algn="l"/>
+                <a:tab pos="4652963" algn="l"/>
+                <a:tab pos="5235575" algn="l"/>
+                <a:tab pos="5816600" algn="l"/>
+                <a:tab pos="6397625" algn="l"/>
+                <a:tab pos="6980238" algn="l"/>
+                <a:tab pos="7561263" algn="l"/>
+                <a:tab pos="8143875" algn="l"/>
+                <a:tab pos="8724900" algn="l"/>
+                <a:tab pos="9305925" algn="l"/>
+              </a:tabLst>
+              <a:defRPr>
+                <a:solidFill>
+                  <a:schemeClr val="tx1"/>
+                </a:solidFill>
+                <a:latin typeface="Arial" panose="020B0604020202020204" pitchFamily="34" charset="0"/>
+              </a:defRPr>
+            </a:lvl7pPr>
+            <a:lvl8pPr eaLnBrk="0" fontAlgn="base" hangingPunct="0">
+              <a:spcBef>
+                <a:spcPct val="0"/>
+              </a:spcBef>
+              <a:spcAft>
+                <a:spcPct val="0"/>
+              </a:spcAft>
+              <a:tabLst>
+                <a:tab pos="581025" algn="l"/>
+                <a:tab pos="1163638" algn="l"/>
+                <a:tab pos="1744663" algn="l"/>
+                <a:tab pos="2327275" algn="l"/>
+                <a:tab pos="2908300" algn="l"/>
+                <a:tab pos="3489325" algn="l"/>
+                <a:tab pos="4071938" algn="l"/>
+                <a:tab pos="4652963" algn="l"/>
+                <a:tab pos="5235575" algn="l"/>
+                <a:tab pos="5816600" algn="l"/>
+                <a:tab pos="6397625" algn="l"/>
+                <a:tab pos="6980238" algn="l"/>
+                <a:tab pos="7561263" algn="l"/>
+                <a:tab pos="8143875" algn="l"/>
+                <a:tab pos="8724900" algn="l"/>
+                <a:tab pos="9305925" algn="l"/>
+              </a:tabLst>
+              <a:defRPr>
+                <a:solidFill>
+                  <a:schemeClr val="tx1"/>
+                </a:solidFill>
+                <a:latin typeface="Arial" panose="020B0604020202020204" pitchFamily="34" charset="0"/>
+              </a:defRPr>
+            </a:lvl8pPr>
+            <a:lvl9pPr eaLnBrk="0" fontAlgn="base" hangingPunct="0">
+              <a:spcBef>
+                <a:spcPct val="0"/>
+              </a:spcBef>
+              <a:spcAft>
+                <a:spcPct val="0"/>
+              </a:spcAft>
+              <a:tabLst>
+                <a:tab pos="581025" algn="l"/>
+                <a:tab pos="1163638" algn="l"/>
+                <a:tab pos="1744663" algn="l"/>
+                <a:tab pos="2327275" algn="l"/>
+                <a:tab pos="2908300" algn="l"/>
+                <a:tab pos="3489325" algn="l"/>
+                <a:tab pos="4071938" algn="l"/>
+                <a:tab pos="4652963" algn="l"/>
+                <a:tab pos="5235575" algn="l"/>
+                <a:tab pos="5816600" algn="l"/>
+                <a:tab pos="6397625" algn="l"/>
+                <a:tab pos="6980238" algn="l"/>
+                <a:tab pos="7561263" algn="l"/>
+                <a:tab pos="8143875" algn="l"/>
+                <a:tab pos="8724900" algn="l"/>
+                <a:tab pos="9305925" algn="l"/>
+              </a:tabLst>
+              <a:defRPr>
+                <a:solidFill>
+                  <a:schemeClr val="tx1"/>
+                </a:solidFill>
+                <a:latin typeface="Arial" panose="020B0604020202020204" pitchFamily="34" charset="0"/>
+              </a:defRPr>
+            </a:lvl9pPr>
+          </a:lstStyle>
+          <a:p>
+            <a:pPr marL="0" marR="0" lvl="0" indent="0" algn="l" defTabSz="914400" rtl="0" eaLnBrk="0" fontAlgn="base" latinLnBrk="0" hangingPunct="0">
+              <a:lnSpc>
+                <a:spcPct val="100000"/>
+              </a:lnSpc>
+              <a:spcBef>
+                <a:spcPct val="0"/>
+              </a:spcBef>
+              <a:spcAft>
+                <a:spcPct val="0"/>
+              </a:spcAft>
+              <a:buClrTx/>
+              <a:buSzTx/>
+              <a:buFontTx/>
+              <a:buNone/>
+              <a:tabLst>
+                <a:tab pos="581025" algn="l"/>
+                <a:tab pos="1163638" algn="l"/>
+                <a:tab pos="1744663" algn="l"/>
+                <a:tab pos="2327275" algn="l"/>
+                <a:tab pos="2908300" algn="l"/>
+                <a:tab pos="3489325" algn="l"/>
+                <a:tab pos="4071938" algn="l"/>
+                <a:tab pos="4652963" algn="l"/>
+                <a:tab pos="5235575" algn="l"/>
+                <a:tab pos="5816600" algn="l"/>
+                <a:tab pos="6397625" algn="l"/>
+                <a:tab pos="6980238" algn="l"/>
+                <a:tab pos="7561263" algn="l"/>
+                <a:tab pos="8143875" algn="l"/>
+                <a:tab pos="8724900" algn="l"/>
+                <a:tab pos="9305925" algn="l"/>
+              </a:tabLst>
+            </a:pPr>
+            <a:r>
+              <a:rPr kumimoji="0" lang="en-US" altLang="ru-RU" sz="3200" b="0" i="0" u="none" strike="noStrike" cap="none" normalizeH="0" baseline="0" dirty="0">
+                <a:ln>
+                  <a:noFill/>
+                </a:ln>
+                <a:solidFill>
+                  <a:srgbClr val="76923C"/>
+                </a:solidFill>
+                <a:effectLst/>
+                <a:latin typeface="Consolas" panose="020B0609020204030204" pitchFamily="49" charset="0"/>
+                <a:ea typeface="Times New Roman" panose="02020603050405020304" pitchFamily="18" charset="0"/>
+                <a:cs typeface="Courier New" panose="02070309020205020404" pitchFamily="49" charset="0"/>
+              </a:rPr>
+              <a:t>string </a:t>
+            </a:r>
+            <a:r>
+              <a:rPr kumimoji="0" lang="en-US" altLang="ru-RU" sz="3200" b="0" i="0" u="none" strike="noStrike" cap="none" normalizeH="0" baseline="0" dirty="0">
+                <a:ln>
+                  <a:noFill/>
+                </a:ln>
+                <a:solidFill>
+                  <a:schemeClr val="tx1"/>
+                </a:solidFill>
+                <a:effectLst/>
+                <a:latin typeface="Consolas" panose="020B0609020204030204" pitchFamily="49" charset="0"/>
+                <a:ea typeface="Times New Roman" panose="02020603050405020304" pitchFamily="18" charset="0"/>
+                <a:cs typeface="Courier New" panose="02070309020205020404" pitchFamily="49" charset="0"/>
+              </a:rPr>
+              <a:t>a = </a:t>
+            </a:r>
+            <a:r>
+              <a:rPr kumimoji="0" lang="en-US" altLang="ru-RU" sz="3200" b="0" i="0" u="none" strike="noStrike" cap="none" normalizeH="0" baseline="0" dirty="0">
+                <a:ln>
+                  <a:noFill/>
+                </a:ln>
+                <a:solidFill>
+                  <a:srgbClr val="943634"/>
+                </a:solidFill>
+                <a:effectLst/>
+                <a:latin typeface="Consolas" panose="020B0609020204030204" pitchFamily="49" charset="0"/>
+                <a:ea typeface="Times New Roman" panose="02020603050405020304" pitchFamily="18" charset="0"/>
+                <a:cs typeface="Courier New" panose="02070309020205020404" pitchFamily="49" charset="0"/>
+              </a:rPr>
+              <a:t>"Hello "</a:t>
+            </a:r>
+            <a:r>
+              <a:rPr kumimoji="0" lang="en-US" altLang="ru-RU" sz="3200" b="0" i="0" u="none" strike="noStrike" cap="none" normalizeH="0" baseline="0" dirty="0">
+                <a:ln>
+                  <a:noFill/>
+                </a:ln>
+                <a:solidFill>
+                  <a:schemeClr val="tx1"/>
+                </a:solidFill>
+                <a:effectLst/>
+                <a:latin typeface="Consolas" panose="020B0609020204030204" pitchFamily="49" charset="0"/>
+                <a:ea typeface="Times New Roman" panose="02020603050405020304" pitchFamily="18" charset="0"/>
+                <a:cs typeface="Courier New" panose="02070309020205020404" pitchFamily="49" charset="0"/>
+              </a:rPr>
+              <a:t>;</a:t>
+            </a:r>
+            <a:endParaRPr kumimoji="0" lang="ru-RU" altLang="ru-RU" sz="3200" b="0" i="0" u="none" strike="noStrike" cap="none" normalizeH="0" baseline="0" dirty="0">
+              <a:ln>
+                <a:noFill/>
+              </a:ln>
+              <a:solidFill>
+                <a:schemeClr val="tx1"/>
+              </a:solidFill>
+              <a:effectLst/>
+              <a:latin typeface="Consolas" panose="020B0609020204030204" pitchFamily="49" charset="0"/>
+            </a:endParaRPr>
+          </a:p>
+          <a:p>
+            <a:pPr marL="0" marR="0" lvl="0" indent="0" algn="l" defTabSz="914400" rtl="0" eaLnBrk="0" fontAlgn="base" latinLnBrk="0" hangingPunct="0">
+              <a:lnSpc>
+                <a:spcPct val="100000"/>
+              </a:lnSpc>
+              <a:spcBef>
+                <a:spcPct val="0"/>
+              </a:spcBef>
+              <a:spcAft>
+                <a:spcPct val="0"/>
+              </a:spcAft>
+              <a:buClrTx/>
+              <a:buSzTx/>
+              <a:buFontTx/>
+              <a:buNone/>
+              <a:tabLst>
+                <a:tab pos="581025" algn="l"/>
+                <a:tab pos="1163638" algn="l"/>
+                <a:tab pos="1744663" algn="l"/>
+                <a:tab pos="2327275" algn="l"/>
+                <a:tab pos="2908300" algn="l"/>
+                <a:tab pos="3489325" algn="l"/>
+                <a:tab pos="4071938" algn="l"/>
+                <a:tab pos="4652963" algn="l"/>
+                <a:tab pos="5235575" algn="l"/>
+                <a:tab pos="5816600" algn="l"/>
+                <a:tab pos="6397625" algn="l"/>
+                <a:tab pos="6980238" algn="l"/>
+                <a:tab pos="7561263" algn="l"/>
+                <a:tab pos="8143875" algn="l"/>
+                <a:tab pos="8724900" algn="l"/>
+                <a:tab pos="9305925" algn="l"/>
+              </a:tabLst>
+            </a:pPr>
+            <a:r>
+              <a:rPr kumimoji="0" lang="en-US" altLang="ru-RU" sz="3200" b="0" i="0" u="none" strike="noStrike" cap="none" normalizeH="0" baseline="0" dirty="0">
+                <a:ln>
+                  <a:noFill/>
+                </a:ln>
+                <a:solidFill>
+                  <a:srgbClr val="76923C"/>
+                </a:solidFill>
+                <a:effectLst/>
+                <a:latin typeface="Consolas" panose="020B0609020204030204" pitchFamily="49" charset="0"/>
+                <a:ea typeface="Times New Roman" panose="02020603050405020304" pitchFamily="18" charset="0"/>
+                <a:cs typeface="Courier New" panose="02070309020205020404" pitchFamily="49" charset="0"/>
+              </a:rPr>
+              <a:t>string </a:t>
+            </a:r>
+            <a:r>
+              <a:rPr kumimoji="0" lang="en-US" altLang="ru-RU" sz="3200" b="0" i="0" u="none" strike="noStrike" cap="none" normalizeH="0" baseline="0" dirty="0">
+                <a:ln>
+                  <a:noFill/>
+                </a:ln>
+                <a:solidFill>
+                  <a:schemeClr val="tx1"/>
+                </a:solidFill>
+                <a:effectLst/>
+                <a:latin typeface="Consolas" panose="020B0609020204030204" pitchFamily="49" charset="0"/>
+                <a:ea typeface="Times New Roman" panose="02020603050405020304" pitchFamily="18" charset="0"/>
+                <a:cs typeface="Courier New" panose="02070309020205020404" pitchFamily="49" charset="0"/>
+              </a:rPr>
+              <a:t>b = </a:t>
+            </a:r>
+            <a:r>
+              <a:rPr kumimoji="0" lang="en-US" altLang="ru-RU" sz="3200" b="0" i="0" u="none" strike="noStrike" cap="none" normalizeH="0" baseline="0" dirty="0">
+                <a:ln>
+                  <a:noFill/>
+                </a:ln>
+                <a:solidFill>
+                  <a:srgbClr val="943634"/>
+                </a:solidFill>
+                <a:effectLst/>
+                <a:latin typeface="Consolas" panose="020B0609020204030204" pitchFamily="49" charset="0"/>
+                <a:ea typeface="Times New Roman" panose="02020603050405020304" pitchFamily="18" charset="0"/>
+                <a:cs typeface="Courier New" panose="02070309020205020404" pitchFamily="49" charset="0"/>
+              </a:rPr>
+              <a:t>"world!"</a:t>
+            </a:r>
+            <a:r>
+              <a:rPr kumimoji="0" lang="en-US" altLang="ru-RU" sz="3200" b="0" i="0" u="none" strike="noStrike" cap="none" normalizeH="0" baseline="0" dirty="0">
+                <a:ln>
+                  <a:noFill/>
+                </a:ln>
+                <a:solidFill>
+                  <a:schemeClr val="tx1"/>
+                </a:solidFill>
+                <a:effectLst/>
+                <a:latin typeface="Consolas" panose="020B0609020204030204" pitchFamily="49" charset="0"/>
+                <a:ea typeface="Times New Roman" panose="02020603050405020304" pitchFamily="18" charset="0"/>
+                <a:cs typeface="Courier New" panose="02070309020205020404" pitchFamily="49" charset="0"/>
+              </a:rPr>
+              <a:t>;</a:t>
+            </a:r>
+            <a:endParaRPr kumimoji="0" lang="ru-RU" altLang="ru-RU" sz="3200" b="0" i="0" u="none" strike="noStrike" cap="none" normalizeH="0" baseline="0" dirty="0">
+              <a:ln>
+                <a:noFill/>
+              </a:ln>
+              <a:solidFill>
+                <a:schemeClr val="tx1"/>
+              </a:solidFill>
+              <a:effectLst/>
+              <a:latin typeface="Consolas" panose="020B0609020204030204" pitchFamily="49" charset="0"/>
+            </a:endParaRPr>
+          </a:p>
+          <a:p>
+            <a:pPr marL="0" marR="0" lvl="0" indent="0" algn="l" defTabSz="914400" rtl="0" eaLnBrk="0" fontAlgn="base" latinLnBrk="0" hangingPunct="0">
+              <a:lnSpc>
+                <a:spcPct val="100000"/>
+              </a:lnSpc>
+              <a:spcBef>
+                <a:spcPct val="0"/>
+              </a:spcBef>
+              <a:spcAft>
+                <a:spcPct val="0"/>
+              </a:spcAft>
+              <a:buClrTx/>
+              <a:buSzTx/>
+              <a:buFontTx/>
+              <a:buNone/>
+              <a:tabLst>
+                <a:tab pos="581025" algn="l"/>
+                <a:tab pos="1163638" algn="l"/>
+                <a:tab pos="1744663" algn="l"/>
+                <a:tab pos="2327275" algn="l"/>
+                <a:tab pos="2908300" algn="l"/>
+                <a:tab pos="3489325" algn="l"/>
+                <a:tab pos="4071938" algn="l"/>
+                <a:tab pos="4652963" algn="l"/>
+                <a:tab pos="5235575" algn="l"/>
+                <a:tab pos="5816600" algn="l"/>
+                <a:tab pos="6397625" algn="l"/>
+                <a:tab pos="6980238" algn="l"/>
+                <a:tab pos="7561263" algn="l"/>
+                <a:tab pos="8143875" algn="l"/>
+                <a:tab pos="8724900" algn="l"/>
+                <a:tab pos="9305925" algn="l"/>
+              </a:tabLst>
+            </a:pPr>
+            <a:r>
+              <a:rPr kumimoji="0" lang="en-US" altLang="ru-RU" sz="3200" b="0" i="0" u="none" strike="noStrike" cap="none" normalizeH="0" baseline="0" dirty="0">
+                <a:ln>
+                  <a:noFill/>
+                </a:ln>
+                <a:solidFill>
+                  <a:srgbClr val="76923C"/>
+                </a:solidFill>
+                <a:effectLst/>
+                <a:latin typeface="Consolas" panose="020B0609020204030204" pitchFamily="49" charset="0"/>
+                <a:ea typeface="Times New Roman" panose="02020603050405020304" pitchFamily="18" charset="0"/>
+                <a:cs typeface="Courier New" panose="02070309020205020404" pitchFamily="49" charset="0"/>
+              </a:rPr>
+              <a:t>string </a:t>
+            </a:r>
+            <a:r>
+              <a:rPr kumimoji="0" lang="en-US" altLang="ru-RU" sz="3200" b="0" i="0" u="none" strike="noStrike" cap="none" normalizeH="0" baseline="0" dirty="0">
+                <a:ln>
+                  <a:noFill/>
+                </a:ln>
+                <a:solidFill>
+                  <a:schemeClr val="tx1"/>
+                </a:solidFill>
+                <a:effectLst/>
+                <a:latin typeface="Consolas" panose="020B0609020204030204" pitchFamily="49" charset="0"/>
+                <a:ea typeface="Times New Roman" panose="02020603050405020304" pitchFamily="18" charset="0"/>
+                <a:cs typeface="Courier New" panose="02070309020205020404" pitchFamily="49" charset="0"/>
+              </a:rPr>
+              <a:t>c = a + b; </a:t>
+            </a:r>
+            <a:endParaRPr kumimoji="0" lang="ru-RU" altLang="ru-RU" sz="3200" b="0" i="0" u="none" strike="noStrike" cap="none" normalizeH="0" baseline="0" dirty="0">
+              <a:ln>
+                <a:noFill/>
+              </a:ln>
+              <a:solidFill>
+                <a:schemeClr val="tx1"/>
+              </a:solidFill>
+              <a:effectLst/>
+              <a:latin typeface="Consolas" panose="020B0609020204030204" pitchFamily="49" charset="0"/>
+              <a:ea typeface="Times New Roman" panose="02020603050405020304" pitchFamily="18" charset="0"/>
+              <a:cs typeface="Courier New" panose="02070309020205020404" pitchFamily="49" charset="0"/>
+            </a:endParaRPr>
+          </a:p>
+          <a:p>
+            <a:pPr marL="0" marR="0" lvl="0" indent="0" algn="l" defTabSz="914400" rtl="0" eaLnBrk="0" fontAlgn="base" latinLnBrk="0" hangingPunct="0">
+              <a:lnSpc>
+                <a:spcPct val="100000"/>
+              </a:lnSpc>
+              <a:spcBef>
+                <a:spcPct val="0"/>
+              </a:spcBef>
+              <a:spcAft>
+                <a:spcPct val="0"/>
+              </a:spcAft>
+              <a:buClrTx/>
+              <a:buSzTx/>
+              <a:buFontTx/>
+              <a:buNone/>
+              <a:tabLst>
+                <a:tab pos="581025" algn="l"/>
+                <a:tab pos="1163638" algn="l"/>
+                <a:tab pos="1744663" algn="l"/>
+                <a:tab pos="2327275" algn="l"/>
+                <a:tab pos="2908300" algn="l"/>
+                <a:tab pos="3489325" algn="l"/>
+                <a:tab pos="4071938" algn="l"/>
+                <a:tab pos="4652963" algn="l"/>
+                <a:tab pos="5235575" algn="l"/>
+                <a:tab pos="5816600" algn="l"/>
+                <a:tab pos="6397625" algn="l"/>
+                <a:tab pos="6980238" algn="l"/>
+                <a:tab pos="7561263" algn="l"/>
+                <a:tab pos="8143875" algn="l"/>
+                <a:tab pos="8724900" algn="l"/>
+                <a:tab pos="9305925" algn="l"/>
+              </a:tabLst>
+            </a:pPr>
+            <a:endParaRPr lang="ru-RU" altLang="ru-RU" sz="3200" dirty="0">
+              <a:latin typeface="Consolas" panose="020B0609020204030204" pitchFamily="49" charset="0"/>
+              <a:cs typeface="Courier New" panose="02070309020205020404" pitchFamily="49" charset="0"/>
+            </a:endParaRPr>
+          </a:p>
+          <a:p>
+            <a:pPr marL="0" indent="0">
+              <a:lnSpc>
+                <a:spcPct val="100000"/>
+              </a:lnSpc>
+              <a:buClrTx/>
+              <a:buSzTx/>
+              <a:buNone/>
+            </a:pPr>
+            <a:r>
+              <a:rPr lang="en-US" altLang="ru-RU" sz="3200" dirty="0">
+                <a:solidFill>
+                  <a:srgbClr val="76923C"/>
+                </a:solidFill>
+                <a:latin typeface="Consolas" panose="020B0609020204030204" pitchFamily="49" charset="0"/>
+                <a:ea typeface="Times New Roman" panose="02020603050405020304" pitchFamily="18" charset="0"/>
+                <a:cs typeface="Courier New" panose="02070309020205020404" pitchFamily="49" charset="0"/>
+              </a:rPr>
+              <a:t>string </a:t>
+            </a:r>
+            <a:r>
+              <a:rPr lang="en-US" altLang="ru-RU" sz="3200" dirty="0">
+                <a:latin typeface="Consolas" panose="020B0609020204030204" pitchFamily="49" charset="0"/>
+                <a:ea typeface="Times New Roman" panose="02020603050405020304" pitchFamily="18" charset="0"/>
+                <a:cs typeface="Courier New" panose="02070309020205020404" pitchFamily="49" charset="0"/>
+              </a:rPr>
+              <a:t>c = b + a; </a:t>
+            </a:r>
+            <a:endParaRPr lang="en-US" altLang="ru-RU" sz="3200" dirty="0">
+              <a:latin typeface="Consolas" panose="020B0609020204030204" pitchFamily="49" charset="0"/>
+            </a:endParaRPr>
+          </a:p>
+          <a:p>
+            <a:pPr marL="0" marR="0" lvl="0" indent="0" algn="l" defTabSz="914400" rtl="0" eaLnBrk="0" fontAlgn="base" latinLnBrk="0" hangingPunct="0">
+              <a:lnSpc>
+                <a:spcPct val="100000"/>
+              </a:lnSpc>
+              <a:spcBef>
+                <a:spcPct val="0"/>
+              </a:spcBef>
+              <a:spcAft>
+                <a:spcPct val="0"/>
+              </a:spcAft>
+              <a:buClrTx/>
+              <a:buSzTx/>
+              <a:buFontTx/>
+              <a:buNone/>
+              <a:tabLst>
+                <a:tab pos="581025" algn="l"/>
+                <a:tab pos="1163638" algn="l"/>
+                <a:tab pos="1744663" algn="l"/>
+                <a:tab pos="2327275" algn="l"/>
+                <a:tab pos="2908300" algn="l"/>
+                <a:tab pos="3489325" algn="l"/>
+                <a:tab pos="4071938" algn="l"/>
+                <a:tab pos="4652963" algn="l"/>
+                <a:tab pos="5235575" algn="l"/>
+                <a:tab pos="5816600" algn="l"/>
+                <a:tab pos="6397625" algn="l"/>
+                <a:tab pos="6980238" algn="l"/>
+                <a:tab pos="7561263" algn="l"/>
+                <a:tab pos="8143875" algn="l"/>
+                <a:tab pos="8724900" algn="l"/>
+                <a:tab pos="9305925" algn="l"/>
+              </a:tabLst>
+            </a:pPr>
+            <a:endParaRPr kumimoji="0" lang="en-US" altLang="ru-RU" sz="3200" b="0" i="0" u="none" strike="noStrike" cap="none" normalizeH="0" baseline="0" dirty="0">
+              <a:ln>
+                <a:noFill/>
+              </a:ln>
+              <a:solidFill>
+                <a:schemeClr val="tx1"/>
+              </a:solidFill>
+              <a:effectLst/>
+              <a:latin typeface="Consolas" panose="020B0609020204030204" pitchFamily="49" charset="0"/>
+            </a:endParaRPr>
+          </a:p>
+        </p:txBody>
+      </p:sp>
     </p:spTree>
     <p:extLst>
       <p:ext uri="{BB962C8B-B14F-4D97-AF65-F5344CB8AC3E}">
@@ -19187,68 +21314,10 @@
           <a:bodyPr/>
           <a:lstStyle/>
           <a:p>
-            <a:endParaRPr lang="ru-RU" dirty="0"/>
-          </a:p>
-        </p:txBody>
-      </p:sp>
-      <p:sp>
-        <p:nvSpPr>
-          <p:cNvPr id="7" name="Объект 6">
-            <a:extLst>
-              <a:ext uri="{FF2B5EF4-FFF2-40B4-BE49-F238E27FC236}">
-                <a16:creationId xmlns:a16="http://schemas.microsoft.com/office/drawing/2014/main" id="{ED9B45B7-0AA6-4CF5-B709-176069E72FC7}"/>
-              </a:ext>
-            </a:extLst>
-          </p:cNvPr>
-          <p:cNvSpPr>
-            <a:spLocks noGrp="1"/>
-          </p:cNvSpPr>
-          <p:nvPr>
-            <p:ph idx="1"/>
-          </p:nvPr>
-        </p:nvSpPr>
-        <p:spPr/>
-        <p:txBody>
-          <a:bodyPr>
-            <a:normAutofit/>
-          </a:bodyPr>
-          <a:lstStyle/>
-          <a:p>
-            <a:pPr marL="0" lvl="0" indent="0" eaLnBrk="0" fontAlgn="base" hangingPunct="0">
-              <a:lnSpc>
-                <a:spcPct val="100000"/>
-              </a:lnSpc>
-              <a:spcBef>
-                <a:spcPct val="0"/>
-              </a:spcBef>
-              <a:spcAft>
-                <a:spcPct val="0"/>
-              </a:spcAft>
-              <a:buClrTx/>
-              <a:buSzTx/>
-              <a:buNone/>
-              <a:tabLst>
-                <a:tab pos="581025" algn="l"/>
-                <a:tab pos="1163638" algn="l"/>
-                <a:tab pos="1744663" algn="l"/>
-                <a:tab pos="2327275" algn="l"/>
-                <a:tab pos="2908300" algn="l"/>
-                <a:tab pos="3489325" algn="l"/>
-                <a:tab pos="4071938" algn="l"/>
-                <a:tab pos="4652963" algn="l"/>
-                <a:tab pos="5235575" algn="l"/>
-                <a:tab pos="5816600" algn="l"/>
-                <a:tab pos="6397625" algn="l"/>
-                <a:tab pos="6980238" algn="l"/>
-                <a:tab pos="7561263" algn="l"/>
-                <a:tab pos="8143875" algn="l"/>
-                <a:tab pos="8724900" algn="l"/>
-                <a:tab pos="9305925" algn="l"/>
-              </a:tabLst>
-            </a:pPr>
-            <a:endParaRPr lang="ru-RU" altLang="ru-RU" sz="2400" dirty="0">
-              <a:latin typeface="Arial" panose="020B0604020202020204" pitchFamily="34" charset="0"/>
-            </a:endParaRPr>
+            <a:r>
+              <a:rPr lang="ru-RU" dirty="0"/>
+              <a:t>Операции со строками</a:t>
+            </a:r>
           </a:p>
         </p:txBody>
       </p:sp>
@@ -19312,6 +21381,902 @@
           </a:prstGeom>
         </p:spPr>
       </p:pic>
+      <p:sp>
+        <p:nvSpPr>
+          <p:cNvPr id="2" name="Content Placeholder 1">
+            <a:extLst>
+              <a:ext uri="{FF2B5EF4-FFF2-40B4-BE49-F238E27FC236}">
+                <a16:creationId xmlns:a16="http://schemas.microsoft.com/office/drawing/2014/main" id="{1D10FDFF-2F8C-40D0-AFD8-FBF32289A400}"/>
+              </a:ext>
+            </a:extLst>
+          </p:cNvPr>
+          <p:cNvSpPr>
+            <a:spLocks noGrp="1" noChangeArrowheads="1"/>
+          </p:cNvSpPr>
+          <p:nvPr>
+            <p:ph idx="1"/>
+          </p:nvPr>
+        </p:nvSpPr>
+        <p:spPr bwMode="auto">
+          <a:xfrm>
+            <a:off x="1295400" y="1981201"/>
+            <a:ext cx="4479111" cy="2554545"/>
+          </a:xfrm>
+          <a:prstGeom prst="rect">
+            <a:avLst/>
+          </a:prstGeom>
+          <a:noFill/>
+          <a:ln>
+            <a:noFill/>
+          </a:ln>
+          <a:effectLst/>
+          <a:extLst>
+            <a:ext uri="{909E8E84-426E-40DD-AFC4-6F175D3DCCD1}">
+              <a14:hiddenFill xmlns:a14="http://schemas.microsoft.com/office/drawing/2010/main">
+                <a:solidFill>
+                  <a:schemeClr val="accent1"/>
+                </a:solidFill>
+              </a14:hiddenFill>
+            </a:ext>
+            <a:ext uri="{91240B29-F687-4F45-9708-019B960494DF}">
+              <a14:hiddenLine xmlns:a14="http://schemas.microsoft.com/office/drawing/2010/main" w="9525">
+                <a:solidFill>
+                  <a:schemeClr val="tx1"/>
+                </a:solidFill>
+                <a:miter lim="800000"/>
+                <a:headEnd/>
+                <a:tailEnd/>
+              </a14:hiddenLine>
+            </a:ext>
+            <a:ext uri="{AF507438-7753-43E0-B8FC-AC1667EBCBE1}">
+              <a14:hiddenEffects xmlns:a14="http://schemas.microsoft.com/office/drawing/2010/main">
+                <a:effectLst>
+                  <a:outerShdw dist="35921" dir="2700000" algn="ctr" rotWithShape="0">
+                    <a:schemeClr val="bg2"/>
+                  </a:outerShdw>
+                </a:effectLst>
+              </a14:hiddenEffects>
+            </a:ext>
+          </a:extLst>
+        </p:spPr>
+        <p:txBody>
+          <a:bodyPr vert="horz" wrap="none" lIns="91440" tIns="45720" rIns="91440" bIns="45720" numCol="1" anchor="t" anchorCtr="0" compatLnSpc="1">
+            <a:prstTxWarp prst="textNoShape">
+              <a:avLst/>
+            </a:prstTxWarp>
+            <a:spAutoFit/>
+          </a:bodyPr>
+          <a:lstStyle>
+            <a:lvl1pPr eaLnBrk="0" fontAlgn="base" hangingPunct="0">
+              <a:spcBef>
+                <a:spcPct val="0"/>
+              </a:spcBef>
+              <a:spcAft>
+                <a:spcPct val="0"/>
+              </a:spcAft>
+              <a:tabLst>
+                <a:tab pos="581025" algn="l"/>
+                <a:tab pos="1163638" algn="l"/>
+                <a:tab pos="1744663" algn="l"/>
+                <a:tab pos="2327275" algn="l"/>
+                <a:tab pos="2908300" algn="l"/>
+                <a:tab pos="3489325" algn="l"/>
+                <a:tab pos="4071938" algn="l"/>
+                <a:tab pos="4652963" algn="l"/>
+                <a:tab pos="5235575" algn="l"/>
+                <a:tab pos="5816600" algn="l"/>
+                <a:tab pos="6397625" algn="l"/>
+                <a:tab pos="6980238" algn="l"/>
+                <a:tab pos="7561263" algn="l"/>
+                <a:tab pos="8143875" algn="l"/>
+                <a:tab pos="8724900" algn="l"/>
+                <a:tab pos="9305925" algn="l"/>
+              </a:tabLst>
+              <a:defRPr>
+                <a:solidFill>
+                  <a:schemeClr val="tx1"/>
+                </a:solidFill>
+                <a:latin typeface="Arial" panose="020B0604020202020204" pitchFamily="34" charset="0"/>
+              </a:defRPr>
+            </a:lvl1pPr>
+            <a:lvl2pPr eaLnBrk="0" fontAlgn="base" hangingPunct="0">
+              <a:spcBef>
+                <a:spcPct val="0"/>
+              </a:spcBef>
+              <a:spcAft>
+                <a:spcPct val="0"/>
+              </a:spcAft>
+              <a:tabLst>
+                <a:tab pos="581025" algn="l"/>
+                <a:tab pos="1163638" algn="l"/>
+                <a:tab pos="1744663" algn="l"/>
+                <a:tab pos="2327275" algn="l"/>
+                <a:tab pos="2908300" algn="l"/>
+                <a:tab pos="3489325" algn="l"/>
+                <a:tab pos="4071938" algn="l"/>
+                <a:tab pos="4652963" algn="l"/>
+                <a:tab pos="5235575" algn="l"/>
+                <a:tab pos="5816600" algn="l"/>
+                <a:tab pos="6397625" algn="l"/>
+                <a:tab pos="6980238" algn="l"/>
+                <a:tab pos="7561263" algn="l"/>
+                <a:tab pos="8143875" algn="l"/>
+                <a:tab pos="8724900" algn="l"/>
+                <a:tab pos="9305925" algn="l"/>
+              </a:tabLst>
+              <a:defRPr>
+                <a:solidFill>
+                  <a:schemeClr val="tx1"/>
+                </a:solidFill>
+                <a:latin typeface="Arial" panose="020B0604020202020204" pitchFamily="34" charset="0"/>
+              </a:defRPr>
+            </a:lvl2pPr>
+            <a:lvl3pPr eaLnBrk="0" fontAlgn="base" hangingPunct="0">
+              <a:spcBef>
+                <a:spcPct val="0"/>
+              </a:spcBef>
+              <a:spcAft>
+                <a:spcPct val="0"/>
+              </a:spcAft>
+              <a:tabLst>
+                <a:tab pos="581025" algn="l"/>
+                <a:tab pos="1163638" algn="l"/>
+                <a:tab pos="1744663" algn="l"/>
+                <a:tab pos="2327275" algn="l"/>
+                <a:tab pos="2908300" algn="l"/>
+                <a:tab pos="3489325" algn="l"/>
+                <a:tab pos="4071938" algn="l"/>
+                <a:tab pos="4652963" algn="l"/>
+                <a:tab pos="5235575" algn="l"/>
+                <a:tab pos="5816600" algn="l"/>
+                <a:tab pos="6397625" algn="l"/>
+                <a:tab pos="6980238" algn="l"/>
+                <a:tab pos="7561263" algn="l"/>
+                <a:tab pos="8143875" algn="l"/>
+                <a:tab pos="8724900" algn="l"/>
+                <a:tab pos="9305925" algn="l"/>
+              </a:tabLst>
+              <a:defRPr>
+                <a:solidFill>
+                  <a:schemeClr val="tx1"/>
+                </a:solidFill>
+                <a:latin typeface="Arial" panose="020B0604020202020204" pitchFamily="34" charset="0"/>
+              </a:defRPr>
+            </a:lvl3pPr>
+            <a:lvl4pPr eaLnBrk="0" fontAlgn="base" hangingPunct="0">
+              <a:spcBef>
+                <a:spcPct val="0"/>
+              </a:spcBef>
+              <a:spcAft>
+                <a:spcPct val="0"/>
+              </a:spcAft>
+              <a:tabLst>
+                <a:tab pos="581025" algn="l"/>
+                <a:tab pos="1163638" algn="l"/>
+                <a:tab pos="1744663" algn="l"/>
+                <a:tab pos="2327275" algn="l"/>
+                <a:tab pos="2908300" algn="l"/>
+                <a:tab pos="3489325" algn="l"/>
+                <a:tab pos="4071938" algn="l"/>
+                <a:tab pos="4652963" algn="l"/>
+                <a:tab pos="5235575" algn="l"/>
+                <a:tab pos="5816600" algn="l"/>
+                <a:tab pos="6397625" algn="l"/>
+                <a:tab pos="6980238" algn="l"/>
+                <a:tab pos="7561263" algn="l"/>
+                <a:tab pos="8143875" algn="l"/>
+                <a:tab pos="8724900" algn="l"/>
+                <a:tab pos="9305925" algn="l"/>
+              </a:tabLst>
+              <a:defRPr>
+                <a:solidFill>
+                  <a:schemeClr val="tx1"/>
+                </a:solidFill>
+                <a:latin typeface="Arial" panose="020B0604020202020204" pitchFamily="34" charset="0"/>
+              </a:defRPr>
+            </a:lvl4pPr>
+            <a:lvl5pPr eaLnBrk="0" fontAlgn="base" hangingPunct="0">
+              <a:spcBef>
+                <a:spcPct val="0"/>
+              </a:spcBef>
+              <a:spcAft>
+                <a:spcPct val="0"/>
+              </a:spcAft>
+              <a:tabLst>
+                <a:tab pos="581025" algn="l"/>
+                <a:tab pos="1163638" algn="l"/>
+                <a:tab pos="1744663" algn="l"/>
+                <a:tab pos="2327275" algn="l"/>
+                <a:tab pos="2908300" algn="l"/>
+                <a:tab pos="3489325" algn="l"/>
+                <a:tab pos="4071938" algn="l"/>
+                <a:tab pos="4652963" algn="l"/>
+                <a:tab pos="5235575" algn="l"/>
+                <a:tab pos="5816600" algn="l"/>
+                <a:tab pos="6397625" algn="l"/>
+                <a:tab pos="6980238" algn="l"/>
+                <a:tab pos="7561263" algn="l"/>
+                <a:tab pos="8143875" algn="l"/>
+                <a:tab pos="8724900" algn="l"/>
+                <a:tab pos="9305925" algn="l"/>
+              </a:tabLst>
+              <a:defRPr>
+                <a:solidFill>
+                  <a:schemeClr val="tx1"/>
+                </a:solidFill>
+                <a:latin typeface="Arial" panose="020B0604020202020204" pitchFamily="34" charset="0"/>
+              </a:defRPr>
+            </a:lvl5pPr>
+            <a:lvl6pPr eaLnBrk="0" fontAlgn="base" hangingPunct="0">
+              <a:spcBef>
+                <a:spcPct val="0"/>
+              </a:spcBef>
+              <a:spcAft>
+                <a:spcPct val="0"/>
+              </a:spcAft>
+              <a:tabLst>
+                <a:tab pos="581025" algn="l"/>
+                <a:tab pos="1163638" algn="l"/>
+                <a:tab pos="1744663" algn="l"/>
+                <a:tab pos="2327275" algn="l"/>
+                <a:tab pos="2908300" algn="l"/>
+                <a:tab pos="3489325" algn="l"/>
+                <a:tab pos="4071938" algn="l"/>
+                <a:tab pos="4652963" algn="l"/>
+                <a:tab pos="5235575" algn="l"/>
+                <a:tab pos="5816600" algn="l"/>
+                <a:tab pos="6397625" algn="l"/>
+                <a:tab pos="6980238" algn="l"/>
+                <a:tab pos="7561263" algn="l"/>
+                <a:tab pos="8143875" algn="l"/>
+                <a:tab pos="8724900" algn="l"/>
+                <a:tab pos="9305925" algn="l"/>
+              </a:tabLst>
+              <a:defRPr>
+                <a:solidFill>
+                  <a:schemeClr val="tx1"/>
+                </a:solidFill>
+                <a:latin typeface="Arial" panose="020B0604020202020204" pitchFamily="34" charset="0"/>
+              </a:defRPr>
+            </a:lvl6pPr>
+            <a:lvl7pPr eaLnBrk="0" fontAlgn="base" hangingPunct="0">
+              <a:spcBef>
+                <a:spcPct val="0"/>
+              </a:spcBef>
+              <a:spcAft>
+                <a:spcPct val="0"/>
+              </a:spcAft>
+              <a:tabLst>
+                <a:tab pos="581025" algn="l"/>
+                <a:tab pos="1163638" algn="l"/>
+                <a:tab pos="1744663" algn="l"/>
+                <a:tab pos="2327275" algn="l"/>
+                <a:tab pos="2908300" algn="l"/>
+                <a:tab pos="3489325" algn="l"/>
+                <a:tab pos="4071938" algn="l"/>
+                <a:tab pos="4652963" algn="l"/>
+                <a:tab pos="5235575" algn="l"/>
+                <a:tab pos="5816600" algn="l"/>
+                <a:tab pos="6397625" algn="l"/>
+                <a:tab pos="6980238" algn="l"/>
+                <a:tab pos="7561263" algn="l"/>
+                <a:tab pos="8143875" algn="l"/>
+                <a:tab pos="8724900" algn="l"/>
+                <a:tab pos="9305925" algn="l"/>
+              </a:tabLst>
+              <a:defRPr>
+                <a:solidFill>
+                  <a:schemeClr val="tx1"/>
+                </a:solidFill>
+                <a:latin typeface="Arial" panose="020B0604020202020204" pitchFamily="34" charset="0"/>
+              </a:defRPr>
+            </a:lvl7pPr>
+            <a:lvl8pPr eaLnBrk="0" fontAlgn="base" hangingPunct="0">
+              <a:spcBef>
+                <a:spcPct val="0"/>
+              </a:spcBef>
+              <a:spcAft>
+                <a:spcPct val="0"/>
+              </a:spcAft>
+              <a:tabLst>
+                <a:tab pos="581025" algn="l"/>
+                <a:tab pos="1163638" algn="l"/>
+                <a:tab pos="1744663" algn="l"/>
+                <a:tab pos="2327275" algn="l"/>
+                <a:tab pos="2908300" algn="l"/>
+                <a:tab pos="3489325" algn="l"/>
+                <a:tab pos="4071938" algn="l"/>
+                <a:tab pos="4652963" algn="l"/>
+                <a:tab pos="5235575" algn="l"/>
+                <a:tab pos="5816600" algn="l"/>
+                <a:tab pos="6397625" algn="l"/>
+                <a:tab pos="6980238" algn="l"/>
+                <a:tab pos="7561263" algn="l"/>
+                <a:tab pos="8143875" algn="l"/>
+                <a:tab pos="8724900" algn="l"/>
+                <a:tab pos="9305925" algn="l"/>
+              </a:tabLst>
+              <a:defRPr>
+                <a:solidFill>
+                  <a:schemeClr val="tx1"/>
+                </a:solidFill>
+                <a:latin typeface="Arial" panose="020B0604020202020204" pitchFamily="34" charset="0"/>
+              </a:defRPr>
+            </a:lvl8pPr>
+            <a:lvl9pPr eaLnBrk="0" fontAlgn="base" hangingPunct="0">
+              <a:spcBef>
+                <a:spcPct val="0"/>
+              </a:spcBef>
+              <a:spcAft>
+                <a:spcPct val="0"/>
+              </a:spcAft>
+              <a:tabLst>
+                <a:tab pos="581025" algn="l"/>
+                <a:tab pos="1163638" algn="l"/>
+                <a:tab pos="1744663" algn="l"/>
+                <a:tab pos="2327275" algn="l"/>
+                <a:tab pos="2908300" algn="l"/>
+                <a:tab pos="3489325" algn="l"/>
+                <a:tab pos="4071938" algn="l"/>
+                <a:tab pos="4652963" algn="l"/>
+                <a:tab pos="5235575" algn="l"/>
+                <a:tab pos="5816600" algn="l"/>
+                <a:tab pos="6397625" algn="l"/>
+                <a:tab pos="6980238" algn="l"/>
+                <a:tab pos="7561263" algn="l"/>
+                <a:tab pos="8143875" algn="l"/>
+                <a:tab pos="8724900" algn="l"/>
+                <a:tab pos="9305925" algn="l"/>
+              </a:tabLst>
+              <a:defRPr>
+                <a:solidFill>
+                  <a:schemeClr val="tx1"/>
+                </a:solidFill>
+                <a:latin typeface="Arial" panose="020B0604020202020204" pitchFamily="34" charset="0"/>
+              </a:defRPr>
+            </a:lvl9pPr>
+          </a:lstStyle>
+          <a:p>
+            <a:pPr marL="0" marR="0" lvl="0" indent="0" algn="l" defTabSz="914400" rtl="0" eaLnBrk="0" fontAlgn="base" latinLnBrk="0" hangingPunct="0">
+              <a:lnSpc>
+                <a:spcPct val="100000"/>
+              </a:lnSpc>
+              <a:spcBef>
+                <a:spcPct val="0"/>
+              </a:spcBef>
+              <a:spcAft>
+                <a:spcPct val="0"/>
+              </a:spcAft>
+              <a:buClrTx/>
+              <a:buSzTx/>
+              <a:buFontTx/>
+              <a:buNone/>
+              <a:tabLst>
+                <a:tab pos="581025" algn="l"/>
+                <a:tab pos="1163638" algn="l"/>
+                <a:tab pos="1744663" algn="l"/>
+                <a:tab pos="2327275" algn="l"/>
+                <a:tab pos="2908300" algn="l"/>
+                <a:tab pos="3489325" algn="l"/>
+                <a:tab pos="4071938" algn="l"/>
+                <a:tab pos="4652963" algn="l"/>
+                <a:tab pos="5235575" algn="l"/>
+                <a:tab pos="5816600" algn="l"/>
+                <a:tab pos="6397625" algn="l"/>
+                <a:tab pos="6980238" algn="l"/>
+                <a:tab pos="7561263" algn="l"/>
+                <a:tab pos="8143875" algn="l"/>
+                <a:tab pos="8724900" algn="l"/>
+                <a:tab pos="9305925" algn="l"/>
+              </a:tabLst>
+            </a:pPr>
+            <a:r>
+              <a:rPr kumimoji="0" lang="en-US" altLang="ru-RU" sz="3200" b="0" i="0" u="none" strike="noStrike" cap="none" normalizeH="0" baseline="0" dirty="0">
+                <a:ln>
+                  <a:noFill/>
+                </a:ln>
+                <a:solidFill>
+                  <a:srgbClr val="76923C"/>
+                </a:solidFill>
+                <a:effectLst/>
+                <a:latin typeface="Consolas" panose="020B0609020204030204" pitchFamily="49" charset="0"/>
+                <a:ea typeface="Times New Roman" panose="02020603050405020304" pitchFamily="18" charset="0"/>
+                <a:cs typeface="Courier New" panose="02070309020205020404" pitchFamily="49" charset="0"/>
+              </a:rPr>
+              <a:t>string </a:t>
+            </a:r>
+            <a:r>
+              <a:rPr kumimoji="0" lang="en-US" altLang="ru-RU" sz="3200" b="0" i="0" u="none" strike="noStrike" cap="none" normalizeH="0" baseline="0" dirty="0">
+                <a:ln>
+                  <a:noFill/>
+                </a:ln>
+                <a:solidFill>
+                  <a:schemeClr val="tx1"/>
+                </a:solidFill>
+                <a:effectLst/>
+                <a:latin typeface="Consolas" panose="020B0609020204030204" pitchFamily="49" charset="0"/>
+                <a:ea typeface="Times New Roman" panose="02020603050405020304" pitchFamily="18" charset="0"/>
+                <a:cs typeface="Courier New" panose="02070309020205020404" pitchFamily="49" charset="0"/>
+              </a:rPr>
+              <a:t>a = </a:t>
+            </a:r>
+            <a:r>
+              <a:rPr kumimoji="0" lang="en-US" altLang="ru-RU" sz="3200" b="0" i="0" u="none" strike="noStrike" cap="none" normalizeH="0" baseline="0" dirty="0">
+                <a:ln>
+                  <a:noFill/>
+                </a:ln>
+                <a:solidFill>
+                  <a:srgbClr val="943634"/>
+                </a:solidFill>
+                <a:effectLst/>
+                <a:latin typeface="Consolas" panose="020B0609020204030204" pitchFamily="49" charset="0"/>
+                <a:ea typeface="Times New Roman" panose="02020603050405020304" pitchFamily="18" charset="0"/>
+                <a:cs typeface="Courier New" panose="02070309020205020404" pitchFamily="49" charset="0"/>
+              </a:rPr>
+              <a:t>"HELLO"</a:t>
+            </a:r>
+            <a:r>
+              <a:rPr kumimoji="0" lang="en-US" altLang="ru-RU" sz="3200" b="0" i="0" u="none" strike="noStrike" cap="none" normalizeH="0" baseline="0" dirty="0">
+                <a:ln>
+                  <a:noFill/>
+                </a:ln>
+                <a:solidFill>
+                  <a:schemeClr val="tx1"/>
+                </a:solidFill>
+                <a:effectLst/>
+                <a:latin typeface="Consolas" panose="020B0609020204030204" pitchFamily="49" charset="0"/>
+                <a:ea typeface="Times New Roman" panose="02020603050405020304" pitchFamily="18" charset="0"/>
+                <a:cs typeface="Courier New" panose="02070309020205020404" pitchFamily="49" charset="0"/>
+              </a:rPr>
+              <a:t>;</a:t>
+            </a:r>
+            <a:endParaRPr kumimoji="0" lang="ru-RU" altLang="ru-RU" sz="3200" b="0" i="0" u="none" strike="noStrike" cap="none" normalizeH="0" baseline="0" dirty="0">
+              <a:ln>
+                <a:noFill/>
+              </a:ln>
+              <a:solidFill>
+                <a:schemeClr val="tx1"/>
+              </a:solidFill>
+              <a:effectLst/>
+              <a:latin typeface="Consolas" panose="020B0609020204030204" pitchFamily="49" charset="0"/>
+            </a:endParaRPr>
+          </a:p>
+          <a:p>
+            <a:pPr marL="0" marR="0" lvl="0" indent="0" algn="l" defTabSz="914400" rtl="0" eaLnBrk="0" fontAlgn="base" latinLnBrk="0" hangingPunct="0">
+              <a:lnSpc>
+                <a:spcPct val="100000"/>
+              </a:lnSpc>
+              <a:spcBef>
+                <a:spcPct val="0"/>
+              </a:spcBef>
+              <a:spcAft>
+                <a:spcPct val="0"/>
+              </a:spcAft>
+              <a:buClrTx/>
+              <a:buSzTx/>
+              <a:buFontTx/>
+              <a:buNone/>
+              <a:tabLst>
+                <a:tab pos="581025" algn="l"/>
+                <a:tab pos="1163638" algn="l"/>
+                <a:tab pos="1744663" algn="l"/>
+                <a:tab pos="2327275" algn="l"/>
+                <a:tab pos="2908300" algn="l"/>
+                <a:tab pos="3489325" algn="l"/>
+                <a:tab pos="4071938" algn="l"/>
+                <a:tab pos="4652963" algn="l"/>
+                <a:tab pos="5235575" algn="l"/>
+                <a:tab pos="5816600" algn="l"/>
+                <a:tab pos="6397625" algn="l"/>
+                <a:tab pos="6980238" algn="l"/>
+                <a:tab pos="7561263" algn="l"/>
+                <a:tab pos="8143875" algn="l"/>
+                <a:tab pos="8724900" algn="l"/>
+                <a:tab pos="9305925" algn="l"/>
+              </a:tabLst>
+            </a:pPr>
+            <a:r>
+              <a:rPr kumimoji="0" lang="en-US" altLang="ru-RU" sz="3200" b="0" i="0" u="none" strike="noStrike" cap="none" normalizeH="0" baseline="0" dirty="0">
+                <a:ln>
+                  <a:noFill/>
+                </a:ln>
+                <a:solidFill>
+                  <a:srgbClr val="76923C"/>
+                </a:solidFill>
+                <a:effectLst/>
+                <a:latin typeface="Consolas" panose="020B0609020204030204" pitchFamily="49" charset="0"/>
+                <a:ea typeface="Times New Roman" panose="02020603050405020304" pitchFamily="18" charset="0"/>
+                <a:cs typeface="Courier New" panose="02070309020205020404" pitchFamily="49" charset="0"/>
+              </a:rPr>
+              <a:t>string </a:t>
+            </a:r>
+            <a:r>
+              <a:rPr kumimoji="0" lang="en-US" altLang="ru-RU" sz="3200" b="0" i="0" u="none" strike="noStrike" cap="none" normalizeH="0" baseline="0" dirty="0">
+                <a:ln>
+                  <a:noFill/>
+                </a:ln>
+                <a:solidFill>
+                  <a:schemeClr val="tx1"/>
+                </a:solidFill>
+                <a:effectLst/>
+                <a:latin typeface="Consolas" panose="020B0609020204030204" pitchFamily="49" charset="0"/>
+                <a:ea typeface="Times New Roman" panose="02020603050405020304" pitchFamily="18" charset="0"/>
+                <a:cs typeface="Courier New" panose="02070309020205020404" pitchFamily="49" charset="0"/>
+              </a:rPr>
+              <a:t>b = </a:t>
+            </a:r>
+            <a:r>
+              <a:rPr kumimoji="0" lang="en-US" altLang="ru-RU" sz="3200" b="0" i="0" u="none" strike="noStrike" cap="none" normalizeH="0" baseline="0" dirty="0">
+                <a:ln>
+                  <a:noFill/>
+                </a:ln>
+                <a:solidFill>
+                  <a:srgbClr val="943634"/>
+                </a:solidFill>
+                <a:effectLst/>
+                <a:latin typeface="Consolas" panose="020B0609020204030204" pitchFamily="49" charset="0"/>
+                <a:ea typeface="Times New Roman" panose="02020603050405020304" pitchFamily="18" charset="0"/>
+                <a:cs typeface="Courier New" panose="02070309020205020404" pitchFamily="49" charset="0"/>
+              </a:rPr>
+              <a:t>"Hello"</a:t>
+            </a:r>
+            <a:r>
+              <a:rPr kumimoji="0" lang="en-US" altLang="ru-RU" sz="3200" b="0" i="0" u="none" strike="noStrike" cap="none" normalizeH="0" baseline="0" dirty="0">
+                <a:ln>
+                  <a:noFill/>
+                </a:ln>
+                <a:solidFill>
+                  <a:schemeClr val="tx1"/>
+                </a:solidFill>
+                <a:effectLst/>
+                <a:latin typeface="Consolas" panose="020B0609020204030204" pitchFamily="49" charset="0"/>
+                <a:ea typeface="Times New Roman" panose="02020603050405020304" pitchFamily="18" charset="0"/>
+                <a:cs typeface="Courier New" panose="02070309020205020404" pitchFamily="49" charset="0"/>
+              </a:rPr>
+              <a:t>;</a:t>
+            </a:r>
+            <a:endParaRPr kumimoji="0" lang="ru-RU" altLang="ru-RU" sz="3200" b="0" i="0" u="none" strike="noStrike" cap="none" normalizeH="0" baseline="0" dirty="0">
+              <a:ln>
+                <a:noFill/>
+              </a:ln>
+              <a:solidFill>
+                <a:schemeClr val="tx1"/>
+              </a:solidFill>
+              <a:effectLst/>
+              <a:latin typeface="Consolas" panose="020B0609020204030204" pitchFamily="49" charset="0"/>
+            </a:endParaRPr>
+          </a:p>
+          <a:p>
+            <a:pPr marL="0" marR="0" lvl="0" indent="0" algn="l" defTabSz="914400" rtl="0" eaLnBrk="0" fontAlgn="base" latinLnBrk="0" hangingPunct="0">
+              <a:lnSpc>
+                <a:spcPct val="100000"/>
+              </a:lnSpc>
+              <a:spcBef>
+                <a:spcPct val="0"/>
+              </a:spcBef>
+              <a:spcAft>
+                <a:spcPct val="0"/>
+              </a:spcAft>
+              <a:buClrTx/>
+              <a:buSzTx/>
+              <a:buFontTx/>
+              <a:buNone/>
+              <a:tabLst>
+                <a:tab pos="581025" algn="l"/>
+                <a:tab pos="1163638" algn="l"/>
+                <a:tab pos="1744663" algn="l"/>
+                <a:tab pos="2327275" algn="l"/>
+                <a:tab pos="2908300" algn="l"/>
+                <a:tab pos="3489325" algn="l"/>
+                <a:tab pos="4071938" algn="l"/>
+                <a:tab pos="4652963" algn="l"/>
+                <a:tab pos="5235575" algn="l"/>
+                <a:tab pos="5816600" algn="l"/>
+                <a:tab pos="6397625" algn="l"/>
+                <a:tab pos="6980238" algn="l"/>
+                <a:tab pos="7561263" algn="l"/>
+                <a:tab pos="8143875" algn="l"/>
+                <a:tab pos="8724900" algn="l"/>
+                <a:tab pos="9305925" algn="l"/>
+              </a:tabLst>
+            </a:pPr>
+            <a:r>
+              <a:rPr kumimoji="0" lang="en-US" altLang="ru-RU" sz="3200" b="0" i="0" u="none" strike="noStrike" cap="none" normalizeH="0" baseline="0" dirty="0">
+                <a:ln>
+                  <a:noFill/>
+                </a:ln>
+                <a:solidFill>
+                  <a:schemeClr val="tx1"/>
+                </a:solidFill>
+                <a:effectLst/>
+                <a:latin typeface="Consolas" panose="020B0609020204030204" pitchFamily="49" charset="0"/>
+                <a:ea typeface="Times New Roman" panose="02020603050405020304" pitchFamily="18" charset="0"/>
+                <a:cs typeface="Courier New" panose="02070309020205020404" pitchFamily="49" charset="0"/>
+              </a:rPr>
+              <a:t>		</a:t>
+            </a:r>
+            <a:br>
+              <a:rPr kumimoji="0" lang="ru-RU" altLang="ru-RU" sz="3200" b="0" i="0" u="none" strike="noStrike" cap="none" normalizeH="0" baseline="0" dirty="0">
+                <a:ln>
+                  <a:noFill/>
+                </a:ln>
+                <a:solidFill>
+                  <a:schemeClr val="tx1"/>
+                </a:solidFill>
+                <a:effectLst/>
+                <a:latin typeface="Consolas" panose="020B0609020204030204" pitchFamily="49" charset="0"/>
+                <a:ea typeface="Times New Roman" panose="02020603050405020304" pitchFamily="18" charset="0"/>
+                <a:cs typeface="Courier New" panose="02070309020205020404" pitchFamily="49" charset="0"/>
+              </a:rPr>
+            </a:br>
+            <a:r>
+              <a:rPr kumimoji="0" lang="en-US" altLang="ru-RU" sz="3200" b="0" i="0" u="none" strike="noStrike" cap="none" normalizeH="0" baseline="0" dirty="0">
+                <a:ln>
+                  <a:noFill/>
+                </a:ln>
+                <a:solidFill>
+                  <a:srgbClr val="76923C"/>
+                </a:solidFill>
+                <a:effectLst/>
+                <a:latin typeface="Consolas" panose="020B0609020204030204" pitchFamily="49" charset="0"/>
+                <a:ea typeface="Times New Roman" panose="02020603050405020304" pitchFamily="18" charset="0"/>
+                <a:cs typeface="Courier New" panose="02070309020205020404" pitchFamily="49" charset="0"/>
+              </a:rPr>
+              <a:t>bool </a:t>
+            </a:r>
+            <a:r>
+              <a:rPr kumimoji="0" lang="en-US" altLang="ru-RU" sz="3200" b="0" i="0" u="none" strike="noStrike" cap="none" normalizeH="0" baseline="0" dirty="0">
+                <a:ln>
+                  <a:noFill/>
+                </a:ln>
+                <a:solidFill>
+                  <a:schemeClr val="tx1"/>
+                </a:solidFill>
+                <a:effectLst/>
+                <a:latin typeface="Consolas" panose="020B0609020204030204" pitchFamily="49" charset="0"/>
+                <a:ea typeface="Times New Roman" panose="02020603050405020304" pitchFamily="18" charset="0"/>
+                <a:cs typeface="Courier New" panose="02070309020205020404" pitchFamily="49" charset="0"/>
+              </a:rPr>
+              <a:t>c</a:t>
+            </a:r>
+            <a:r>
+              <a:rPr kumimoji="0" lang="ru-RU" altLang="ru-RU" sz="3200" b="0" i="0" u="none" strike="noStrike" cap="none" normalizeH="0" baseline="0" dirty="0">
+                <a:ln>
+                  <a:noFill/>
+                </a:ln>
+                <a:solidFill>
+                  <a:schemeClr val="tx1"/>
+                </a:solidFill>
+                <a:effectLst/>
+                <a:latin typeface="Consolas" panose="020B0609020204030204" pitchFamily="49" charset="0"/>
+                <a:ea typeface="Times New Roman" panose="02020603050405020304" pitchFamily="18" charset="0"/>
+                <a:cs typeface="Courier New" panose="02070309020205020404" pitchFamily="49" charset="0"/>
+              </a:rPr>
+              <a:t> = </a:t>
+            </a:r>
+            <a:r>
+              <a:rPr kumimoji="0" lang="en-US" altLang="ru-RU" sz="3200" b="0" i="0" u="none" strike="noStrike" cap="none" normalizeH="0" baseline="0" dirty="0">
+                <a:ln>
+                  <a:noFill/>
+                </a:ln>
+                <a:solidFill>
+                  <a:schemeClr val="tx1"/>
+                </a:solidFill>
+                <a:effectLst/>
+                <a:latin typeface="Consolas" panose="020B0609020204030204" pitchFamily="49" charset="0"/>
+                <a:ea typeface="Times New Roman" panose="02020603050405020304" pitchFamily="18" charset="0"/>
+                <a:cs typeface="Courier New" panose="02070309020205020404" pitchFamily="49" charset="0"/>
+              </a:rPr>
+              <a:t>a</a:t>
+            </a:r>
+            <a:r>
+              <a:rPr kumimoji="0" lang="ru-RU" altLang="ru-RU" sz="3200" b="0" i="0" u="none" strike="noStrike" cap="none" normalizeH="0" baseline="0" dirty="0">
+                <a:ln>
+                  <a:noFill/>
+                </a:ln>
+                <a:solidFill>
+                  <a:schemeClr val="tx1"/>
+                </a:solidFill>
+                <a:effectLst/>
+                <a:latin typeface="Consolas" panose="020B0609020204030204" pitchFamily="49" charset="0"/>
+                <a:ea typeface="Times New Roman" panose="02020603050405020304" pitchFamily="18" charset="0"/>
+                <a:cs typeface="Courier New" panose="02070309020205020404" pitchFamily="49" charset="0"/>
+              </a:rPr>
+              <a:t> == </a:t>
+            </a:r>
+            <a:r>
+              <a:rPr kumimoji="0" lang="en-US" altLang="ru-RU" sz="3200" b="0" i="0" u="none" strike="noStrike" cap="none" normalizeH="0" baseline="0" dirty="0">
+                <a:ln>
+                  <a:noFill/>
+                </a:ln>
+                <a:solidFill>
+                  <a:schemeClr val="tx1"/>
+                </a:solidFill>
+                <a:effectLst/>
+                <a:latin typeface="Consolas" panose="020B0609020204030204" pitchFamily="49" charset="0"/>
+                <a:ea typeface="Times New Roman" panose="02020603050405020304" pitchFamily="18" charset="0"/>
+                <a:cs typeface="Courier New" panose="02070309020205020404" pitchFamily="49" charset="0"/>
+              </a:rPr>
+              <a:t>b</a:t>
+            </a:r>
+            <a:r>
+              <a:rPr kumimoji="0" lang="ru-RU" altLang="ru-RU" sz="3200" b="0" i="0" u="none" strike="noStrike" cap="none" normalizeH="0" baseline="0" dirty="0">
+                <a:ln>
+                  <a:noFill/>
+                </a:ln>
+                <a:solidFill>
+                  <a:schemeClr val="tx1"/>
+                </a:solidFill>
+                <a:effectLst/>
+                <a:latin typeface="Consolas" panose="020B0609020204030204" pitchFamily="49" charset="0"/>
+                <a:ea typeface="Times New Roman" panose="02020603050405020304" pitchFamily="18" charset="0"/>
+                <a:cs typeface="Courier New" panose="02070309020205020404" pitchFamily="49" charset="0"/>
+              </a:rPr>
+              <a:t>; </a:t>
+            </a:r>
+            <a:endParaRPr kumimoji="0" lang="ru-RU" altLang="ru-RU" sz="3200" b="0" i="0" u="none" strike="noStrike" cap="none" normalizeH="0" baseline="0" dirty="0">
+              <a:ln>
+                <a:noFill/>
+              </a:ln>
+              <a:solidFill>
+                <a:schemeClr val="tx1"/>
+              </a:solidFill>
+              <a:effectLst/>
+              <a:latin typeface="Consolas" panose="020B0609020204030204" pitchFamily="49" charset="0"/>
+            </a:endParaRPr>
+          </a:p>
+          <a:p>
+            <a:pPr marL="0" marR="0" lvl="0" indent="0" algn="l" defTabSz="914400" rtl="0" eaLnBrk="0" fontAlgn="base" latinLnBrk="0" hangingPunct="0">
+              <a:lnSpc>
+                <a:spcPct val="100000"/>
+              </a:lnSpc>
+              <a:spcBef>
+                <a:spcPct val="0"/>
+              </a:spcBef>
+              <a:spcAft>
+                <a:spcPct val="0"/>
+              </a:spcAft>
+              <a:buClrTx/>
+              <a:buSzTx/>
+              <a:buFontTx/>
+              <a:buNone/>
+              <a:tabLst>
+                <a:tab pos="581025" algn="l"/>
+                <a:tab pos="1163638" algn="l"/>
+                <a:tab pos="1744663" algn="l"/>
+                <a:tab pos="2327275" algn="l"/>
+                <a:tab pos="2908300" algn="l"/>
+                <a:tab pos="3489325" algn="l"/>
+                <a:tab pos="4071938" algn="l"/>
+                <a:tab pos="4652963" algn="l"/>
+                <a:tab pos="5235575" algn="l"/>
+                <a:tab pos="5816600" algn="l"/>
+                <a:tab pos="6397625" algn="l"/>
+                <a:tab pos="6980238" algn="l"/>
+                <a:tab pos="7561263" algn="l"/>
+                <a:tab pos="8143875" algn="l"/>
+                <a:tab pos="8724900" algn="l"/>
+                <a:tab pos="9305925" algn="l"/>
+              </a:tabLst>
+            </a:pPr>
+            <a:r>
+              <a:rPr kumimoji="0" lang="en-US" altLang="ru-RU" sz="3200" b="0" i="0" u="none" strike="noStrike" cap="none" normalizeH="0" baseline="0" dirty="0">
+                <a:ln>
+                  <a:noFill/>
+                </a:ln>
+                <a:solidFill>
+                  <a:srgbClr val="76923C"/>
+                </a:solidFill>
+                <a:effectLst/>
+                <a:latin typeface="Consolas" panose="020B0609020204030204" pitchFamily="49" charset="0"/>
+                <a:ea typeface="Times New Roman" panose="02020603050405020304" pitchFamily="18" charset="0"/>
+                <a:cs typeface="Courier New" panose="02070309020205020404" pitchFamily="49" charset="0"/>
+              </a:rPr>
+              <a:t>bool </a:t>
+            </a:r>
+            <a:r>
+              <a:rPr kumimoji="0" lang="en-US" altLang="ru-RU" sz="3200" b="0" i="0" u="none" strike="noStrike" cap="none" normalizeH="0" baseline="0" dirty="0">
+                <a:ln>
+                  <a:noFill/>
+                </a:ln>
+                <a:solidFill>
+                  <a:schemeClr val="tx1"/>
+                </a:solidFill>
+                <a:effectLst/>
+                <a:latin typeface="Consolas" panose="020B0609020204030204" pitchFamily="49" charset="0"/>
+                <a:ea typeface="Times New Roman" panose="02020603050405020304" pitchFamily="18" charset="0"/>
+                <a:cs typeface="Courier New" panose="02070309020205020404" pitchFamily="49" charset="0"/>
+              </a:rPr>
+              <a:t>d</a:t>
+            </a:r>
+            <a:r>
+              <a:rPr kumimoji="0" lang="ru-RU" altLang="ru-RU" sz="3200" b="0" i="0" u="none" strike="noStrike" cap="none" normalizeH="0" baseline="0" dirty="0">
+                <a:ln>
+                  <a:noFill/>
+                </a:ln>
+                <a:solidFill>
+                  <a:schemeClr val="tx1"/>
+                </a:solidFill>
+                <a:effectLst/>
+                <a:latin typeface="Consolas" panose="020B0609020204030204" pitchFamily="49" charset="0"/>
+                <a:ea typeface="Times New Roman" panose="02020603050405020304" pitchFamily="18" charset="0"/>
+                <a:cs typeface="Courier New" panose="02070309020205020404" pitchFamily="49" charset="0"/>
+              </a:rPr>
+              <a:t> = </a:t>
+            </a:r>
+            <a:r>
+              <a:rPr kumimoji="0" lang="en-US" altLang="ru-RU" sz="3200" b="0" i="0" u="none" strike="noStrike" cap="none" normalizeH="0" baseline="0" dirty="0">
+                <a:ln>
+                  <a:noFill/>
+                </a:ln>
+                <a:solidFill>
+                  <a:schemeClr val="tx1"/>
+                </a:solidFill>
+                <a:effectLst/>
+                <a:latin typeface="Consolas" panose="020B0609020204030204" pitchFamily="49" charset="0"/>
+                <a:ea typeface="Times New Roman" panose="02020603050405020304" pitchFamily="18" charset="0"/>
+                <a:cs typeface="Courier New" panose="02070309020205020404" pitchFamily="49" charset="0"/>
+              </a:rPr>
+              <a:t>a</a:t>
+            </a:r>
+            <a:r>
+              <a:rPr kumimoji="0" lang="ru-RU" altLang="ru-RU" sz="3200" b="0" i="0" u="none" strike="noStrike" cap="none" normalizeH="0" baseline="0" dirty="0">
+                <a:ln>
+                  <a:noFill/>
+                </a:ln>
+                <a:solidFill>
+                  <a:schemeClr val="tx1"/>
+                </a:solidFill>
+                <a:effectLst/>
+                <a:latin typeface="Consolas" panose="020B0609020204030204" pitchFamily="49" charset="0"/>
+                <a:ea typeface="Times New Roman" panose="02020603050405020304" pitchFamily="18" charset="0"/>
+                <a:cs typeface="Courier New" panose="02070309020205020404" pitchFamily="49" charset="0"/>
+              </a:rPr>
+              <a:t> != </a:t>
+            </a:r>
+            <a:r>
+              <a:rPr kumimoji="0" lang="en-US" altLang="ru-RU" sz="3200" b="0" i="0" u="none" strike="noStrike" cap="none" normalizeH="0" baseline="0" dirty="0">
+                <a:ln>
+                  <a:noFill/>
+                </a:ln>
+                <a:solidFill>
+                  <a:schemeClr val="tx1"/>
+                </a:solidFill>
+                <a:effectLst/>
+                <a:latin typeface="Consolas" panose="020B0609020204030204" pitchFamily="49" charset="0"/>
+                <a:ea typeface="Times New Roman" panose="02020603050405020304" pitchFamily="18" charset="0"/>
+                <a:cs typeface="Courier New" panose="02070309020205020404" pitchFamily="49" charset="0"/>
+              </a:rPr>
+              <a:t>b</a:t>
+            </a:r>
+            <a:r>
+              <a:rPr kumimoji="0" lang="ru-RU" altLang="ru-RU" sz="3200" b="0" i="0" u="none" strike="noStrike" cap="none" normalizeH="0" baseline="0" dirty="0">
+                <a:ln>
+                  <a:noFill/>
+                </a:ln>
+                <a:solidFill>
+                  <a:schemeClr val="tx1"/>
+                </a:solidFill>
+                <a:effectLst/>
+                <a:latin typeface="Consolas" panose="020B0609020204030204" pitchFamily="49" charset="0"/>
+                <a:ea typeface="Times New Roman" panose="02020603050405020304" pitchFamily="18" charset="0"/>
+                <a:cs typeface="Courier New" panose="02070309020205020404" pitchFamily="49" charset="0"/>
+              </a:rPr>
+              <a:t>; </a:t>
+            </a:r>
+            <a:endParaRPr kumimoji="0" lang="ru-RU" altLang="ru-RU" sz="3200" b="0" i="0" u="none" strike="noStrike" cap="none" normalizeH="0" baseline="0" dirty="0">
+              <a:ln>
+                <a:noFill/>
+              </a:ln>
+              <a:solidFill>
+                <a:schemeClr val="tx1"/>
+              </a:solidFill>
+              <a:effectLst/>
+              <a:latin typeface="Consolas" panose="020B0609020204030204" pitchFamily="49" charset="0"/>
+            </a:endParaRPr>
+          </a:p>
+        </p:txBody>
+      </p:sp>
     </p:spTree>
     <p:extLst>
       <p:ext uri="{BB962C8B-B14F-4D97-AF65-F5344CB8AC3E}">
@@ -19375,68 +22340,10 @@
           <a:bodyPr/>
           <a:lstStyle/>
           <a:p>
-            <a:endParaRPr lang="ru-RU" dirty="0"/>
-          </a:p>
-        </p:txBody>
-      </p:sp>
-      <p:sp>
-        <p:nvSpPr>
-          <p:cNvPr id="7" name="Объект 6">
-            <a:extLst>
-              <a:ext uri="{FF2B5EF4-FFF2-40B4-BE49-F238E27FC236}">
-                <a16:creationId xmlns:a16="http://schemas.microsoft.com/office/drawing/2014/main" id="{ED9B45B7-0AA6-4CF5-B709-176069E72FC7}"/>
-              </a:ext>
-            </a:extLst>
-          </p:cNvPr>
-          <p:cNvSpPr>
-            <a:spLocks noGrp="1"/>
-          </p:cNvSpPr>
-          <p:nvPr>
-            <p:ph idx="1"/>
-          </p:nvPr>
-        </p:nvSpPr>
-        <p:spPr/>
-        <p:txBody>
-          <a:bodyPr>
-            <a:normAutofit/>
-          </a:bodyPr>
-          <a:lstStyle/>
-          <a:p>
-            <a:pPr marL="0" lvl="0" indent="0" eaLnBrk="0" fontAlgn="base" hangingPunct="0">
-              <a:lnSpc>
-                <a:spcPct val="100000"/>
-              </a:lnSpc>
-              <a:spcBef>
-                <a:spcPct val="0"/>
-              </a:spcBef>
-              <a:spcAft>
-                <a:spcPct val="0"/>
-              </a:spcAft>
-              <a:buClrTx/>
-              <a:buSzTx/>
-              <a:buNone/>
-              <a:tabLst>
-                <a:tab pos="581025" algn="l"/>
-                <a:tab pos="1163638" algn="l"/>
-                <a:tab pos="1744663" algn="l"/>
-                <a:tab pos="2327275" algn="l"/>
-                <a:tab pos="2908300" algn="l"/>
-                <a:tab pos="3489325" algn="l"/>
-                <a:tab pos="4071938" algn="l"/>
-                <a:tab pos="4652963" algn="l"/>
-                <a:tab pos="5235575" algn="l"/>
-                <a:tab pos="5816600" algn="l"/>
-                <a:tab pos="6397625" algn="l"/>
-                <a:tab pos="6980238" algn="l"/>
-                <a:tab pos="7561263" algn="l"/>
-                <a:tab pos="8143875" algn="l"/>
-                <a:tab pos="8724900" algn="l"/>
-                <a:tab pos="9305925" algn="l"/>
-              </a:tabLst>
-            </a:pPr>
-            <a:endParaRPr lang="ru-RU" altLang="ru-RU" sz="2400" dirty="0">
-              <a:latin typeface="Arial" panose="020B0604020202020204" pitchFamily="34" charset="0"/>
-            </a:endParaRPr>
+            <a:r>
+              <a:rPr lang="ru-RU" dirty="0"/>
+              <a:t>Хранение строк</a:t>
+            </a:r>
           </a:p>
         </p:txBody>
       </p:sp>
@@ -19500,6 +22407,692 @@
           </a:prstGeom>
         </p:spPr>
       </p:pic>
+      <p:sp>
+        <p:nvSpPr>
+          <p:cNvPr id="2" name="Content Placeholder 1">
+            <a:extLst>
+              <a:ext uri="{FF2B5EF4-FFF2-40B4-BE49-F238E27FC236}">
+                <a16:creationId xmlns:a16="http://schemas.microsoft.com/office/drawing/2014/main" id="{71047763-C4FC-4AA3-870B-A61DF10F7D03}"/>
+              </a:ext>
+            </a:extLst>
+          </p:cNvPr>
+          <p:cNvSpPr>
+            <a:spLocks noGrp="1" noChangeArrowheads="1"/>
+          </p:cNvSpPr>
+          <p:nvPr>
+            <p:ph idx="1"/>
+          </p:nvPr>
+        </p:nvSpPr>
+        <p:spPr bwMode="auto">
+          <a:xfrm>
+            <a:off x="1295400" y="1981201"/>
+            <a:ext cx="5609228" cy="3785652"/>
+          </a:xfrm>
+          <a:prstGeom prst="rect">
+            <a:avLst/>
+          </a:prstGeom>
+          <a:noFill/>
+          <a:ln>
+            <a:noFill/>
+          </a:ln>
+          <a:effectLst/>
+          <a:extLst>
+            <a:ext uri="{909E8E84-426E-40DD-AFC4-6F175D3DCCD1}">
+              <a14:hiddenFill xmlns:a14="http://schemas.microsoft.com/office/drawing/2010/main">
+                <a:solidFill>
+                  <a:schemeClr val="accent1"/>
+                </a:solidFill>
+              </a14:hiddenFill>
+            </a:ext>
+            <a:ext uri="{91240B29-F687-4F45-9708-019B960494DF}">
+              <a14:hiddenLine xmlns:a14="http://schemas.microsoft.com/office/drawing/2010/main" w="9525">
+                <a:solidFill>
+                  <a:schemeClr val="tx1"/>
+                </a:solidFill>
+                <a:miter lim="800000"/>
+                <a:headEnd/>
+                <a:tailEnd/>
+              </a14:hiddenLine>
+            </a:ext>
+            <a:ext uri="{AF507438-7753-43E0-B8FC-AC1667EBCBE1}">
+              <a14:hiddenEffects xmlns:a14="http://schemas.microsoft.com/office/drawing/2010/main">
+                <a:effectLst>
+                  <a:outerShdw dist="35921" dir="2700000" algn="ctr" rotWithShape="0">
+                    <a:schemeClr val="bg2"/>
+                  </a:outerShdw>
+                </a:effectLst>
+              </a14:hiddenEffects>
+            </a:ext>
+          </a:extLst>
+        </p:spPr>
+        <p:txBody>
+          <a:bodyPr vert="horz" wrap="none" lIns="91440" tIns="45720" rIns="91440" bIns="45720" numCol="1" anchor="t" anchorCtr="0" compatLnSpc="1">
+            <a:prstTxWarp prst="textNoShape">
+              <a:avLst/>
+            </a:prstTxWarp>
+            <a:spAutoFit/>
+          </a:bodyPr>
+          <a:lstStyle>
+            <a:lvl1pPr eaLnBrk="0" fontAlgn="base" hangingPunct="0">
+              <a:spcBef>
+                <a:spcPct val="0"/>
+              </a:spcBef>
+              <a:spcAft>
+                <a:spcPct val="0"/>
+              </a:spcAft>
+              <a:tabLst>
+                <a:tab pos="581025" algn="l"/>
+                <a:tab pos="1163638" algn="l"/>
+                <a:tab pos="1744663" algn="l"/>
+                <a:tab pos="2327275" algn="l"/>
+                <a:tab pos="2908300" algn="l"/>
+                <a:tab pos="3489325" algn="l"/>
+                <a:tab pos="4071938" algn="l"/>
+                <a:tab pos="4652963" algn="l"/>
+                <a:tab pos="5235575" algn="l"/>
+                <a:tab pos="5816600" algn="l"/>
+                <a:tab pos="6397625" algn="l"/>
+                <a:tab pos="6980238" algn="l"/>
+                <a:tab pos="7561263" algn="l"/>
+                <a:tab pos="8143875" algn="l"/>
+                <a:tab pos="8724900" algn="l"/>
+                <a:tab pos="9305925" algn="l"/>
+              </a:tabLst>
+              <a:defRPr>
+                <a:solidFill>
+                  <a:schemeClr val="tx1"/>
+                </a:solidFill>
+                <a:latin typeface="Arial" panose="020B0604020202020204" pitchFamily="34" charset="0"/>
+              </a:defRPr>
+            </a:lvl1pPr>
+            <a:lvl2pPr eaLnBrk="0" fontAlgn="base" hangingPunct="0">
+              <a:spcBef>
+                <a:spcPct val="0"/>
+              </a:spcBef>
+              <a:spcAft>
+                <a:spcPct val="0"/>
+              </a:spcAft>
+              <a:tabLst>
+                <a:tab pos="581025" algn="l"/>
+                <a:tab pos="1163638" algn="l"/>
+                <a:tab pos="1744663" algn="l"/>
+                <a:tab pos="2327275" algn="l"/>
+                <a:tab pos="2908300" algn="l"/>
+                <a:tab pos="3489325" algn="l"/>
+                <a:tab pos="4071938" algn="l"/>
+                <a:tab pos="4652963" algn="l"/>
+                <a:tab pos="5235575" algn="l"/>
+                <a:tab pos="5816600" algn="l"/>
+                <a:tab pos="6397625" algn="l"/>
+                <a:tab pos="6980238" algn="l"/>
+                <a:tab pos="7561263" algn="l"/>
+                <a:tab pos="8143875" algn="l"/>
+                <a:tab pos="8724900" algn="l"/>
+                <a:tab pos="9305925" algn="l"/>
+              </a:tabLst>
+              <a:defRPr>
+                <a:solidFill>
+                  <a:schemeClr val="tx1"/>
+                </a:solidFill>
+                <a:latin typeface="Arial" panose="020B0604020202020204" pitchFamily="34" charset="0"/>
+              </a:defRPr>
+            </a:lvl2pPr>
+            <a:lvl3pPr eaLnBrk="0" fontAlgn="base" hangingPunct="0">
+              <a:spcBef>
+                <a:spcPct val="0"/>
+              </a:spcBef>
+              <a:spcAft>
+                <a:spcPct val="0"/>
+              </a:spcAft>
+              <a:tabLst>
+                <a:tab pos="581025" algn="l"/>
+                <a:tab pos="1163638" algn="l"/>
+                <a:tab pos="1744663" algn="l"/>
+                <a:tab pos="2327275" algn="l"/>
+                <a:tab pos="2908300" algn="l"/>
+                <a:tab pos="3489325" algn="l"/>
+                <a:tab pos="4071938" algn="l"/>
+                <a:tab pos="4652963" algn="l"/>
+                <a:tab pos="5235575" algn="l"/>
+                <a:tab pos="5816600" algn="l"/>
+                <a:tab pos="6397625" algn="l"/>
+                <a:tab pos="6980238" algn="l"/>
+                <a:tab pos="7561263" algn="l"/>
+                <a:tab pos="8143875" algn="l"/>
+                <a:tab pos="8724900" algn="l"/>
+                <a:tab pos="9305925" algn="l"/>
+              </a:tabLst>
+              <a:defRPr>
+                <a:solidFill>
+                  <a:schemeClr val="tx1"/>
+                </a:solidFill>
+                <a:latin typeface="Arial" panose="020B0604020202020204" pitchFamily="34" charset="0"/>
+              </a:defRPr>
+            </a:lvl3pPr>
+            <a:lvl4pPr eaLnBrk="0" fontAlgn="base" hangingPunct="0">
+              <a:spcBef>
+                <a:spcPct val="0"/>
+              </a:spcBef>
+              <a:spcAft>
+                <a:spcPct val="0"/>
+              </a:spcAft>
+              <a:tabLst>
+                <a:tab pos="581025" algn="l"/>
+                <a:tab pos="1163638" algn="l"/>
+                <a:tab pos="1744663" algn="l"/>
+                <a:tab pos="2327275" algn="l"/>
+                <a:tab pos="2908300" algn="l"/>
+                <a:tab pos="3489325" algn="l"/>
+                <a:tab pos="4071938" algn="l"/>
+                <a:tab pos="4652963" algn="l"/>
+                <a:tab pos="5235575" algn="l"/>
+                <a:tab pos="5816600" algn="l"/>
+                <a:tab pos="6397625" algn="l"/>
+                <a:tab pos="6980238" algn="l"/>
+                <a:tab pos="7561263" algn="l"/>
+                <a:tab pos="8143875" algn="l"/>
+                <a:tab pos="8724900" algn="l"/>
+                <a:tab pos="9305925" algn="l"/>
+              </a:tabLst>
+              <a:defRPr>
+                <a:solidFill>
+                  <a:schemeClr val="tx1"/>
+                </a:solidFill>
+                <a:latin typeface="Arial" panose="020B0604020202020204" pitchFamily="34" charset="0"/>
+              </a:defRPr>
+            </a:lvl4pPr>
+            <a:lvl5pPr eaLnBrk="0" fontAlgn="base" hangingPunct="0">
+              <a:spcBef>
+                <a:spcPct val="0"/>
+              </a:spcBef>
+              <a:spcAft>
+                <a:spcPct val="0"/>
+              </a:spcAft>
+              <a:tabLst>
+                <a:tab pos="581025" algn="l"/>
+                <a:tab pos="1163638" algn="l"/>
+                <a:tab pos="1744663" algn="l"/>
+                <a:tab pos="2327275" algn="l"/>
+                <a:tab pos="2908300" algn="l"/>
+                <a:tab pos="3489325" algn="l"/>
+                <a:tab pos="4071938" algn="l"/>
+                <a:tab pos="4652963" algn="l"/>
+                <a:tab pos="5235575" algn="l"/>
+                <a:tab pos="5816600" algn="l"/>
+                <a:tab pos="6397625" algn="l"/>
+                <a:tab pos="6980238" algn="l"/>
+                <a:tab pos="7561263" algn="l"/>
+                <a:tab pos="8143875" algn="l"/>
+                <a:tab pos="8724900" algn="l"/>
+                <a:tab pos="9305925" algn="l"/>
+              </a:tabLst>
+              <a:defRPr>
+                <a:solidFill>
+                  <a:schemeClr val="tx1"/>
+                </a:solidFill>
+                <a:latin typeface="Arial" panose="020B0604020202020204" pitchFamily="34" charset="0"/>
+              </a:defRPr>
+            </a:lvl5pPr>
+            <a:lvl6pPr eaLnBrk="0" fontAlgn="base" hangingPunct="0">
+              <a:spcBef>
+                <a:spcPct val="0"/>
+              </a:spcBef>
+              <a:spcAft>
+                <a:spcPct val="0"/>
+              </a:spcAft>
+              <a:tabLst>
+                <a:tab pos="581025" algn="l"/>
+                <a:tab pos="1163638" algn="l"/>
+                <a:tab pos="1744663" algn="l"/>
+                <a:tab pos="2327275" algn="l"/>
+                <a:tab pos="2908300" algn="l"/>
+                <a:tab pos="3489325" algn="l"/>
+                <a:tab pos="4071938" algn="l"/>
+                <a:tab pos="4652963" algn="l"/>
+                <a:tab pos="5235575" algn="l"/>
+                <a:tab pos="5816600" algn="l"/>
+                <a:tab pos="6397625" algn="l"/>
+                <a:tab pos="6980238" algn="l"/>
+                <a:tab pos="7561263" algn="l"/>
+                <a:tab pos="8143875" algn="l"/>
+                <a:tab pos="8724900" algn="l"/>
+                <a:tab pos="9305925" algn="l"/>
+              </a:tabLst>
+              <a:defRPr>
+                <a:solidFill>
+                  <a:schemeClr val="tx1"/>
+                </a:solidFill>
+                <a:latin typeface="Arial" panose="020B0604020202020204" pitchFamily="34" charset="0"/>
+              </a:defRPr>
+            </a:lvl6pPr>
+            <a:lvl7pPr eaLnBrk="0" fontAlgn="base" hangingPunct="0">
+              <a:spcBef>
+                <a:spcPct val="0"/>
+              </a:spcBef>
+              <a:spcAft>
+                <a:spcPct val="0"/>
+              </a:spcAft>
+              <a:tabLst>
+                <a:tab pos="581025" algn="l"/>
+                <a:tab pos="1163638" algn="l"/>
+                <a:tab pos="1744663" algn="l"/>
+                <a:tab pos="2327275" algn="l"/>
+                <a:tab pos="2908300" algn="l"/>
+                <a:tab pos="3489325" algn="l"/>
+                <a:tab pos="4071938" algn="l"/>
+                <a:tab pos="4652963" algn="l"/>
+                <a:tab pos="5235575" algn="l"/>
+                <a:tab pos="5816600" algn="l"/>
+                <a:tab pos="6397625" algn="l"/>
+                <a:tab pos="6980238" algn="l"/>
+                <a:tab pos="7561263" algn="l"/>
+                <a:tab pos="8143875" algn="l"/>
+                <a:tab pos="8724900" algn="l"/>
+                <a:tab pos="9305925" algn="l"/>
+              </a:tabLst>
+              <a:defRPr>
+                <a:solidFill>
+                  <a:schemeClr val="tx1"/>
+                </a:solidFill>
+                <a:latin typeface="Arial" panose="020B0604020202020204" pitchFamily="34" charset="0"/>
+              </a:defRPr>
+            </a:lvl7pPr>
+            <a:lvl8pPr eaLnBrk="0" fontAlgn="base" hangingPunct="0">
+              <a:spcBef>
+                <a:spcPct val="0"/>
+              </a:spcBef>
+              <a:spcAft>
+                <a:spcPct val="0"/>
+              </a:spcAft>
+              <a:tabLst>
+                <a:tab pos="581025" algn="l"/>
+                <a:tab pos="1163638" algn="l"/>
+                <a:tab pos="1744663" algn="l"/>
+                <a:tab pos="2327275" algn="l"/>
+                <a:tab pos="2908300" algn="l"/>
+                <a:tab pos="3489325" algn="l"/>
+                <a:tab pos="4071938" algn="l"/>
+                <a:tab pos="4652963" algn="l"/>
+                <a:tab pos="5235575" algn="l"/>
+                <a:tab pos="5816600" algn="l"/>
+                <a:tab pos="6397625" algn="l"/>
+                <a:tab pos="6980238" algn="l"/>
+                <a:tab pos="7561263" algn="l"/>
+                <a:tab pos="8143875" algn="l"/>
+                <a:tab pos="8724900" algn="l"/>
+                <a:tab pos="9305925" algn="l"/>
+              </a:tabLst>
+              <a:defRPr>
+                <a:solidFill>
+                  <a:schemeClr val="tx1"/>
+                </a:solidFill>
+                <a:latin typeface="Arial" panose="020B0604020202020204" pitchFamily="34" charset="0"/>
+              </a:defRPr>
+            </a:lvl8pPr>
+            <a:lvl9pPr eaLnBrk="0" fontAlgn="base" hangingPunct="0">
+              <a:spcBef>
+                <a:spcPct val="0"/>
+              </a:spcBef>
+              <a:spcAft>
+                <a:spcPct val="0"/>
+              </a:spcAft>
+              <a:tabLst>
+                <a:tab pos="581025" algn="l"/>
+                <a:tab pos="1163638" algn="l"/>
+                <a:tab pos="1744663" algn="l"/>
+                <a:tab pos="2327275" algn="l"/>
+                <a:tab pos="2908300" algn="l"/>
+                <a:tab pos="3489325" algn="l"/>
+                <a:tab pos="4071938" algn="l"/>
+                <a:tab pos="4652963" algn="l"/>
+                <a:tab pos="5235575" algn="l"/>
+                <a:tab pos="5816600" algn="l"/>
+                <a:tab pos="6397625" algn="l"/>
+                <a:tab pos="6980238" algn="l"/>
+                <a:tab pos="7561263" algn="l"/>
+                <a:tab pos="8143875" algn="l"/>
+                <a:tab pos="8724900" algn="l"/>
+                <a:tab pos="9305925" algn="l"/>
+              </a:tabLst>
+              <a:defRPr>
+                <a:solidFill>
+                  <a:schemeClr val="tx1"/>
+                </a:solidFill>
+                <a:latin typeface="Arial" panose="020B0604020202020204" pitchFamily="34" charset="0"/>
+              </a:defRPr>
+            </a:lvl9pPr>
+          </a:lstStyle>
+          <a:p>
+            <a:pPr marL="0" marR="0" lvl="0" indent="0" algn="l" defTabSz="914400" rtl="0" eaLnBrk="0" fontAlgn="base" latinLnBrk="0" hangingPunct="0">
+              <a:lnSpc>
+                <a:spcPct val="100000"/>
+              </a:lnSpc>
+              <a:spcBef>
+                <a:spcPct val="0"/>
+              </a:spcBef>
+              <a:spcAft>
+                <a:spcPct val="0"/>
+              </a:spcAft>
+              <a:buClrTx/>
+              <a:buSzTx/>
+              <a:buFontTx/>
+              <a:buNone/>
+              <a:tabLst>
+                <a:tab pos="581025" algn="l"/>
+                <a:tab pos="1163638" algn="l"/>
+                <a:tab pos="1744663" algn="l"/>
+                <a:tab pos="2327275" algn="l"/>
+                <a:tab pos="2908300" algn="l"/>
+                <a:tab pos="3489325" algn="l"/>
+                <a:tab pos="4071938" algn="l"/>
+                <a:tab pos="4652963" algn="l"/>
+                <a:tab pos="5235575" algn="l"/>
+                <a:tab pos="5816600" algn="l"/>
+                <a:tab pos="6397625" algn="l"/>
+                <a:tab pos="6980238" algn="l"/>
+                <a:tab pos="7561263" algn="l"/>
+                <a:tab pos="8143875" algn="l"/>
+                <a:tab pos="8724900" algn="l"/>
+                <a:tab pos="9305925" algn="l"/>
+              </a:tabLst>
+            </a:pPr>
+            <a:r>
+              <a:rPr kumimoji="0" lang="en-US" altLang="ru-RU" sz="3200" b="0" i="0" u="none" strike="noStrike" cap="none" normalizeH="0" baseline="0" dirty="0">
+                <a:ln>
+                  <a:noFill/>
+                </a:ln>
+                <a:solidFill>
+                  <a:schemeClr val="accent5"/>
+                </a:solidFill>
+                <a:effectLst/>
+                <a:latin typeface="Consolas" panose="020B0609020204030204" pitchFamily="49" charset="0"/>
+                <a:ea typeface="Times New Roman" panose="02020603050405020304" pitchFamily="18" charset="0"/>
+                <a:cs typeface="Courier New" panose="02070309020205020404" pitchFamily="49" charset="0"/>
+              </a:rPr>
+              <a:t>string</a:t>
+            </a:r>
+            <a:r>
+              <a:rPr kumimoji="0" lang="en-US" altLang="ru-RU" sz="3200" b="0" i="0" u="none" strike="noStrike" cap="none" normalizeH="0" baseline="0" dirty="0">
+                <a:ln>
+                  <a:noFill/>
+                </a:ln>
+                <a:solidFill>
+                  <a:srgbClr val="76923C"/>
+                </a:solidFill>
+                <a:effectLst/>
+                <a:latin typeface="Consolas" panose="020B0609020204030204" pitchFamily="49" charset="0"/>
+                <a:ea typeface="Times New Roman" panose="02020603050405020304" pitchFamily="18" charset="0"/>
+                <a:cs typeface="Courier New" panose="02070309020205020404" pitchFamily="49" charset="0"/>
+              </a:rPr>
+              <a:t> </a:t>
+            </a:r>
+            <a:r>
+              <a:rPr kumimoji="0" lang="en-US" altLang="ru-RU" sz="3200" b="0" i="0" u="none" strike="noStrike" cap="none" normalizeH="0" baseline="0" dirty="0">
+                <a:ln>
+                  <a:noFill/>
+                </a:ln>
+                <a:solidFill>
+                  <a:schemeClr val="tx1"/>
+                </a:solidFill>
+                <a:effectLst/>
+                <a:latin typeface="Consolas" panose="020B0609020204030204" pitchFamily="49" charset="0"/>
+                <a:ea typeface="Times New Roman" panose="02020603050405020304" pitchFamily="18" charset="0"/>
+                <a:cs typeface="Courier New" panose="02070309020205020404" pitchFamily="49" charset="0"/>
+              </a:rPr>
+              <a:t>s</a:t>
+            </a:r>
+            <a:r>
+              <a:rPr kumimoji="0" lang="ru-RU" altLang="ru-RU" sz="3200" b="0" i="0" u="none" strike="noStrike" cap="none" normalizeH="0" baseline="0" dirty="0">
+                <a:ln>
+                  <a:noFill/>
+                </a:ln>
+                <a:solidFill>
+                  <a:schemeClr val="tx1"/>
+                </a:solidFill>
+                <a:effectLst/>
+                <a:latin typeface="Consolas" panose="020B0609020204030204" pitchFamily="49" charset="0"/>
+                <a:ea typeface="Times New Roman" panose="02020603050405020304" pitchFamily="18" charset="0"/>
+                <a:cs typeface="Courier New" panose="02070309020205020404" pitchFamily="49" charset="0"/>
+              </a:rPr>
+              <a:t> = </a:t>
+            </a:r>
+            <a:r>
+              <a:rPr kumimoji="0" lang="ru-RU" altLang="ru-RU" sz="3200" b="0" i="0" u="none" strike="noStrike" cap="none" normalizeH="0" baseline="0" dirty="0">
+                <a:ln>
+                  <a:noFill/>
+                </a:ln>
+                <a:solidFill>
+                  <a:srgbClr val="943634"/>
+                </a:solidFill>
+                <a:effectLst/>
+                <a:latin typeface="Consolas" panose="020B0609020204030204" pitchFamily="49" charset="0"/>
+                <a:ea typeface="Times New Roman" panose="02020603050405020304" pitchFamily="18" charset="0"/>
+                <a:cs typeface="Courier New" panose="02070309020205020404" pitchFamily="49" charset="0"/>
+              </a:rPr>
+              <a:t>"</a:t>
+            </a:r>
+            <a:r>
+              <a:rPr kumimoji="0" lang="en-US" altLang="ru-RU" sz="3200" b="0" i="0" u="none" strike="noStrike" cap="none" normalizeH="0" baseline="0" dirty="0">
+                <a:ln>
+                  <a:noFill/>
+                </a:ln>
+                <a:solidFill>
+                  <a:srgbClr val="943634"/>
+                </a:solidFill>
+                <a:effectLst/>
+                <a:latin typeface="Consolas" panose="020B0609020204030204" pitchFamily="49" charset="0"/>
+                <a:ea typeface="Times New Roman" panose="02020603050405020304" pitchFamily="18" charset="0"/>
+                <a:cs typeface="Courier New" panose="02070309020205020404" pitchFamily="49" charset="0"/>
+              </a:rPr>
+              <a:t>Basketball</a:t>
+            </a:r>
+            <a:r>
+              <a:rPr kumimoji="0" lang="ru-RU" altLang="ru-RU" sz="3200" b="0" i="0" u="none" strike="noStrike" cap="none" normalizeH="0" baseline="0" dirty="0">
+                <a:ln>
+                  <a:noFill/>
+                </a:ln>
+                <a:solidFill>
+                  <a:srgbClr val="943634"/>
+                </a:solidFill>
+                <a:effectLst/>
+                <a:latin typeface="Consolas" panose="020B0609020204030204" pitchFamily="49" charset="0"/>
+                <a:ea typeface="Times New Roman" panose="02020603050405020304" pitchFamily="18" charset="0"/>
+                <a:cs typeface="Courier New" panose="02070309020205020404" pitchFamily="49" charset="0"/>
+              </a:rPr>
+              <a:t>"</a:t>
+            </a:r>
+            <a:r>
+              <a:rPr kumimoji="0" lang="ru-RU" altLang="ru-RU" sz="3200" b="0" i="0" u="none" strike="noStrike" cap="none" normalizeH="0" baseline="0" dirty="0">
+                <a:ln>
+                  <a:noFill/>
+                </a:ln>
+                <a:solidFill>
+                  <a:schemeClr val="tx1"/>
+                </a:solidFill>
+                <a:effectLst/>
+                <a:latin typeface="Consolas" panose="020B0609020204030204" pitchFamily="49" charset="0"/>
+                <a:ea typeface="Times New Roman" panose="02020603050405020304" pitchFamily="18" charset="0"/>
+                <a:cs typeface="Courier New" panose="02070309020205020404" pitchFamily="49" charset="0"/>
+              </a:rPr>
+              <a:t>;</a:t>
+            </a:r>
+          </a:p>
+          <a:p>
+            <a:pPr marL="0" indent="0">
+              <a:lnSpc>
+                <a:spcPct val="100000"/>
+              </a:lnSpc>
+              <a:buClrTx/>
+              <a:buSzTx/>
+              <a:buNone/>
+            </a:pPr>
+            <a:endParaRPr lang="ru-RU" altLang="ru-RU" sz="3200" dirty="0">
+              <a:latin typeface="Consolas" panose="020B0609020204030204" pitchFamily="49" charset="0"/>
+              <a:cs typeface="Courier New" panose="02070309020205020404" pitchFamily="49" charset="0"/>
+            </a:endParaRPr>
+          </a:p>
+          <a:p>
+            <a:pPr marL="0" indent="0">
+              <a:buNone/>
+            </a:pPr>
+            <a:r>
+              <a:rPr lang="en-US" sz="3200" dirty="0">
+                <a:solidFill>
+                  <a:schemeClr val="accent5"/>
+                </a:solidFill>
+                <a:latin typeface="Consolas" panose="020B0609020204030204" pitchFamily="49" charset="0"/>
+              </a:rPr>
+              <a:t>char</a:t>
+            </a:r>
+            <a:r>
+              <a:rPr lang="en-US" sz="3200" dirty="0">
+                <a:latin typeface="Consolas" panose="020B0609020204030204" pitchFamily="49" charset="0"/>
+              </a:rPr>
+              <a:t> a = s[0]; </a:t>
+            </a:r>
+            <a:endParaRPr lang="ru-RU" sz="3200" dirty="0">
+              <a:latin typeface="Consolas" panose="020B0609020204030204" pitchFamily="49" charset="0"/>
+            </a:endParaRPr>
+          </a:p>
+          <a:p>
+            <a:pPr marL="0" indent="0">
+              <a:buNone/>
+            </a:pPr>
+            <a:r>
+              <a:rPr lang="en-US" sz="3200" dirty="0">
+                <a:solidFill>
+                  <a:schemeClr val="accent5"/>
+                </a:solidFill>
+                <a:latin typeface="Consolas" panose="020B0609020204030204" pitchFamily="49" charset="0"/>
+              </a:rPr>
+              <a:t>char</a:t>
+            </a:r>
+            <a:r>
+              <a:rPr lang="en-US" sz="3200" dirty="0">
+                <a:latin typeface="Consolas" panose="020B0609020204030204" pitchFamily="49" charset="0"/>
+              </a:rPr>
+              <a:t> b = s[9]; </a:t>
+            </a:r>
+            <a:endParaRPr lang="ru-RU" sz="3200" dirty="0">
+              <a:latin typeface="Consolas" panose="020B0609020204030204" pitchFamily="49" charset="0"/>
+            </a:endParaRPr>
+          </a:p>
+          <a:p>
+            <a:pPr marL="0" indent="0">
+              <a:lnSpc>
+                <a:spcPct val="100000"/>
+              </a:lnSpc>
+              <a:buClrTx/>
+              <a:buSzTx/>
+              <a:buNone/>
+            </a:pPr>
+            <a:endParaRPr kumimoji="0" lang="ru-RU" altLang="ru-RU" sz="3200" b="0" i="0" u="none" strike="noStrike" cap="none" normalizeH="0" baseline="0" dirty="0">
+              <a:ln>
+                <a:noFill/>
+              </a:ln>
+              <a:solidFill>
+                <a:schemeClr val="tx1"/>
+              </a:solidFill>
+              <a:effectLst/>
+              <a:latin typeface="Consolas" panose="020B0609020204030204" pitchFamily="49" charset="0"/>
+            </a:endParaRPr>
+          </a:p>
+          <a:p>
+            <a:pPr marL="0" indent="0">
+              <a:buNone/>
+            </a:pPr>
+            <a:r>
+              <a:rPr lang="en-US" sz="3200" dirty="0">
+                <a:solidFill>
+                  <a:schemeClr val="accent5"/>
+                </a:solidFill>
+                <a:latin typeface="Consolas" panose="020B0609020204030204" pitchFamily="49" charset="0"/>
+              </a:rPr>
+              <a:t>char</a:t>
+            </a:r>
+            <a:r>
+              <a:rPr lang="en-US" sz="3200" dirty="0">
+                <a:latin typeface="Consolas" panose="020B0609020204030204" pitchFamily="49" charset="0"/>
+              </a:rPr>
+              <a:t> c = s[10]; </a:t>
+            </a:r>
+            <a:endParaRPr lang="ru-RU" sz="3200" dirty="0">
+              <a:latin typeface="Consolas" panose="020B0609020204030204" pitchFamily="49" charset="0"/>
+            </a:endParaRPr>
+          </a:p>
+          <a:p>
+            <a:pPr marL="0" indent="0">
+              <a:buNone/>
+            </a:pPr>
+            <a:r>
+              <a:rPr lang="en-US" sz="3200" dirty="0">
+                <a:solidFill>
+                  <a:schemeClr val="accent5"/>
+                </a:solidFill>
+                <a:latin typeface="Consolas" panose="020B0609020204030204" pitchFamily="49" charset="0"/>
+              </a:rPr>
+              <a:t>char</a:t>
+            </a:r>
+            <a:r>
+              <a:rPr lang="en-US" sz="3200" dirty="0">
+                <a:latin typeface="Consolas" panose="020B0609020204030204" pitchFamily="49" charset="0"/>
+              </a:rPr>
+              <a:t> d = s[-1]; </a:t>
+            </a:r>
+            <a:endParaRPr lang="ru-RU" sz="3200" dirty="0">
+              <a:latin typeface="Consolas" panose="020B0609020204030204" pitchFamily="49" charset="0"/>
+            </a:endParaRPr>
+          </a:p>
+          <a:p>
+            <a:pPr marL="0" indent="0">
+              <a:buNone/>
+            </a:pPr>
+            <a:r>
+              <a:rPr lang="en-US" sz="3200" dirty="0">
+                <a:solidFill>
+                  <a:schemeClr val="accent5"/>
+                </a:solidFill>
+                <a:latin typeface="Consolas" panose="020B0609020204030204" pitchFamily="49" charset="0"/>
+              </a:rPr>
+              <a:t>char</a:t>
+            </a:r>
+            <a:r>
+              <a:rPr lang="en-US" sz="3200" dirty="0">
+                <a:latin typeface="Consolas" panose="020B0609020204030204" pitchFamily="49" charset="0"/>
+              </a:rPr>
+              <a:t> e</a:t>
+            </a:r>
+            <a:r>
+              <a:rPr lang="ru-RU" sz="3200" dirty="0">
+                <a:latin typeface="Consolas" panose="020B0609020204030204" pitchFamily="49" charset="0"/>
+              </a:rPr>
+              <a:t> = </a:t>
+            </a:r>
+            <a:r>
+              <a:rPr lang="en-US" sz="3200" dirty="0">
+                <a:latin typeface="Consolas" panose="020B0609020204030204" pitchFamily="49" charset="0"/>
+              </a:rPr>
+              <a:t>s</a:t>
+            </a:r>
+            <a:r>
+              <a:rPr lang="ru-RU" sz="3200" dirty="0">
+                <a:latin typeface="Consolas" panose="020B0609020204030204" pitchFamily="49" charset="0"/>
+              </a:rPr>
+              <a:t>[25];</a:t>
+            </a:r>
+            <a:endParaRPr kumimoji="0" lang="ru-RU" altLang="ru-RU" sz="3200" b="0" i="0" u="none" strike="noStrike" cap="none" normalizeH="0" baseline="0" dirty="0">
+              <a:ln>
+                <a:noFill/>
+              </a:ln>
+              <a:solidFill>
+                <a:schemeClr val="tx1"/>
+              </a:solidFill>
+              <a:effectLst/>
+              <a:latin typeface="Consolas" panose="020B0609020204030204" pitchFamily="49" charset="0"/>
+            </a:endParaRPr>
+          </a:p>
+        </p:txBody>
+      </p:sp>
     </p:spTree>
     <p:extLst>
       <p:ext uri="{BB962C8B-B14F-4D97-AF65-F5344CB8AC3E}">
@@ -19563,7 +23156,10 @@
           <a:bodyPr/>
           <a:lstStyle/>
           <a:p>
-            <a:endParaRPr lang="ru-RU" dirty="0"/>
+            <a:r>
+              <a:rPr lang="ru-RU" dirty="0"/>
+              <a:t>Хранение строк</a:t>
+            </a:r>
           </a:p>
         </p:txBody>
       </p:sp>
@@ -19590,12 +23186,201 @@
           </a:bodyPr>
           <a:lstStyle/>
           <a:p>
+            <a:pPr marL="0" indent="0">
+              <a:spcBef>
+                <a:spcPts val="0"/>
+              </a:spcBef>
+              <a:buNone/>
+            </a:pPr>
+            <a:r>
+              <a:rPr lang="en-US" sz="3200" dirty="0">
+                <a:solidFill>
+                  <a:schemeClr val="accent5"/>
+                </a:solidFill>
+                <a:latin typeface="Consolas" panose="020B0609020204030204" pitchFamily="49" charset="0"/>
+              </a:rPr>
+              <a:t>string</a:t>
+            </a:r>
+            <a:r>
+              <a:rPr lang="en-US" sz="3200" dirty="0">
+                <a:latin typeface="Consolas" panose="020B0609020204030204" pitchFamily="49" charset="0"/>
+              </a:rPr>
+              <a:t> s = "Basketball";</a:t>
+            </a:r>
+            <a:endParaRPr lang="ru-RU" sz="3200" dirty="0">
+              <a:latin typeface="Consolas" panose="020B0609020204030204" pitchFamily="49" charset="0"/>
+            </a:endParaRPr>
+          </a:p>
+          <a:p>
+            <a:pPr marL="0" indent="0">
+              <a:spcBef>
+                <a:spcPts val="0"/>
+              </a:spcBef>
+              <a:buNone/>
+            </a:pPr>
+            <a:endParaRPr lang="ru-RU" sz="3200" dirty="0">
+              <a:solidFill>
+                <a:schemeClr val="accent5"/>
+              </a:solidFill>
+              <a:latin typeface="Consolas" panose="020B0609020204030204" pitchFamily="49" charset="0"/>
+            </a:endParaRPr>
+          </a:p>
+          <a:p>
+            <a:pPr marL="0" indent="0">
+              <a:spcBef>
+                <a:spcPts val="0"/>
+              </a:spcBef>
+              <a:buNone/>
+            </a:pPr>
+            <a:r>
+              <a:rPr lang="ru-RU" sz="3200" dirty="0">
+                <a:solidFill>
+                  <a:schemeClr val="accent5"/>
+                </a:solidFill>
+                <a:latin typeface="Consolas" panose="020B0609020204030204" pitchFamily="49" charset="0"/>
+              </a:rPr>
+              <a:t>int</a:t>
+            </a:r>
+            <a:r>
+              <a:rPr lang="ru-RU" sz="3200" dirty="0">
+                <a:latin typeface="Consolas" panose="020B0609020204030204" pitchFamily="49" charset="0"/>
+              </a:rPr>
+              <a:t> count = s.Length;</a:t>
+            </a:r>
+          </a:p>
+          <a:p>
+            <a:pPr marL="0" indent="0">
+              <a:spcBef>
+                <a:spcPts val="0"/>
+              </a:spcBef>
+              <a:buNone/>
+            </a:pPr>
+            <a:endParaRPr lang="ru-RU" sz="3200" dirty="0">
+              <a:latin typeface="Consolas" panose="020B0609020204030204" pitchFamily="49" charset="0"/>
+            </a:endParaRPr>
+          </a:p>
+          <a:p>
+            <a:pPr marL="0" indent="0">
+              <a:spcBef>
+                <a:spcPts val="0"/>
+              </a:spcBef>
+              <a:buNone/>
+            </a:pPr>
+            <a:r>
+              <a:rPr lang="en-US" sz="2800" dirty="0" err="1">
+                <a:solidFill>
+                  <a:schemeClr val="accent3"/>
+                </a:solidFill>
+                <a:latin typeface="Consolas" panose="020B0609020204030204" pitchFamily="49" charset="0"/>
+              </a:rPr>
+              <a:t>Console</a:t>
+            </a:r>
+            <a:r>
+              <a:rPr lang="en-US" sz="2800" dirty="0" err="1">
+                <a:latin typeface="Consolas" panose="020B0609020204030204" pitchFamily="49" charset="0"/>
+              </a:rPr>
+              <a:t>.WriteLine</a:t>
+            </a:r>
+            <a:r>
+              <a:rPr lang="en-US" sz="2800" dirty="0">
+                <a:solidFill>
+                  <a:schemeClr val="accent1"/>
+                </a:solidFill>
+                <a:latin typeface="Consolas" panose="020B0609020204030204" pitchFamily="49" charset="0"/>
+              </a:rPr>
+              <a:t>("</a:t>
+            </a:r>
+            <a:r>
+              <a:rPr lang="en-US" sz="2800" dirty="0" err="1">
+                <a:solidFill>
+                  <a:schemeClr val="accent1"/>
+                </a:solidFill>
+                <a:latin typeface="Consolas" panose="020B0609020204030204" pitchFamily="49" charset="0"/>
+              </a:rPr>
+              <a:t>Последний</a:t>
+            </a:r>
+            <a:r>
+              <a:rPr lang="en-US" sz="2800" dirty="0">
+                <a:solidFill>
+                  <a:schemeClr val="accent1"/>
+                </a:solidFill>
+                <a:latin typeface="Consolas" panose="020B0609020204030204" pitchFamily="49" charset="0"/>
+              </a:rPr>
+              <a:t> </a:t>
+            </a:r>
+            <a:r>
+              <a:rPr lang="en-US" sz="2800" dirty="0" err="1">
+                <a:solidFill>
+                  <a:schemeClr val="accent1"/>
+                </a:solidFill>
+                <a:latin typeface="Consolas" panose="020B0609020204030204" pitchFamily="49" charset="0"/>
+              </a:rPr>
+              <a:t>символ</a:t>
+            </a:r>
+            <a:r>
+              <a:rPr lang="en-US" sz="2800" dirty="0">
+                <a:solidFill>
+                  <a:schemeClr val="accent1"/>
+                </a:solidFill>
+                <a:latin typeface="Consolas" panose="020B0609020204030204" pitchFamily="49" charset="0"/>
+              </a:rPr>
+              <a:t> </a:t>
+            </a:r>
+            <a:r>
+              <a:rPr lang="en-US" sz="2800" dirty="0" err="1">
+                <a:solidFill>
+                  <a:schemeClr val="accent1"/>
+                </a:solidFill>
+                <a:latin typeface="Consolas" panose="020B0609020204030204" pitchFamily="49" charset="0"/>
+              </a:rPr>
+              <a:t>равен</a:t>
+            </a:r>
+            <a:r>
+              <a:rPr lang="ru-RU" sz="2800" dirty="0">
+                <a:solidFill>
+                  <a:schemeClr val="accent1"/>
+                </a:solidFill>
+                <a:latin typeface="Consolas" panose="020B0609020204030204" pitchFamily="49" charset="0"/>
+              </a:rPr>
+              <a:t> </a:t>
+            </a:r>
+            <a:r>
+              <a:rPr lang="en-US" sz="2800" dirty="0">
+                <a:solidFill>
+                  <a:schemeClr val="accent1"/>
+                </a:solidFill>
+                <a:latin typeface="Consolas" panose="020B0609020204030204" pitchFamily="49" charset="0"/>
+              </a:rPr>
+              <a:t>"</a:t>
+            </a:r>
+            <a:r>
+              <a:rPr lang="en-US" sz="2800" dirty="0">
+                <a:latin typeface="Consolas" panose="020B0609020204030204" pitchFamily="49" charset="0"/>
+              </a:rPr>
+              <a:t> + s[count - 1]); </a:t>
+            </a:r>
+            <a:endParaRPr lang="ru-RU" sz="2800" dirty="0">
+              <a:latin typeface="Consolas" panose="020B0609020204030204" pitchFamily="49" charset="0"/>
+            </a:endParaRPr>
+          </a:p>
+          <a:p>
+            <a:pPr marL="0" indent="0">
+              <a:spcBef>
+                <a:spcPts val="0"/>
+              </a:spcBef>
+              <a:buNone/>
+            </a:pPr>
+            <a:endParaRPr lang="ru-RU" sz="3200" dirty="0">
+              <a:latin typeface="Consolas" panose="020B0609020204030204" pitchFamily="49" charset="0"/>
+            </a:endParaRPr>
+          </a:p>
+          <a:p>
             <a:pPr marL="0" lvl="0" indent="0" eaLnBrk="0" fontAlgn="base" hangingPunct="0">
               <a:lnSpc>
                 <a:spcPct val="100000"/>
               </a:lnSpc>
               <a:spcBef>
-                <a:spcPct val="0"/>
+                <a:spcPts val="0"/>
               </a:spcBef>
               <a:spcAft>
                 <a:spcPct val="0"/>
@@ -19622,8 +23407,8 @@
                 <a:tab pos="9305925" algn="l"/>
               </a:tabLst>
             </a:pPr>
-            <a:endParaRPr lang="ru-RU" altLang="ru-RU" sz="2400" dirty="0">
-              <a:latin typeface="Arial" panose="020B0604020202020204" pitchFamily="34" charset="0"/>
+            <a:endParaRPr lang="ru-RU" altLang="ru-RU" sz="3200" dirty="0">
+              <a:latin typeface="Consolas" panose="020B0609020204030204" pitchFamily="49" charset="0"/>
             </a:endParaRPr>
           </a:p>
         </p:txBody>
@@ -19751,7 +23536,10 @@
           <a:bodyPr/>
           <a:lstStyle/>
           <a:p>
-            <a:endParaRPr lang="ru-RU" dirty="0"/>
+            <a:r>
+              <a:rPr lang="ru-RU" dirty="0"/>
+              <a:t>Хранение строк</a:t>
+            </a:r>
           </a:p>
         </p:txBody>
       </p:sp>
@@ -19778,12 +23566,127 @@
           </a:bodyPr>
           <a:lstStyle/>
           <a:p>
-            <a:pPr marL="0" lvl="0" indent="0" eaLnBrk="0" fontAlgn="base" hangingPunct="0">
+            <a:pPr marL="0" indent="0">
+              <a:spcBef>
+                <a:spcPts val="0"/>
+              </a:spcBef>
+              <a:buNone/>
+            </a:pPr>
+            <a:r>
+              <a:rPr lang="en-US" sz="3200" dirty="0">
+                <a:solidFill>
+                  <a:schemeClr val="accent5"/>
+                </a:solidFill>
+                <a:latin typeface="Consolas" panose="020B0609020204030204" pitchFamily="49" charset="0"/>
+              </a:rPr>
+              <a:t>string</a:t>
+            </a:r>
+            <a:r>
+              <a:rPr lang="en-US" sz="3200" dirty="0">
+                <a:latin typeface="Consolas" panose="020B0609020204030204" pitchFamily="49" charset="0"/>
+              </a:rPr>
+              <a:t> s</a:t>
+            </a:r>
+            <a:r>
+              <a:rPr lang="ru-RU" sz="3200" dirty="0">
+                <a:latin typeface="Consolas" panose="020B0609020204030204" pitchFamily="49" charset="0"/>
+              </a:rPr>
+              <a:t> = </a:t>
+            </a:r>
+            <a:r>
+              <a:rPr lang="ru-RU" sz="3200" dirty="0">
+                <a:solidFill>
+                  <a:schemeClr val="accent1"/>
+                </a:solidFill>
+                <a:latin typeface="Consolas" panose="020B0609020204030204" pitchFamily="49" charset="0"/>
+              </a:rPr>
+              <a:t>"</a:t>
+            </a:r>
+            <a:r>
+              <a:rPr lang="en-US" sz="3200" dirty="0">
+                <a:solidFill>
+                  <a:schemeClr val="accent1"/>
+                </a:solidFill>
+                <a:latin typeface="Consolas" panose="020B0609020204030204" pitchFamily="49" charset="0"/>
+              </a:rPr>
+              <a:t>Basketball</a:t>
+            </a:r>
+            <a:r>
+              <a:rPr lang="ru-RU" sz="3200" dirty="0">
+                <a:solidFill>
+                  <a:schemeClr val="accent1"/>
+                </a:solidFill>
+                <a:latin typeface="Consolas" panose="020B0609020204030204" pitchFamily="49" charset="0"/>
+              </a:rPr>
+              <a:t>"</a:t>
+            </a:r>
+            <a:r>
+              <a:rPr lang="ru-RU" sz="3200" dirty="0">
+                <a:latin typeface="Consolas" panose="020B0609020204030204" pitchFamily="49" charset="0"/>
+              </a:rPr>
+              <a:t>;</a:t>
+            </a:r>
+          </a:p>
+          <a:p>
+            <a:pPr marL="0" indent="0">
+              <a:spcBef>
+                <a:spcPts val="0"/>
+              </a:spcBef>
+              <a:buNone/>
+            </a:pPr>
+            <a:r>
+              <a:rPr lang="en-US" sz="3200" dirty="0">
+                <a:latin typeface="Consolas" panose="020B0609020204030204" pitchFamily="49" charset="0"/>
+              </a:rPr>
+              <a:t>s</a:t>
+            </a:r>
+            <a:r>
+              <a:rPr lang="ru-RU" sz="3200" dirty="0">
+                <a:latin typeface="Consolas" panose="020B0609020204030204" pitchFamily="49" charset="0"/>
+              </a:rPr>
+              <a:t>[0] = </a:t>
+            </a:r>
+            <a:r>
+              <a:rPr lang="ru-RU" sz="3200" dirty="0">
+                <a:solidFill>
+                  <a:schemeClr val="accent1"/>
+                </a:solidFill>
+                <a:latin typeface="Consolas" panose="020B0609020204030204" pitchFamily="49" charset="0"/>
+              </a:rPr>
+              <a:t>'</a:t>
+            </a:r>
+            <a:r>
+              <a:rPr lang="en-US" sz="3200" dirty="0">
+                <a:solidFill>
+                  <a:schemeClr val="accent1"/>
+                </a:solidFill>
+                <a:latin typeface="Consolas" panose="020B0609020204030204" pitchFamily="49" charset="0"/>
+              </a:rPr>
+              <a:t>b</a:t>
+            </a:r>
+            <a:r>
+              <a:rPr lang="ru-RU" sz="3200" dirty="0">
+                <a:solidFill>
+                  <a:schemeClr val="accent1"/>
+                </a:solidFill>
+                <a:latin typeface="Consolas" panose="020B0609020204030204" pitchFamily="49" charset="0"/>
+              </a:rPr>
+              <a:t>'</a:t>
+            </a:r>
+            <a:r>
+              <a:rPr lang="ru-RU" sz="3200" dirty="0">
+                <a:latin typeface="Consolas" panose="020B0609020204030204" pitchFamily="49" charset="0"/>
+              </a:rPr>
+              <a:t>; </a:t>
+            </a:r>
+          </a:p>
+          <a:p>
+            <a:pPr marL="0" indent="0" eaLnBrk="0" fontAlgn="base" hangingPunct="0">
               <a:lnSpc>
                 <a:spcPct val="100000"/>
               </a:lnSpc>
               <a:spcBef>
-                <a:spcPct val="0"/>
+                <a:spcPts val="0"/>
               </a:spcBef>
               <a:spcAft>
                 <a:spcPct val="0"/>
@@ -19810,8 +23713,8 @@
                 <a:tab pos="9305925" algn="l"/>
               </a:tabLst>
             </a:pPr>
-            <a:endParaRPr lang="ru-RU" altLang="ru-RU" sz="2400" dirty="0">
-              <a:latin typeface="Arial" panose="020B0604020202020204" pitchFamily="34" charset="0"/>
+            <a:endParaRPr lang="ru-RU" altLang="ru-RU" sz="3200" dirty="0">
+              <a:latin typeface="Consolas" panose="020B0609020204030204" pitchFamily="49" charset="0"/>
             </a:endParaRPr>
           </a:p>
         </p:txBody>
@@ -19939,7 +23842,10 @@
           <a:bodyPr/>
           <a:lstStyle/>
           <a:p>
-            <a:endParaRPr lang="ru-RU" dirty="0"/>
+            <a:r>
+              <a:rPr lang="ru-RU" dirty="0"/>
+              <a:t>Хранение строк</a:t>
+            </a:r>
           </a:p>
         </p:txBody>
       </p:sp>
@@ -19962,16 +23868,219 @@
         <p:spPr/>
         <p:txBody>
           <a:bodyPr>
-            <a:normAutofit/>
+            <a:noAutofit/>
           </a:bodyPr>
           <a:lstStyle/>
           <a:p>
-            <a:pPr marL="0" lvl="0" indent="0" eaLnBrk="0" fontAlgn="base" hangingPunct="0">
+            <a:pPr marL="0" indent="0">
+              <a:spcBef>
+                <a:spcPts val="0"/>
+              </a:spcBef>
+              <a:buNone/>
+            </a:pPr>
+            <a:r>
+              <a:rPr lang="en-US" sz="2400" dirty="0">
+                <a:solidFill>
+                  <a:schemeClr val="accent5"/>
+                </a:solidFill>
+                <a:latin typeface="Consolas" panose="020B0609020204030204" pitchFamily="49" charset="0"/>
+              </a:rPr>
+              <a:t>string</a:t>
+            </a:r>
+            <a:r>
+              <a:rPr lang="en-US" sz="2400" dirty="0">
+                <a:latin typeface="Consolas" panose="020B0609020204030204" pitchFamily="49" charset="0"/>
+              </a:rPr>
+              <a:t> s = </a:t>
+            </a:r>
+            <a:r>
+              <a:rPr lang="en-US" sz="2400" dirty="0">
+                <a:solidFill>
+                  <a:schemeClr val="accent1"/>
+                </a:solidFill>
+                <a:latin typeface="Consolas" panose="020B0609020204030204" pitchFamily="49" charset="0"/>
+              </a:rPr>
+              <a:t>“Prisma"</a:t>
+            </a:r>
+            <a:r>
+              <a:rPr lang="en-US" sz="2400" dirty="0">
+                <a:latin typeface="Consolas" panose="020B0609020204030204" pitchFamily="49" charset="0"/>
+              </a:rPr>
+              <a:t>;</a:t>
+            </a:r>
+            <a:endParaRPr lang="ru-RU" sz="2400" dirty="0">
+              <a:latin typeface="Consolas" panose="020B0609020204030204" pitchFamily="49" charset="0"/>
+            </a:endParaRPr>
+          </a:p>
+          <a:p>
+            <a:pPr marL="0" indent="0">
+              <a:spcBef>
+                <a:spcPts val="0"/>
+              </a:spcBef>
+              <a:buNone/>
+            </a:pPr>
+            <a:r>
+              <a:rPr lang="en-US" sz="2400" dirty="0">
+                <a:solidFill>
+                  <a:schemeClr val="accent5"/>
+                </a:solidFill>
+                <a:latin typeface="Consolas" panose="020B0609020204030204" pitchFamily="49" charset="0"/>
+              </a:rPr>
+              <a:t>int</a:t>
+            </a:r>
+            <a:r>
+              <a:rPr lang="en-US" sz="2400" dirty="0">
+                <a:latin typeface="Consolas" panose="020B0609020204030204" pitchFamily="49" charset="0"/>
+              </a:rPr>
+              <a:t> </a:t>
+            </a:r>
+            <a:r>
+              <a:rPr lang="en-US" sz="2400" dirty="0" err="1">
+                <a:latin typeface="Consolas" panose="020B0609020204030204" pitchFamily="49" charset="0"/>
+              </a:rPr>
+              <a:t>countChar</a:t>
+            </a:r>
+            <a:r>
+              <a:rPr lang="en-US" sz="2400" dirty="0">
+                <a:latin typeface="Consolas" panose="020B0609020204030204" pitchFamily="49" charset="0"/>
+              </a:rPr>
+              <a:t> = </a:t>
+            </a:r>
+            <a:r>
+              <a:rPr lang="en-US" sz="2400" dirty="0" err="1">
+                <a:latin typeface="Consolas" panose="020B0609020204030204" pitchFamily="49" charset="0"/>
+              </a:rPr>
+              <a:t>s.Length</a:t>
+            </a:r>
+            <a:r>
+              <a:rPr lang="en-US" sz="2400" dirty="0">
+                <a:latin typeface="Consolas" panose="020B0609020204030204" pitchFamily="49" charset="0"/>
+              </a:rPr>
+              <a:t>;</a:t>
+            </a:r>
+            <a:endParaRPr lang="ru-RU" sz="2400" dirty="0">
+              <a:latin typeface="Consolas" panose="020B0609020204030204" pitchFamily="49" charset="0"/>
+            </a:endParaRPr>
+          </a:p>
+          <a:p>
+            <a:pPr marL="0" indent="0">
+              <a:spcBef>
+                <a:spcPts val="0"/>
+              </a:spcBef>
+              <a:buNone/>
+            </a:pPr>
+            <a:br>
+              <a:rPr lang="en-US" sz="2400" dirty="0">
+                <a:latin typeface="Consolas" panose="020B0609020204030204" pitchFamily="49" charset="0"/>
+              </a:rPr>
+            </a:br>
+            <a:r>
+              <a:rPr lang="en-US" sz="2400" dirty="0">
+                <a:solidFill>
+                  <a:schemeClr val="accent3"/>
+                </a:solidFill>
+                <a:latin typeface="Consolas" panose="020B0609020204030204" pitchFamily="49" charset="0"/>
+              </a:rPr>
+              <a:t>for</a:t>
+            </a:r>
+            <a:r>
+              <a:rPr lang="en-US" sz="2400" dirty="0">
+                <a:latin typeface="Consolas" panose="020B0609020204030204" pitchFamily="49" charset="0"/>
+              </a:rPr>
+              <a:t> (</a:t>
+            </a:r>
+            <a:r>
+              <a:rPr lang="en-US" sz="2400" dirty="0">
+                <a:solidFill>
+                  <a:schemeClr val="accent5"/>
+                </a:solidFill>
+                <a:latin typeface="Consolas" panose="020B0609020204030204" pitchFamily="49" charset="0"/>
+              </a:rPr>
+              <a:t>int</a:t>
+            </a:r>
+            <a:r>
+              <a:rPr lang="en-US" sz="2400" dirty="0">
+                <a:latin typeface="Consolas" panose="020B0609020204030204" pitchFamily="49" charset="0"/>
+              </a:rPr>
+              <a:t> index = 0; index &lt;= </a:t>
+            </a:r>
+            <a:r>
+              <a:rPr lang="en-US" sz="2400" dirty="0" err="1">
+                <a:latin typeface="Consolas" panose="020B0609020204030204" pitchFamily="49" charset="0"/>
+              </a:rPr>
+              <a:t>countChar</a:t>
+            </a:r>
+            <a:r>
+              <a:rPr lang="en-US" sz="2400" dirty="0">
+                <a:latin typeface="Consolas" panose="020B0609020204030204" pitchFamily="49" charset="0"/>
+              </a:rPr>
+              <a:t> - 1; index++)</a:t>
+            </a:r>
+            <a:br>
+              <a:rPr lang="en-US" sz="2400" dirty="0">
+                <a:latin typeface="Consolas" panose="020B0609020204030204" pitchFamily="49" charset="0"/>
+              </a:rPr>
+            </a:br>
+            <a:r>
+              <a:rPr lang="en-US" sz="2400" dirty="0">
+                <a:latin typeface="Consolas" panose="020B0609020204030204" pitchFamily="49" charset="0"/>
+              </a:rPr>
+              <a:t>{</a:t>
+            </a:r>
+            <a:br>
+              <a:rPr lang="en-US" sz="2400" dirty="0">
+                <a:latin typeface="Consolas" panose="020B0609020204030204" pitchFamily="49" charset="0"/>
+              </a:rPr>
+            </a:br>
+            <a:r>
+              <a:rPr lang="en-US" sz="2400" dirty="0">
+                <a:latin typeface="Consolas" panose="020B0609020204030204" pitchFamily="49" charset="0"/>
+              </a:rPr>
+              <a:t>   </a:t>
+            </a:r>
+            <a:r>
+              <a:rPr lang="en-US" sz="2400" dirty="0" err="1">
+                <a:solidFill>
+                  <a:schemeClr val="accent3"/>
+                </a:solidFill>
+                <a:latin typeface="Consolas" panose="020B0609020204030204" pitchFamily="49" charset="0"/>
+              </a:rPr>
+              <a:t>Console</a:t>
+            </a:r>
+            <a:r>
+              <a:rPr lang="en-US" sz="2400" dirty="0" err="1">
+                <a:latin typeface="Consolas" panose="020B0609020204030204" pitchFamily="49" charset="0"/>
+              </a:rPr>
+              <a:t>.Write</a:t>
+            </a:r>
+            <a:r>
+              <a:rPr lang="en-US" sz="2400" dirty="0">
+                <a:latin typeface="Consolas" panose="020B0609020204030204" pitchFamily="49" charset="0"/>
+              </a:rPr>
+              <a:t>(s[index]);</a:t>
+            </a:r>
+            <a:br>
+              <a:rPr lang="en-US" sz="2400" dirty="0">
+                <a:latin typeface="Consolas" panose="020B0609020204030204" pitchFamily="49" charset="0"/>
+              </a:rPr>
+            </a:br>
+            <a:r>
+              <a:rPr lang="en-US" sz="2400" dirty="0">
+                <a:latin typeface="Consolas" panose="020B0609020204030204" pitchFamily="49" charset="0"/>
+              </a:rPr>
+              <a:t>}</a:t>
+            </a:r>
+            <a:endParaRPr lang="ru-RU" sz="2400" dirty="0">
+              <a:latin typeface="Consolas" panose="020B0609020204030204" pitchFamily="49" charset="0"/>
+            </a:endParaRPr>
+          </a:p>
+          <a:p>
+            <a:pPr marL="0" indent="0" eaLnBrk="0" fontAlgn="base" hangingPunct="0">
               <a:lnSpc>
                 <a:spcPct val="100000"/>
               </a:lnSpc>
               <a:spcBef>
-                <a:spcPct val="0"/>
+                <a:spcPts val="0"/>
               </a:spcBef>
               <a:spcAft>
                 <a:spcPct val="0"/>
@@ -19999,7 +24108,7 @@
               </a:tabLst>
             </a:pPr>
             <a:endParaRPr lang="ru-RU" altLang="ru-RU" sz="2400" dirty="0">
-              <a:latin typeface="Arial" panose="020B0604020202020204" pitchFamily="34" charset="0"/>
+              <a:latin typeface="Consolas" panose="020B0609020204030204" pitchFamily="49" charset="0"/>
             </a:endParaRPr>
           </a:p>
         </p:txBody>
@@ -20261,7 +24370,10 @@
           <a:bodyPr/>
           <a:lstStyle/>
           <a:p>
-            <a:endParaRPr lang="ru-RU" dirty="0"/>
+            <a:r>
+              <a:rPr lang="ru-RU" dirty="0"/>
+              <a:t>Хранение строк</a:t>
+            </a:r>
           </a:p>
         </p:txBody>
       </p:sp>
@@ -20284,16 +24396,393 @@
         <p:spPr/>
         <p:txBody>
           <a:bodyPr>
-            <a:normAutofit/>
+            <a:normAutofit fontScale="92500" lnSpcReduction="10000"/>
           </a:bodyPr>
           <a:lstStyle/>
           <a:p>
-            <a:pPr marL="0" lvl="0" indent="0" eaLnBrk="0" fontAlgn="base" hangingPunct="0">
+            <a:pPr marL="0" indent="0">
+              <a:spcBef>
+                <a:spcPts val="0"/>
+              </a:spcBef>
+              <a:buNone/>
+            </a:pPr>
+            <a:r>
+              <a:rPr lang="en-US" sz="2400" dirty="0">
+                <a:solidFill>
+                  <a:schemeClr val="accent5"/>
+                </a:solidFill>
+                <a:latin typeface="Consolas" panose="020B0609020204030204" pitchFamily="49" charset="0"/>
+              </a:rPr>
+              <a:t>string</a:t>
+            </a:r>
+            <a:r>
+              <a:rPr lang="en-US" sz="2400" dirty="0">
+                <a:latin typeface="Consolas" panose="020B0609020204030204" pitchFamily="49" charset="0"/>
+              </a:rPr>
+              <a:t> s</a:t>
+            </a:r>
+            <a:r>
+              <a:rPr lang="ru-RU" sz="2400" dirty="0">
+                <a:latin typeface="Consolas" panose="020B0609020204030204" pitchFamily="49" charset="0"/>
+              </a:rPr>
+              <a:t> = </a:t>
+            </a:r>
+            <a:r>
+              <a:rPr lang="en-US" sz="2400" dirty="0">
+                <a:solidFill>
+                  <a:schemeClr val="accent3"/>
+                </a:solidFill>
+                <a:latin typeface="Consolas" panose="020B0609020204030204" pitchFamily="49" charset="0"/>
+              </a:rPr>
+              <a:t>Console</a:t>
+            </a:r>
+            <a:r>
+              <a:rPr lang="ru-RU" sz="2400" dirty="0">
+                <a:latin typeface="Consolas" panose="020B0609020204030204" pitchFamily="49" charset="0"/>
+              </a:rPr>
+              <a:t>.</a:t>
+            </a:r>
+            <a:r>
+              <a:rPr lang="en-US" sz="2400" dirty="0" err="1">
+                <a:latin typeface="Consolas" panose="020B0609020204030204" pitchFamily="49" charset="0"/>
+              </a:rPr>
+              <a:t>ReadLine</a:t>
+            </a:r>
+            <a:r>
+              <a:rPr lang="ru-RU" sz="2400" dirty="0">
+                <a:latin typeface="Consolas" panose="020B0609020204030204" pitchFamily="49" charset="0"/>
+              </a:rPr>
+              <a:t>();</a:t>
+            </a:r>
+          </a:p>
+          <a:p>
+            <a:pPr marL="0" indent="0">
+              <a:spcBef>
+                <a:spcPts val="0"/>
+              </a:spcBef>
+              <a:buNone/>
+            </a:pPr>
+            <a:r>
+              <a:rPr lang="en-US" sz="2400" dirty="0">
+                <a:solidFill>
+                  <a:schemeClr val="accent5"/>
+                </a:solidFill>
+                <a:latin typeface="Consolas" panose="020B0609020204030204" pitchFamily="49" charset="0"/>
+              </a:rPr>
+              <a:t>int</a:t>
+            </a:r>
+            <a:r>
+              <a:rPr lang="en-US" sz="2400" dirty="0">
+                <a:latin typeface="Consolas" panose="020B0609020204030204" pitchFamily="49" charset="0"/>
+              </a:rPr>
+              <a:t> </a:t>
+            </a:r>
+            <a:r>
+              <a:rPr lang="en-US" sz="2400" dirty="0" err="1">
+                <a:latin typeface="Consolas" panose="020B0609020204030204" pitchFamily="49" charset="0"/>
+              </a:rPr>
+              <a:t>countChar</a:t>
+            </a:r>
+            <a:r>
+              <a:rPr lang="en-US" sz="2400" dirty="0">
+                <a:latin typeface="Consolas" panose="020B0609020204030204" pitchFamily="49" charset="0"/>
+              </a:rPr>
+              <a:t> = </a:t>
+            </a:r>
+            <a:r>
+              <a:rPr lang="en-US" sz="2400" dirty="0" err="1">
+                <a:latin typeface="Consolas" panose="020B0609020204030204" pitchFamily="49" charset="0"/>
+              </a:rPr>
+              <a:t>s.Length</a:t>
+            </a:r>
+            <a:r>
+              <a:rPr lang="en-US" sz="2400" dirty="0">
+                <a:latin typeface="Consolas" panose="020B0609020204030204" pitchFamily="49" charset="0"/>
+              </a:rPr>
+              <a:t>;</a:t>
+            </a:r>
+            <a:endParaRPr lang="ru-RU" sz="2400" dirty="0">
+              <a:latin typeface="Consolas" panose="020B0609020204030204" pitchFamily="49" charset="0"/>
+            </a:endParaRPr>
+          </a:p>
+          <a:p>
+            <a:pPr marL="0" indent="0">
+              <a:spcBef>
+                <a:spcPts val="0"/>
+              </a:spcBef>
+              <a:buNone/>
+            </a:pPr>
+            <a:br>
+              <a:rPr lang="en-US" sz="2400" dirty="0">
+                <a:latin typeface="Consolas" panose="020B0609020204030204" pitchFamily="49" charset="0"/>
+              </a:rPr>
+            </a:br>
+            <a:r>
+              <a:rPr lang="en-US" sz="2400" dirty="0">
+                <a:solidFill>
+                  <a:schemeClr val="accent5"/>
+                </a:solidFill>
+                <a:latin typeface="Consolas" panose="020B0609020204030204" pitchFamily="49" charset="0"/>
+              </a:rPr>
+              <a:t>int</a:t>
+            </a:r>
+            <a:r>
+              <a:rPr lang="en-US" sz="2400" dirty="0">
+                <a:latin typeface="Consolas" panose="020B0609020204030204" pitchFamily="49" charset="0"/>
+              </a:rPr>
+              <a:t> </a:t>
+            </a:r>
+            <a:r>
+              <a:rPr lang="en-US" sz="2400" dirty="0" err="1">
+                <a:latin typeface="Consolas" panose="020B0609020204030204" pitchFamily="49" charset="0"/>
+              </a:rPr>
+              <a:t>countA</a:t>
+            </a:r>
+            <a:r>
+              <a:rPr lang="en-US" sz="2400" dirty="0">
+                <a:latin typeface="Consolas" panose="020B0609020204030204" pitchFamily="49" charset="0"/>
+              </a:rPr>
+              <a:t> = 0;</a:t>
+            </a:r>
+            <a:endParaRPr lang="ru-RU" sz="2400" dirty="0">
+              <a:latin typeface="Consolas" panose="020B0609020204030204" pitchFamily="49" charset="0"/>
+            </a:endParaRPr>
+          </a:p>
+          <a:p>
+            <a:pPr marL="0" indent="0">
+              <a:spcBef>
+                <a:spcPts val="0"/>
+              </a:spcBef>
+              <a:buNone/>
+            </a:pPr>
+            <a:r>
+              <a:rPr lang="en-US" sz="2400" dirty="0">
+                <a:solidFill>
+                  <a:schemeClr val="accent3"/>
+                </a:solidFill>
+                <a:latin typeface="Consolas" panose="020B0609020204030204" pitchFamily="49" charset="0"/>
+              </a:rPr>
+              <a:t>for</a:t>
+            </a:r>
+            <a:r>
+              <a:rPr lang="en-US" sz="2400" dirty="0">
+                <a:latin typeface="Consolas" panose="020B0609020204030204" pitchFamily="49" charset="0"/>
+              </a:rPr>
+              <a:t> (</a:t>
+            </a:r>
+            <a:r>
+              <a:rPr lang="en-US" sz="2400" dirty="0">
+                <a:solidFill>
+                  <a:schemeClr val="accent5"/>
+                </a:solidFill>
+                <a:latin typeface="Consolas" panose="020B0609020204030204" pitchFamily="49" charset="0"/>
+              </a:rPr>
+              <a:t>int</a:t>
+            </a:r>
+            <a:r>
+              <a:rPr lang="en-US" sz="2400" dirty="0">
+                <a:latin typeface="Consolas" panose="020B0609020204030204" pitchFamily="49" charset="0"/>
+              </a:rPr>
+              <a:t> index = 0; index &lt;= </a:t>
+            </a:r>
+            <a:r>
+              <a:rPr lang="en-US" sz="2400" dirty="0" err="1">
+                <a:latin typeface="Consolas" panose="020B0609020204030204" pitchFamily="49" charset="0"/>
+              </a:rPr>
+              <a:t>countChar</a:t>
+            </a:r>
+            <a:r>
+              <a:rPr lang="en-US" sz="2400" dirty="0">
+                <a:latin typeface="Consolas" panose="020B0609020204030204" pitchFamily="49" charset="0"/>
+              </a:rPr>
+              <a:t> - 1; index++)</a:t>
+            </a:r>
+            <a:endParaRPr lang="ru-RU" sz="2400" dirty="0">
+              <a:latin typeface="Consolas" panose="020B0609020204030204" pitchFamily="49" charset="0"/>
+            </a:endParaRPr>
+          </a:p>
+          <a:p>
+            <a:pPr marL="0" indent="0">
+              <a:spcBef>
+                <a:spcPts val="0"/>
+              </a:spcBef>
+              <a:buNone/>
+            </a:pPr>
+            <a:r>
+              <a:rPr lang="en-US" sz="2400" dirty="0">
+                <a:latin typeface="Consolas" panose="020B0609020204030204" pitchFamily="49" charset="0"/>
+              </a:rPr>
+              <a:t>{</a:t>
+            </a:r>
+            <a:br>
+              <a:rPr lang="en-US" sz="2400" dirty="0">
+                <a:latin typeface="Consolas" panose="020B0609020204030204" pitchFamily="49" charset="0"/>
+              </a:rPr>
+            </a:br>
+            <a:r>
+              <a:rPr lang="en-US" sz="2400" dirty="0">
+                <a:latin typeface="Consolas" panose="020B0609020204030204" pitchFamily="49" charset="0"/>
+              </a:rPr>
+              <a:t>   </a:t>
+            </a:r>
+            <a:r>
+              <a:rPr lang="en-US" sz="2400" dirty="0">
+                <a:solidFill>
+                  <a:schemeClr val="accent3"/>
+                </a:solidFill>
+                <a:latin typeface="Consolas" panose="020B0609020204030204" pitchFamily="49" charset="0"/>
+              </a:rPr>
+              <a:t>if</a:t>
+            </a:r>
+            <a:r>
+              <a:rPr lang="en-US" sz="2400" dirty="0">
+                <a:latin typeface="Consolas" panose="020B0609020204030204" pitchFamily="49" charset="0"/>
+              </a:rPr>
+              <a:t> (s[index] == </a:t>
+            </a:r>
+            <a:r>
+              <a:rPr lang="en-US" sz="2400" dirty="0">
+                <a:solidFill>
+                  <a:schemeClr val="accent1"/>
+                </a:solidFill>
+                <a:latin typeface="Consolas" panose="020B0609020204030204" pitchFamily="49" charset="0"/>
+              </a:rPr>
+              <a:t>'A'</a:t>
+            </a:r>
+            <a:r>
+              <a:rPr lang="en-US" sz="2400" dirty="0">
+                <a:latin typeface="Consolas" panose="020B0609020204030204" pitchFamily="49" charset="0"/>
+              </a:rPr>
+              <a:t>)</a:t>
+            </a:r>
+            <a:br>
+              <a:rPr lang="en-US" sz="2400" dirty="0">
+                <a:latin typeface="Consolas" panose="020B0609020204030204" pitchFamily="49" charset="0"/>
+              </a:rPr>
+            </a:br>
+            <a:r>
+              <a:rPr lang="en-US" sz="2400" dirty="0">
+                <a:latin typeface="Consolas" panose="020B0609020204030204" pitchFamily="49" charset="0"/>
+              </a:rPr>
+              <a:t>   {</a:t>
+            </a:r>
+            <a:br>
+              <a:rPr lang="en-US" sz="2400" dirty="0">
+                <a:latin typeface="Consolas" panose="020B0609020204030204" pitchFamily="49" charset="0"/>
+              </a:rPr>
+            </a:br>
+            <a:r>
+              <a:rPr lang="en-US" sz="2400" dirty="0">
+                <a:latin typeface="Consolas" panose="020B0609020204030204" pitchFamily="49" charset="0"/>
+              </a:rPr>
+              <a:t>      </a:t>
+            </a:r>
+            <a:r>
+              <a:rPr lang="en-US" sz="2400" dirty="0" err="1">
+                <a:latin typeface="Consolas" panose="020B0609020204030204" pitchFamily="49" charset="0"/>
+              </a:rPr>
+              <a:t>countA</a:t>
+            </a:r>
+            <a:r>
+              <a:rPr lang="en-US" sz="2400" dirty="0">
+                <a:latin typeface="Consolas" panose="020B0609020204030204" pitchFamily="49" charset="0"/>
+              </a:rPr>
+              <a:t>++;</a:t>
+            </a:r>
+            <a:br>
+              <a:rPr lang="en-US" sz="2400" dirty="0">
+                <a:latin typeface="Consolas" panose="020B0609020204030204" pitchFamily="49" charset="0"/>
+              </a:rPr>
+            </a:br>
+            <a:r>
+              <a:rPr lang="en-US" sz="2400" dirty="0">
+                <a:latin typeface="Consolas" panose="020B0609020204030204" pitchFamily="49" charset="0"/>
+              </a:rPr>
+              <a:t>   }</a:t>
+            </a:r>
+            <a:br>
+              <a:rPr lang="en-US" sz="2400" dirty="0">
+                <a:latin typeface="Consolas" panose="020B0609020204030204" pitchFamily="49" charset="0"/>
+              </a:rPr>
+            </a:br>
+            <a:r>
+              <a:rPr lang="en-US" sz="2400" dirty="0">
+                <a:latin typeface="Consolas" panose="020B0609020204030204" pitchFamily="49" charset="0"/>
+              </a:rPr>
+              <a:t>}</a:t>
+            </a:r>
+            <a:endParaRPr lang="ru-RU" sz="2400" dirty="0">
+              <a:latin typeface="Consolas" panose="020B0609020204030204" pitchFamily="49" charset="0"/>
+            </a:endParaRPr>
+          </a:p>
+          <a:p>
+            <a:pPr marL="0" indent="0">
+              <a:spcBef>
+                <a:spcPts val="0"/>
+              </a:spcBef>
+              <a:buNone/>
+            </a:pPr>
+            <a:r>
+              <a:rPr lang="en-US" sz="2400" dirty="0">
+                <a:latin typeface="Consolas" panose="020B0609020204030204" pitchFamily="49" charset="0"/>
+              </a:rPr>
+              <a:t> </a:t>
+            </a:r>
+            <a:endParaRPr lang="ru-RU" sz="2400" dirty="0">
+              <a:latin typeface="Consolas" panose="020B0609020204030204" pitchFamily="49" charset="0"/>
+            </a:endParaRPr>
+          </a:p>
+          <a:p>
+            <a:pPr marL="0" indent="0">
+              <a:spcBef>
+                <a:spcPts val="0"/>
+              </a:spcBef>
+              <a:buNone/>
+            </a:pPr>
+            <a:r>
+              <a:rPr lang="en-US" sz="2400" dirty="0" err="1">
+                <a:solidFill>
+                  <a:schemeClr val="accent3"/>
+                </a:solidFill>
+                <a:latin typeface="Consolas" panose="020B0609020204030204" pitchFamily="49" charset="0"/>
+              </a:rPr>
+              <a:t>Console</a:t>
+            </a:r>
+            <a:r>
+              <a:rPr lang="en-US" sz="2400" dirty="0" err="1">
+                <a:latin typeface="Consolas" panose="020B0609020204030204" pitchFamily="49" charset="0"/>
+              </a:rPr>
+              <a:t>.WriteLine</a:t>
+            </a:r>
+            <a:r>
+              <a:rPr lang="en-US" sz="2400" dirty="0">
+                <a:latin typeface="Consolas" panose="020B0609020204030204" pitchFamily="49" charset="0"/>
+              </a:rPr>
+              <a:t>(</a:t>
+            </a:r>
+            <a:r>
+              <a:rPr lang="en-US" sz="2400" dirty="0" err="1">
+                <a:latin typeface="Consolas" panose="020B0609020204030204" pitchFamily="49" charset="0"/>
+              </a:rPr>
+              <a:t>countA</a:t>
+            </a:r>
+            <a:r>
+              <a:rPr lang="en-US" sz="2400" dirty="0">
+                <a:latin typeface="Consolas" panose="020B0609020204030204" pitchFamily="49" charset="0"/>
+              </a:rPr>
+              <a:t>);</a:t>
+            </a:r>
+            <a:endParaRPr lang="ru-RU" sz="2400" dirty="0">
+              <a:latin typeface="Consolas" panose="020B0609020204030204" pitchFamily="49" charset="0"/>
+            </a:endParaRPr>
+          </a:p>
+          <a:p>
+            <a:pPr marL="0" indent="0" eaLnBrk="0" fontAlgn="base" hangingPunct="0">
               <a:lnSpc>
                 <a:spcPct val="100000"/>
               </a:lnSpc>
               <a:spcBef>
-                <a:spcPct val="0"/>
+                <a:spcPts val="0"/>
               </a:spcBef>
               <a:spcAft>
                 <a:spcPct val="0"/>
@@ -20320,8 +24809,8 @@
                 <a:tab pos="9305925" algn="l"/>
               </a:tabLst>
             </a:pPr>
-            <a:endParaRPr lang="ru-RU" altLang="ru-RU" sz="2400" dirty="0">
-              <a:latin typeface="Arial" panose="020B0604020202020204" pitchFamily="34" charset="0"/>
+            <a:endParaRPr lang="ru-RU" altLang="ru-RU" sz="2800" dirty="0">
+              <a:latin typeface="Consolas" panose="020B0609020204030204" pitchFamily="49" charset="0"/>
             </a:endParaRPr>
           </a:p>
         </p:txBody>
@@ -20449,7 +24938,10 @@
           <a:bodyPr/>
           <a:lstStyle/>
           <a:p>
-            <a:endParaRPr lang="ru-RU" dirty="0"/>
+            <a:r>
+              <a:rPr lang="ru-RU" dirty="0"/>
+              <a:t>Задание 3</a:t>
+            </a:r>
           </a:p>
         </p:txBody>
       </p:sp>
@@ -20508,9 +25000,12 @@
                 <a:tab pos="9305925" algn="l"/>
               </a:tabLst>
             </a:pPr>
-            <a:endParaRPr lang="ru-RU" altLang="ru-RU" sz="2400" dirty="0">
-              <a:latin typeface="Arial" panose="020B0604020202020204" pitchFamily="34" charset="0"/>
-            </a:endParaRPr>
+            <a:r>
+              <a:rPr lang="ru-RU" altLang="ru-RU" sz="2400" dirty="0">
+                <a:latin typeface="Arial" panose="020B0604020202020204" pitchFamily="34" charset="0"/>
+              </a:rPr>
+              <a:t>	Что такое строка?</a:t>
+            </a:r>
           </a:p>
         </p:txBody>
       </p:sp>
@@ -20637,68 +25132,10 @@
           <a:bodyPr/>
           <a:lstStyle/>
           <a:p>
-            <a:endParaRPr lang="ru-RU" dirty="0"/>
-          </a:p>
-        </p:txBody>
-      </p:sp>
-      <p:sp>
-        <p:nvSpPr>
-          <p:cNvPr id="7" name="Объект 6">
-            <a:extLst>
-              <a:ext uri="{FF2B5EF4-FFF2-40B4-BE49-F238E27FC236}">
-                <a16:creationId xmlns:a16="http://schemas.microsoft.com/office/drawing/2014/main" id="{ED9B45B7-0AA6-4CF5-B709-176069E72FC7}"/>
-              </a:ext>
-            </a:extLst>
-          </p:cNvPr>
-          <p:cNvSpPr>
-            <a:spLocks noGrp="1"/>
-          </p:cNvSpPr>
-          <p:nvPr>
-            <p:ph idx="1"/>
-          </p:nvPr>
-        </p:nvSpPr>
-        <p:spPr/>
-        <p:txBody>
-          <a:bodyPr>
-            <a:normAutofit/>
-          </a:bodyPr>
-          <a:lstStyle/>
-          <a:p>
-            <a:pPr marL="0" lvl="0" indent="0" eaLnBrk="0" fontAlgn="base" hangingPunct="0">
-              <a:lnSpc>
-                <a:spcPct val="100000"/>
-              </a:lnSpc>
-              <a:spcBef>
-                <a:spcPct val="0"/>
-              </a:spcBef>
-              <a:spcAft>
-                <a:spcPct val="0"/>
-              </a:spcAft>
-              <a:buClrTx/>
-              <a:buSzTx/>
-              <a:buNone/>
-              <a:tabLst>
-                <a:tab pos="581025" algn="l"/>
-                <a:tab pos="1163638" algn="l"/>
-                <a:tab pos="1744663" algn="l"/>
-                <a:tab pos="2327275" algn="l"/>
-                <a:tab pos="2908300" algn="l"/>
-                <a:tab pos="3489325" algn="l"/>
-                <a:tab pos="4071938" algn="l"/>
-                <a:tab pos="4652963" algn="l"/>
-                <a:tab pos="5235575" algn="l"/>
-                <a:tab pos="5816600" algn="l"/>
-                <a:tab pos="6397625" algn="l"/>
-                <a:tab pos="6980238" algn="l"/>
-                <a:tab pos="7561263" algn="l"/>
-                <a:tab pos="8143875" algn="l"/>
-                <a:tab pos="8724900" algn="l"/>
-                <a:tab pos="9305925" algn="l"/>
-              </a:tabLst>
-            </a:pPr>
-            <a:endParaRPr lang="ru-RU" altLang="ru-RU" sz="2400" dirty="0">
-              <a:latin typeface="Arial" panose="020B0604020202020204" pitchFamily="34" charset="0"/>
-            </a:endParaRPr>
+            <a:r>
+              <a:rPr lang="ru-RU" dirty="0"/>
+              <a:t>Задание 4</a:t>
+            </a:r>
           </a:p>
         </p:txBody>
       </p:sp>
@@ -20762,6 +25199,183 @@
           </a:prstGeom>
         </p:spPr>
       </p:pic>
+      <p:sp>
+        <p:nvSpPr>
+          <p:cNvPr id="2" name="Content Placeholder 1">
+            <a:extLst>
+              <a:ext uri="{FF2B5EF4-FFF2-40B4-BE49-F238E27FC236}">
+                <a16:creationId xmlns:a16="http://schemas.microsoft.com/office/drawing/2014/main" id="{2518B275-62C5-4FE7-8BBF-5BED6ED4BB96}"/>
+              </a:ext>
+            </a:extLst>
+          </p:cNvPr>
+          <p:cNvSpPr>
+            <a:spLocks noGrp="1" noChangeArrowheads="1"/>
+          </p:cNvSpPr>
+          <p:nvPr>
+            <p:ph idx="1"/>
+          </p:nvPr>
+        </p:nvSpPr>
+        <p:spPr bwMode="auto">
+          <a:xfrm>
+            <a:off x="1295400" y="1981201"/>
+            <a:ext cx="8321509" cy="584775"/>
+          </a:xfrm>
+          <a:prstGeom prst="rect">
+            <a:avLst/>
+          </a:prstGeom>
+          <a:noFill/>
+          <a:ln>
+            <a:noFill/>
+          </a:ln>
+          <a:effectLst/>
+          <a:extLst>
+            <a:ext uri="{909E8E84-426E-40DD-AFC4-6F175D3DCCD1}">
+              <a14:hiddenFill xmlns:a14="http://schemas.microsoft.com/office/drawing/2010/main">
+                <a:solidFill>
+                  <a:schemeClr val="accent1"/>
+                </a:solidFill>
+              </a14:hiddenFill>
+            </a:ext>
+            <a:ext uri="{91240B29-F687-4F45-9708-019B960494DF}">
+              <a14:hiddenLine xmlns:a14="http://schemas.microsoft.com/office/drawing/2010/main" w="9525">
+                <a:solidFill>
+                  <a:schemeClr val="tx1"/>
+                </a:solidFill>
+                <a:miter lim="800000"/>
+                <a:headEnd/>
+                <a:tailEnd/>
+              </a14:hiddenLine>
+            </a:ext>
+            <a:ext uri="{AF507438-7753-43E0-B8FC-AC1667EBCBE1}">
+              <a14:hiddenEffects xmlns:a14="http://schemas.microsoft.com/office/drawing/2010/main">
+                <a:effectLst>
+                  <a:outerShdw dist="35921" dir="2700000" algn="ctr" rotWithShape="0">
+                    <a:schemeClr val="bg2"/>
+                  </a:outerShdw>
+                </a:effectLst>
+              </a14:hiddenEffects>
+            </a:ext>
+          </a:extLst>
+        </p:spPr>
+        <p:txBody>
+          <a:bodyPr vert="horz" wrap="none" lIns="91440" tIns="45720" rIns="91440" bIns="45720" numCol="1" anchor="t" anchorCtr="0" compatLnSpc="1">
+            <a:prstTxWarp prst="textNoShape">
+              <a:avLst/>
+            </a:prstTxWarp>
+            <a:spAutoFit/>
+          </a:bodyPr>
+          <a:lstStyle/>
+          <a:p>
+            <a:pPr marL="0" marR="0" lvl="0" indent="0" algn="l" defTabSz="914400" rtl="0" eaLnBrk="0" fontAlgn="base" latinLnBrk="0" hangingPunct="0">
+              <a:lnSpc>
+                <a:spcPct val="100000"/>
+              </a:lnSpc>
+              <a:spcBef>
+                <a:spcPct val="0"/>
+              </a:spcBef>
+              <a:spcAft>
+                <a:spcPct val="0"/>
+              </a:spcAft>
+              <a:buClrTx/>
+              <a:buSzTx/>
+              <a:buFontTx/>
+              <a:buNone/>
+              <a:tabLst/>
+            </a:pPr>
+            <a:r>
+              <a:rPr kumimoji="0" lang="ru-RU" altLang="ru-RU" sz="3200" b="0" i="0" u="none" strike="noStrike" cap="none" normalizeH="0" baseline="0" dirty="0">
+                <a:ln>
+                  <a:noFill/>
+                </a:ln>
+                <a:solidFill>
+                  <a:schemeClr val="accent3"/>
+                </a:solidFill>
+                <a:effectLst/>
+                <a:latin typeface="Consolas" panose="020B0609020204030204" pitchFamily="49" charset="0"/>
+              </a:rPr>
+              <a:t>Console</a:t>
+            </a:r>
+            <a:r>
+              <a:rPr kumimoji="0" lang="ru-RU" altLang="ru-RU" sz="3200" b="0" i="0" u="none" strike="noStrike" cap="none" normalizeH="0" baseline="0" dirty="0">
+                <a:ln>
+                  <a:noFill/>
+                </a:ln>
+                <a:solidFill>
+                  <a:schemeClr val="tx1"/>
+                </a:solidFill>
+                <a:effectLst/>
+                <a:latin typeface="Consolas" panose="020B0609020204030204" pitchFamily="49" charset="0"/>
+              </a:rPr>
+              <a:t>.WriteLine</a:t>
+            </a:r>
+            <a:r>
+              <a:rPr kumimoji="0" lang="ru-RU" altLang="ru-RU" sz="3200" b="0" i="0" u="none" strike="noStrike" cap="none" normalizeH="0" baseline="0" dirty="0">
+                <a:ln>
+                  <a:noFill/>
+                </a:ln>
+                <a:solidFill>
+                  <a:schemeClr val="tx2"/>
+                </a:solidFill>
+                <a:effectLst/>
+                <a:latin typeface="Consolas" panose="020B0609020204030204" pitchFamily="49" charset="0"/>
+              </a:rPr>
+              <a:t>(</a:t>
+            </a:r>
+            <a:r>
+              <a:rPr kumimoji="0" lang="ru-RU" altLang="ru-RU" sz="3200" b="0" i="0" u="none" strike="noStrike" cap="none" normalizeH="0" baseline="0" dirty="0">
+                <a:ln>
+                  <a:noFill/>
+                </a:ln>
+                <a:solidFill>
+                  <a:schemeClr val="accent1"/>
+                </a:solidFill>
+                <a:effectLst/>
+                <a:latin typeface="Consolas" panose="020B0609020204030204" pitchFamily="49" charset="0"/>
+              </a:rPr>
+              <a:t>“</a:t>
+            </a:r>
+            <a:r>
+              <a:rPr kumimoji="0" lang="en-US" altLang="ru-RU" sz="3200" b="0" i="0" u="none" strike="noStrike" cap="none" normalizeH="0" baseline="0" dirty="0">
+                <a:ln>
+                  <a:noFill/>
+                </a:ln>
+                <a:solidFill>
+                  <a:schemeClr val="accent1"/>
+                </a:solidFill>
+                <a:effectLst/>
+                <a:latin typeface="Consolas" panose="020B0609020204030204" pitchFamily="49" charset="0"/>
+              </a:rPr>
+              <a:t>Prisma</a:t>
+            </a:r>
+            <a:r>
+              <a:rPr kumimoji="0" lang="ru-RU" altLang="ru-RU" sz="3200" b="0" i="0" u="none" strike="noStrike" cap="none" normalizeH="0" baseline="0" dirty="0">
+                <a:ln>
+                  <a:noFill/>
+                </a:ln>
+                <a:solidFill>
+                  <a:schemeClr val="accent1"/>
+                </a:solidFill>
+                <a:effectLst/>
+                <a:latin typeface="Consolas" panose="020B0609020204030204" pitchFamily="49" charset="0"/>
+              </a:rPr>
+              <a:t>"</a:t>
+            </a:r>
+            <a:r>
+              <a:rPr kumimoji="0" lang="ru-RU" altLang="ru-RU" sz="3200" b="0" i="0" u="none" strike="noStrike" cap="none" normalizeH="0" baseline="0" dirty="0">
+                <a:ln>
+                  <a:noFill/>
+                </a:ln>
+                <a:solidFill>
+                  <a:schemeClr val="tx1"/>
+                </a:solidFill>
+                <a:effectLst/>
+                <a:latin typeface="Consolas" panose="020B0609020204030204" pitchFamily="49" charset="0"/>
+              </a:rPr>
+              <a:t>.Length) </a:t>
+            </a:r>
+          </a:p>
+        </p:txBody>
+      </p:sp>
     </p:spTree>
     <p:extLst>
       <p:ext uri="{BB962C8B-B14F-4D97-AF65-F5344CB8AC3E}">
@@ -20825,68 +25439,10 @@
           <a:bodyPr/>
           <a:lstStyle/>
           <a:p>
-            <a:endParaRPr lang="ru-RU" dirty="0"/>
-          </a:p>
-        </p:txBody>
-      </p:sp>
-      <p:sp>
-        <p:nvSpPr>
-          <p:cNvPr id="7" name="Объект 6">
-            <a:extLst>
-              <a:ext uri="{FF2B5EF4-FFF2-40B4-BE49-F238E27FC236}">
-                <a16:creationId xmlns:a16="http://schemas.microsoft.com/office/drawing/2014/main" id="{ED9B45B7-0AA6-4CF5-B709-176069E72FC7}"/>
-              </a:ext>
-            </a:extLst>
-          </p:cNvPr>
-          <p:cNvSpPr>
-            <a:spLocks noGrp="1"/>
-          </p:cNvSpPr>
-          <p:nvPr>
-            <p:ph idx="1"/>
-          </p:nvPr>
-        </p:nvSpPr>
-        <p:spPr/>
-        <p:txBody>
-          <a:bodyPr>
-            <a:normAutofit/>
-          </a:bodyPr>
-          <a:lstStyle/>
-          <a:p>
-            <a:pPr marL="0" lvl="0" indent="0" eaLnBrk="0" fontAlgn="base" hangingPunct="0">
-              <a:lnSpc>
-                <a:spcPct val="100000"/>
-              </a:lnSpc>
-              <a:spcBef>
-                <a:spcPct val="0"/>
-              </a:spcBef>
-              <a:spcAft>
-                <a:spcPct val="0"/>
-              </a:spcAft>
-              <a:buClrTx/>
-              <a:buSzTx/>
-              <a:buNone/>
-              <a:tabLst>
-                <a:tab pos="581025" algn="l"/>
-                <a:tab pos="1163638" algn="l"/>
-                <a:tab pos="1744663" algn="l"/>
-                <a:tab pos="2327275" algn="l"/>
-                <a:tab pos="2908300" algn="l"/>
-                <a:tab pos="3489325" algn="l"/>
-                <a:tab pos="4071938" algn="l"/>
-                <a:tab pos="4652963" algn="l"/>
-                <a:tab pos="5235575" algn="l"/>
-                <a:tab pos="5816600" algn="l"/>
-                <a:tab pos="6397625" algn="l"/>
-                <a:tab pos="6980238" algn="l"/>
-                <a:tab pos="7561263" algn="l"/>
-                <a:tab pos="8143875" algn="l"/>
-                <a:tab pos="8724900" algn="l"/>
-                <a:tab pos="9305925" algn="l"/>
-              </a:tabLst>
-            </a:pPr>
-            <a:endParaRPr lang="ru-RU" altLang="ru-RU" sz="2400" dirty="0">
-              <a:latin typeface="Arial" panose="020B0604020202020204" pitchFamily="34" charset="0"/>
-            </a:endParaRPr>
+            <a:r>
+              <a:rPr lang="ru-RU" dirty="0"/>
+              <a:t>Задание 5</a:t>
+            </a:r>
           </a:p>
         </p:txBody>
       </p:sp>
@@ -20950,6 +25506,285 @@
           </a:prstGeom>
         </p:spPr>
       </p:pic>
+      <p:sp>
+        <p:nvSpPr>
+          <p:cNvPr id="2" name="Content Placeholder 1">
+            <a:extLst>
+              <a:ext uri="{FF2B5EF4-FFF2-40B4-BE49-F238E27FC236}">
+                <a16:creationId xmlns:a16="http://schemas.microsoft.com/office/drawing/2014/main" id="{9F096AE9-832E-4148-ACA9-C211C1121672}"/>
+              </a:ext>
+            </a:extLst>
+          </p:cNvPr>
+          <p:cNvSpPr>
+            <a:spLocks noGrp="1" noChangeArrowheads="1"/>
+          </p:cNvSpPr>
+          <p:nvPr>
+            <p:ph idx="1"/>
+          </p:nvPr>
+        </p:nvSpPr>
+        <p:spPr bwMode="auto">
+          <a:xfrm>
+            <a:off x="1295400" y="1981201"/>
+            <a:ext cx="5157181" cy="1569660"/>
+          </a:xfrm>
+          <a:prstGeom prst="rect">
+            <a:avLst/>
+          </a:prstGeom>
+          <a:noFill/>
+          <a:ln>
+            <a:noFill/>
+          </a:ln>
+          <a:effectLst/>
+          <a:extLst>
+            <a:ext uri="{909E8E84-426E-40DD-AFC4-6F175D3DCCD1}">
+              <a14:hiddenFill xmlns:a14="http://schemas.microsoft.com/office/drawing/2010/main">
+                <a:solidFill>
+                  <a:schemeClr val="accent1"/>
+                </a:solidFill>
+              </a14:hiddenFill>
+            </a:ext>
+            <a:ext uri="{91240B29-F687-4F45-9708-019B960494DF}">
+              <a14:hiddenLine xmlns:a14="http://schemas.microsoft.com/office/drawing/2010/main" w="9525">
+                <a:solidFill>
+                  <a:schemeClr val="tx1"/>
+                </a:solidFill>
+                <a:miter lim="800000"/>
+                <a:headEnd/>
+                <a:tailEnd/>
+              </a14:hiddenLine>
+            </a:ext>
+            <a:ext uri="{AF507438-7753-43E0-B8FC-AC1667EBCBE1}">
+              <a14:hiddenEffects xmlns:a14="http://schemas.microsoft.com/office/drawing/2010/main">
+                <a:effectLst>
+                  <a:outerShdw dist="35921" dir="2700000" algn="ctr" rotWithShape="0">
+                    <a:schemeClr val="bg2"/>
+                  </a:outerShdw>
+                </a:effectLst>
+              </a14:hiddenEffects>
+            </a:ext>
+          </a:extLst>
+        </p:spPr>
+        <p:txBody>
+          <a:bodyPr vert="horz" wrap="none" lIns="91440" tIns="45720" rIns="91440" bIns="45720" numCol="1" anchor="t" anchorCtr="0" compatLnSpc="1">
+            <a:prstTxWarp prst="textNoShape">
+              <a:avLst/>
+            </a:prstTxWarp>
+            <a:spAutoFit/>
+          </a:bodyPr>
+          <a:lstStyle/>
+          <a:p>
+            <a:pPr marL="0" marR="0" lvl="0" indent="0" algn="l" defTabSz="914400" rtl="0" eaLnBrk="0" fontAlgn="base" latinLnBrk="0" hangingPunct="0">
+              <a:lnSpc>
+                <a:spcPct val="100000"/>
+              </a:lnSpc>
+              <a:spcBef>
+                <a:spcPct val="0"/>
+              </a:spcBef>
+              <a:spcAft>
+                <a:spcPct val="0"/>
+              </a:spcAft>
+              <a:buClrTx/>
+              <a:buSzTx/>
+              <a:buFontTx/>
+              <a:buNone/>
+              <a:tabLst/>
+            </a:pPr>
+            <a:r>
+              <a:rPr kumimoji="0" lang="ru-RU" altLang="ru-RU" sz="3200" b="0" i="0" u="none" strike="noStrike" cap="none" normalizeH="0" baseline="0" dirty="0">
+                <a:ln>
+                  <a:noFill/>
+                </a:ln>
+                <a:solidFill>
+                  <a:schemeClr val="accent5"/>
+                </a:solidFill>
+                <a:effectLst/>
+                <a:latin typeface="Consolas" panose="020B0609020204030204" pitchFamily="49" charset="0"/>
+              </a:rPr>
+              <a:t>string</a:t>
+            </a:r>
+            <a:r>
+              <a:rPr kumimoji="0" lang="ru-RU" altLang="ru-RU" sz="3200" b="0" i="0" u="none" strike="noStrike" cap="none" normalizeH="0" baseline="0" dirty="0">
+                <a:ln>
+                  <a:noFill/>
+                </a:ln>
+                <a:solidFill>
+                  <a:schemeClr val="tx1"/>
+                </a:solidFill>
+                <a:effectLst/>
+                <a:latin typeface="Consolas" panose="020B0609020204030204" pitchFamily="49" charset="0"/>
+              </a:rPr>
+              <a:t> s = </a:t>
+            </a:r>
+            <a:r>
+              <a:rPr kumimoji="0" lang="ru-RU" altLang="ru-RU" sz="3200" b="0" i="0" u="none" strike="noStrike" cap="none" normalizeH="0" baseline="0" dirty="0">
+                <a:ln>
+                  <a:noFill/>
+                </a:ln>
+                <a:solidFill>
+                  <a:schemeClr val="accent1"/>
+                </a:solidFill>
+                <a:effectLst/>
+                <a:latin typeface="Consolas" panose="020B0609020204030204" pitchFamily="49" charset="0"/>
+              </a:rPr>
+              <a:t>“</a:t>
+            </a:r>
+            <a:r>
+              <a:rPr kumimoji="0" lang="en-US" altLang="ru-RU" sz="3200" b="0" i="0" u="none" strike="noStrike" cap="none" normalizeH="0" baseline="0" dirty="0">
+                <a:ln>
+                  <a:noFill/>
+                </a:ln>
+                <a:solidFill>
+                  <a:schemeClr val="accent1"/>
+                </a:solidFill>
+                <a:effectLst/>
+                <a:latin typeface="Consolas" panose="020B0609020204030204" pitchFamily="49" charset="0"/>
+              </a:rPr>
+              <a:t>Prisma</a:t>
+            </a:r>
+            <a:r>
+              <a:rPr kumimoji="0" lang="ru-RU" altLang="ru-RU" sz="3200" b="0" i="0" u="none" strike="noStrike" cap="none" normalizeH="0" baseline="0" dirty="0">
+                <a:ln>
+                  <a:noFill/>
+                </a:ln>
+                <a:solidFill>
+                  <a:schemeClr val="accent1"/>
+                </a:solidFill>
+                <a:effectLst/>
+                <a:latin typeface="Consolas" panose="020B0609020204030204" pitchFamily="49" charset="0"/>
+              </a:rPr>
+              <a:t>"</a:t>
+            </a:r>
+            <a:r>
+              <a:rPr kumimoji="0" lang="ru-RU" altLang="ru-RU" sz="3200" b="0" i="0" u="none" strike="noStrike" cap="none" normalizeH="0" baseline="0" dirty="0">
+                <a:ln>
+                  <a:noFill/>
+                </a:ln>
+                <a:solidFill>
+                  <a:schemeClr val="tx1"/>
+                </a:solidFill>
+                <a:effectLst/>
+                <a:latin typeface="Consolas" panose="020B0609020204030204" pitchFamily="49" charset="0"/>
+              </a:rPr>
+              <a:t>;</a:t>
+            </a:r>
+            <a:br>
+              <a:rPr kumimoji="0" lang="ru-RU" altLang="ru-RU" sz="3200" b="0" i="0" u="none" strike="noStrike" cap="none" normalizeH="0" baseline="0" dirty="0">
+                <a:ln>
+                  <a:noFill/>
+                </a:ln>
+                <a:solidFill>
+                  <a:schemeClr val="tx1"/>
+                </a:solidFill>
+                <a:effectLst/>
+                <a:latin typeface="Consolas" panose="020B0609020204030204" pitchFamily="49" charset="0"/>
+              </a:rPr>
+            </a:br>
+            <a:r>
+              <a:rPr kumimoji="0" lang="ru-RU" altLang="ru-RU" sz="3200" b="0" i="0" u="none" strike="noStrike" cap="none" normalizeH="0" baseline="0" dirty="0">
+                <a:ln>
+                  <a:noFill/>
+                </a:ln>
+                <a:solidFill>
+                  <a:schemeClr val="tx1"/>
+                </a:solidFill>
+                <a:effectLst/>
+                <a:latin typeface="Consolas" panose="020B0609020204030204" pitchFamily="49" charset="0"/>
+              </a:rPr>
+              <a:t>s[3] = </a:t>
+            </a:r>
+            <a:r>
+              <a:rPr kumimoji="0" lang="ru-RU" altLang="ru-RU" sz="3200" b="0" i="0" u="none" strike="noStrike" cap="none" normalizeH="0" baseline="0" dirty="0">
+                <a:ln>
+                  <a:noFill/>
+                </a:ln>
+                <a:solidFill>
+                  <a:schemeClr val="accent1"/>
+                </a:solidFill>
+                <a:effectLst/>
+                <a:latin typeface="Consolas" panose="020B0609020204030204" pitchFamily="49" charset="0"/>
+              </a:rPr>
+              <a:t>‘</a:t>
+            </a:r>
+            <a:r>
+              <a:rPr kumimoji="0" lang="en-US" altLang="ru-RU" sz="3200" b="0" i="0" u="none" strike="noStrike" cap="none" normalizeH="0" baseline="0" dirty="0">
+                <a:ln>
+                  <a:noFill/>
+                </a:ln>
+                <a:solidFill>
+                  <a:schemeClr val="accent1"/>
+                </a:solidFill>
+                <a:effectLst/>
+                <a:latin typeface="Consolas" panose="020B0609020204030204" pitchFamily="49" charset="0"/>
+              </a:rPr>
+              <a:t>z</a:t>
+            </a:r>
+            <a:r>
+              <a:rPr kumimoji="0" lang="ru-RU" altLang="ru-RU" sz="3200" b="0" i="0" u="none" strike="noStrike" cap="none" normalizeH="0" baseline="0" dirty="0">
+                <a:ln>
+                  <a:noFill/>
+                </a:ln>
+                <a:solidFill>
+                  <a:schemeClr val="accent1"/>
+                </a:solidFill>
+                <a:effectLst/>
+                <a:latin typeface="Consolas" panose="020B0609020204030204" pitchFamily="49" charset="0"/>
+              </a:rPr>
+              <a:t>'</a:t>
+            </a:r>
+            <a:r>
+              <a:rPr kumimoji="0" lang="ru-RU" altLang="ru-RU" sz="3200" b="0" i="0" u="none" strike="noStrike" cap="none" normalizeH="0" baseline="0" dirty="0">
+                <a:ln>
+                  <a:noFill/>
+                </a:ln>
+                <a:solidFill>
+                  <a:schemeClr val="tx1"/>
+                </a:solidFill>
+                <a:effectLst/>
+                <a:latin typeface="Consolas" panose="020B0609020204030204" pitchFamily="49" charset="0"/>
+              </a:rPr>
+              <a:t>;</a:t>
+            </a:r>
+            <a:br>
+              <a:rPr kumimoji="0" lang="ru-RU" altLang="ru-RU" sz="3200" b="0" i="0" u="none" strike="noStrike" cap="none" normalizeH="0" baseline="0" dirty="0">
+                <a:ln>
+                  <a:noFill/>
+                </a:ln>
+                <a:solidFill>
+                  <a:schemeClr val="tx1"/>
+                </a:solidFill>
+                <a:effectLst/>
+                <a:latin typeface="Consolas" panose="020B0609020204030204" pitchFamily="49" charset="0"/>
+              </a:rPr>
+            </a:br>
+            <a:r>
+              <a:rPr kumimoji="0" lang="ru-RU" altLang="ru-RU" sz="3200" b="0" i="0" u="none" strike="noStrike" cap="none" normalizeH="0" baseline="0" dirty="0">
+                <a:ln>
+                  <a:noFill/>
+                </a:ln>
+                <a:solidFill>
+                  <a:schemeClr val="accent3"/>
+                </a:solidFill>
+                <a:effectLst/>
+                <a:latin typeface="Consolas" panose="020B0609020204030204" pitchFamily="49" charset="0"/>
+              </a:rPr>
+              <a:t>Console</a:t>
+            </a:r>
+            <a:r>
+              <a:rPr kumimoji="0" lang="ru-RU" altLang="ru-RU" sz="3200" b="0" i="0" u="none" strike="noStrike" cap="none" normalizeH="0" baseline="0" dirty="0">
+                <a:ln>
+                  <a:noFill/>
+                </a:ln>
+                <a:solidFill>
+                  <a:schemeClr val="tx1"/>
+                </a:solidFill>
+                <a:effectLst/>
+                <a:latin typeface="Consolas" panose="020B0609020204030204" pitchFamily="49" charset="0"/>
+              </a:rPr>
+              <a:t>.WriteLine(s); </a:t>
+            </a:r>
+          </a:p>
+        </p:txBody>
+      </p:sp>
     </p:spTree>
     <p:extLst>
       <p:ext uri="{BB962C8B-B14F-4D97-AF65-F5344CB8AC3E}">
@@ -21013,7 +25848,10 @@
           <a:bodyPr/>
           <a:lstStyle/>
           <a:p>
-            <a:endParaRPr lang="ru-RU" dirty="0"/>
+            <a:r>
+              <a:rPr lang="ru-RU" dirty="0"/>
+              <a:t>Задание 6</a:t>
+            </a:r>
           </a:p>
         </p:txBody>
       </p:sp>
@@ -21072,6 +25910,18 @@
                 <a:tab pos="9305925" algn="l"/>
               </a:tabLst>
             </a:pPr>
+            <a:r>
+              <a:rPr lang="ru-RU" sz="2400" dirty="0"/>
+              <a:t>	Дана строка, содержащая пробелы. Найдите, сколько в ней </a:t>
+            </a:r>
+            <a:r>
+              <a:rPr lang="ru-RU" sz="2400" b="1" dirty="0"/>
+              <a:t>слов</a:t>
+            </a:r>
+            <a:r>
+              <a:rPr lang="ru-RU" sz="2400" dirty="0"/>
+              <a:t>. </a:t>
+            </a:r>
             <a:endParaRPr lang="ru-RU" altLang="ru-RU" sz="2400" dirty="0">
               <a:latin typeface="Arial" panose="020B0604020202020204" pitchFamily="34" charset="0"/>
             </a:endParaRPr>
@@ -21201,7 +26051,10 @@
           <a:bodyPr/>
           <a:lstStyle/>
           <a:p>
-            <a:endParaRPr lang="ru-RU" dirty="0"/>
+            <a:r>
+              <a:rPr lang="ru-RU" dirty="0"/>
+              <a:t>Задание 7</a:t>
+            </a:r>
           </a:p>
         </p:txBody>
       </p:sp>
@@ -21260,6 +26113,26 @@
                 <a:tab pos="9305925" algn="l"/>
               </a:tabLst>
             </a:pPr>
+            <a:r>
+              <a:rPr lang="en-US" sz="2400" dirty="0"/>
+              <a:t>	</a:t>
+            </a:r>
+            <a:r>
+              <a:rPr lang="ru-RU" sz="2400" dirty="0"/>
+              <a:t>Дана строка. Удалите </a:t>
+            </a:r>
+            <a:r>
+              <a:rPr lang="en-US" sz="2400" b="1" i="1" dirty="0"/>
+              <a:t>n</a:t>
+            </a:r>
+            <a:r>
+              <a:rPr lang="ru-RU" sz="2400" b="1" dirty="0"/>
+              <a:t>-ый </a:t>
+            </a:r>
+            <a:r>
+              <a:rPr lang="ru-RU" sz="2400" dirty="0"/>
+              <a:t>символ в ней.</a:t>
+            </a:r>
             <a:endParaRPr lang="ru-RU" altLang="ru-RU" sz="2400" dirty="0">
               <a:latin typeface="Arial" panose="020B0604020202020204" pitchFamily="34" charset="0"/>
             </a:endParaRPr>
@@ -21389,7 +26262,10 @@
           <a:bodyPr/>
           <a:lstStyle/>
           <a:p>
-            <a:endParaRPr lang="ru-RU" dirty="0"/>
+            <a:r>
+              <a:rPr lang="ru-RU" dirty="0"/>
+              <a:t>Задание 8</a:t>
+            </a:r>
           </a:p>
         </p:txBody>
       </p:sp>
@@ -21448,6 +26324,22 @@
                 <a:tab pos="9305925" algn="l"/>
               </a:tabLst>
             </a:pPr>
+            <a:r>
+              <a:rPr lang="en-US" sz="2400" dirty="0"/>
+              <a:t>	</a:t>
+            </a:r>
+            <a:r>
+              <a:rPr lang="ru-RU" sz="2400" dirty="0"/>
+              <a:t>Дана строка. Найдите </a:t>
+            </a:r>
+            <a:r>
+              <a:rPr lang="ru-RU" sz="2400" b="1" dirty="0"/>
+              <a:t>перевернутую</a:t>
+            </a:r>
+            <a:r>
+              <a:rPr lang="ru-RU" sz="2400" dirty="0"/>
+              <a:t> ей строку.</a:t>
+            </a:r>
             <a:endParaRPr lang="ru-RU" altLang="ru-RU" sz="2400" dirty="0">
               <a:latin typeface="Arial" panose="020B0604020202020204" pitchFamily="34" charset="0"/>
             </a:endParaRPr>
@@ -21577,7 +26469,10 @@
           <a:bodyPr/>
           <a:lstStyle/>
           <a:p>
-            <a:endParaRPr lang="ru-RU" dirty="0"/>
+            <a:r>
+              <a:rPr lang="ru-RU" dirty="0"/>
+              <a:t>Задание 9</a:t>
+            </a:r>
           </a:p>
         </p:txBody>
       </p:sp>
@@ -21636,6 +26531,34 @@
                 <a:tab pos="9305925" algn="l"/>
               </a:tabLst>
             </a:pPr>
+            <a:r>
+              <a:rPr lang="ru-RU" sz="2400" dirty="0"/>
+              <a:t>	Дана строка. Определите, какой символ в ней встречается раньше: ‘</a:t>
+            </a:r>
+            <a:r>
+              <a:rPr lang="en-US" sz="2400" b="1" dirty="0"/>
+              <a:t>a</a:t>
+            </a:r>
+            <a:r>
+              <a:rPr lang="ru-RU" sz="2400" dirty="0"/>
+              <a:t>' или ‘</a:t>
+            </a:r>
+            <a:r>
+              <a:rPr lang="en-US" sz="2400" b="1" dirty="0"/>
+              <a:t>b</a:t>
+            </a:r>
+            <a:r>
+              <a:rPr lang="ru-RU" sz="2400" dirty="0"/>
+              <a:t>'. Если таких символов нет, вывести "</a:t>
+            </a:r>
+            <a:r>
+              <a:rPr lang="ru-RU" sz="2400" b="1" dirty="0"/>
+              <a:t>-1</a:t>
+            </a:r>
+            <a:r>
+              <a:rPr lang="ru-RU" sz="2400" dirty="0"/>
+              <a:t>". </a:t>
+            </a:r>
             <a:endParaRPr lang="ru-RU" altLang="ru-RU" sz="2400" dirty="0">
               <a:latin typeface="Arial" panose="020B0604020202020204" pitchFamily="34" charset="0"/>
             </a:endParaRPr>
@@ -21765,6 +26688,14 @@
           <a:bodyPr/>
           <a:lstStyle/>
           <a:p>
+            <a:r>
+              <a:rPr lang="ru-RU" dirty="0"/>
+              <a:t>Задание</a:t>
+            </a:r>
+            <a:r>
+              <a:rPr lang="en-US" dirty="0"/>
+              <a:t> 10</a:t>
+            </a:r>
             <a:endParaRPr lang="ru-RU" dirty="0"/>
           </a:p>
         </p:txBody>
@@ -21824,6 +26755,22 @@
                 <a:tab pos="9305925" algn="l"/>
               </a:tabLst>
             </a:pPr>
+            <a:r>
+              <a:rPr lang="en-US" sz="2400" dirty="0"/>
+              <a:t>	</a:t>
+            </a:r>
+            <a:r>
+              <a:rPr lang="ru-RU" sz="2400" dirty="0"/>
+              <a:t>Определить, является ли введенное слово </a:t>
+            </a:r>
+            <a:r>
+              <a:rPr lang="ru-RU" sz="2400" b="1" dirty="0"/>
+              <a:t>идентификатором</a:t>
+            </a:r>
+            <a:r>
+              <a:rPr lang="ru-RU" sz="2400" dirty="0"/>
+              <a:t>.</a:t>
+            </a:r>
             <a:endParaRPr lang="ru-RU" altLang="ru-RU" sz="2400" dirty="0">
               <a:latin typeface="Arial" panose="020B0604020202020204" pitchFamily="34" charset="0"/>
             </a:endParaRPr>
@@ -21953,7 +26900,10 @@
           <a:bodyPr/>
           <a:lstStyle/>
           <a:p>
-            <a:endParaRPr lang="ru-RU" dirty="0"/>
+            <a:r>
+              <a:rPr lang="ru-RU" dirty="0"/>
+              <a:t>Задание 11</a:t>
+            </a:r>
           </a:p>
         </p:txBody>
       </p:sp>
@@ -22012,6 +26962,18 @@
                 <a:tab pos="9305925" algn="l"/>
               </a:tabLst>
             </a:pPr>
+            <a:r>
+              <a:rPr lang="ru-RU" sz="2400" dirty="0"/>
+              <a:t>	По данной строке определите, является ли она </a:t>
+            </a:r>
+            <a:r>
+              <a:rPr lang="ru-RU" sz="2400" b="1" dirty="0"/>
+              <a:t>палиндромом</a:t>
+            </a:r>
+            <a:r>
+              <a:rPr lang="ru-RU" sz="2400" dirty="0"/>
+              <a:t>?</a:t>
+            </a:r>
             <a:endParaRPr lang="ru-RU" altLang="ru-RU" sz="2400" dirty="0">
               <a:latin typeface="Arial" panose="020B0604020202020204" pitchFamily="34" charset="0"/>
             </a:endParaRPr>
@@ -23061,7 +28023,10 @@
           <a:bodyPr/>
           <a:lstStyle/>
           <a:p>
-            <a:endParaRPr lang="ru-RU" dirty="0"/>
+            <a:r>
+              <a:rPr lang="ru-RU" dirty="0"/>
+              <a:t>Задание 12</a:t>
+            </a:r>
           </a:p>
         </p:txBody>
       </p:sp>
@@ -23120,6 +28085,10 @@
                 <a:tab pos="9305925" algn="l"/>
               </a:tabLst>
             </a:pPr>
+            <a:r>
+              <a:rPr lang="ru-RU" sz="2400" dirty="0"/>
+              <a:t>	Вводится ненормированная строка, у которой могут быть пробелы в начале, в конце и между словами более одного пробела. Привести ее к нормированному виду, т.е. удалить все пробелы в начале и конце, а между словами оставить только один пробел. </a:t>
+            </a:r>
             <a:endParaRPr lang="ru-RU" altLang="ru-RU" sz="2400" dirty="0">
               <a:latin typeface="Arial" panose="020B0604020202020204" pitchFamily="34" charset="0"/>
             </a:endParaRPr>
@@ -23249,7 +28218,10 @@
           <a:bodyPr/>
           <a:lstStyle/>
           <a:p>
-            <a:endParaRPr lang="ru-RU" dirty="0"/>
+            <a:r>
+              <a:rPr lang="ru-RU" dirty="0"/>
+              <a:t>Задание 13</a:t>
+            </a:r>
           </a:p>
         </p:txBody>
       </p:sp>
@@ -23308,6 +28280,18 @@
                 <a:tab pos="9305925" algn="l"/>
               </a:tabLst>
             </a:pPr>
+            <a:r>
+              <a:rPr lang="ru-RU" sz="2400" dirty="0"/>
+              <a:t>	Дана строка. Известно, что она содержит </a:t>
+            </a:r>
+            <a:r>
+              <a:rPr lang="ru-RU" sz="2400" b="1" dirty="0"/>
+              <a:t>ровно две</a:t>
+            </a:r>
+            <a:r>
+              <a:rPr lang="ru-RU" sz="2400" dirty="0"/>
+              <a:t> одинаковые буквы. Найдите эти буквы.</a:t>
+            </a:r>
             <a:endParaRPr lang="ru-RU" altLang="ru-RU" sz="2400" dirty="0">
               <a:latin typeface="Arial" panose="020B0604020202020204" pitchFamily="34" charset="0"/>
             </a:endParaRPr>
@@ -23418,96 +28402,58 @@
       </p:grpSpPr>
       <p:sp>
         <p:nvSpPr>
-          <p:cNvPr id="4" name="Заголовок 3">
-            <a:extLst>
-              <a:ext uri="{FF2B5EF4-FFF2-40B4-BE49-F238E27FC236}">
-                <a16:creationId xmlns:a16="http://schemas.microsoft.com/office/drawing/2014/main" id="{E67F6D79-893B-4791-9BCE-37C4B36654B3}"/>
-              </a:ext>
-            </a:extLst>
-          </p:cNvPr>
+          <p:cNvPr id="2" name="Заголовок 1"/>
           <p:cNvSpPr>
             <a:spLocks noGrp="1"/>
           </p:cNvSpPr>
           <p:nvPr>
-            <p:ph type="title"/>
+            <p:ph type="ctrTitle"/>
           </p:nvPr>
         </p:nvSpPr>
         <p:spPr/>
         <p:txBody>
-          <a:bodyPr/>
+          <a:bodyPr rtlCol="0"/>
           <a:lstStyle/>
           <a:p>
+            <a:pPr rtl="0"/>
+            <a:r>
+              <a:rPr lang="en-US" dirty="0"/>
+              <a:t> </a:t>
+            </a:r>
             <a:endParaRPr lang="ru-RU" dirty="0"/>
           </a:p>
         </p:txBody>
       </p:sp>
       <p:sp>
         <p:nvSpPr>
-          <p:cNvPr id="7" name="Объект 6">
-            <a:extLst>
-              <a:ext uri="{FF2B5EF4-FFF2-40B4-BE49-F238E27FC236}">
-                <a16:creationId xmlns:a16="http://schemas.microsoft.com/office/drawing/2014/main" id="{ED9B45B7-0AA6-4CF5-B709-176069E72FC7}"/>
-              </a:ext>
-            </a:extLst>
-          </p:cNvPr>
+          <p:cNvPr id="3" name="Подзаголовок 2"/>
           <p:cNvSpPr>
             <a:spLocks noGrp="1"/>
           </p:cNvSpPr>
           <p:nvPr>
-            <p:ph idx="1"/>
+            <p:ph type="subTitle" idx="1"/>
           </p:nvPr>
         </p:nvSpPr>
         <p:spPr/>
         <p:txBody>
-          <a:bodyPr>
-            <a:normAutofit/>
-          </a:bodyPr>
+          <a:bodyPr rtlCol="0"/>
           <a:lstStyle/>
           <a:p>
-            <a:pPr marL="0" lvl="0" indent="0" eaLnBrk="0" fontAlgn="base" hangingPunct="0">
-              <a:lnSpc>
-                <a:spcPct val="100000"/>
-              </a:lnSpc>
-              <a:spcBef>
-                <a:spcPct val="0"/>
-              </a:spcBef>
-              <a:spcAft>
-                <a:spcPct val="0"/>
-              </a:spcAft>
-              <a:buClrTx/>
-              <a:buSzTx/>
-              <a:buNone/>
-              <a:tabLst>
-                <a:tab pos="581025" algn="l"/>
-                <a:tab pos="1163638" algn="l"/>
-                <a:tab pos="1744663" algn="l"/>
-                <a:tab pos="2327275" algn="l"/>
-                <a:tab pos="2908300" algn="l"/>
-                <a:tab pos="3489325" algn="l"/>
-                <a:tab pos="4071938" algn="l"/>
-                <a:tab pos="4652963" algn="l"/>
-                <a:tab pos="5235575" algn="l"/>
-                <a:tab pos="5816600" algn="l"/>
-                <a:tab pos="6397625" algn="l"/>
-                <a:tab pos="6980238" algn="l"/>
-                <a:tab pos="7561263" algn="l"/>
-                <a:tab pos="8143875" algn="l"/>
-                <a:tab pos="8724900" algn="l"/>
-                <a:tab pos="9305925" algn="l"/>
-              </a:tabLst>
-            </a:pPr>
-            <a:endParaRPr lang="ru-RU" altLang="ru-RU" sz="2400" dirty="0">
-              <a:latin typeface="Arial" panose="020B0604020202020204" pitchFamily="34" charset="0"/>
-            </a:endParaRPr>
+            <a:pPr rtl="0"/>
+            <a:r>
+              <a:rPr lang="en-US" dirty="0"/>
+              <a:t> </a:t>
+            </a:r>
+            <a:endParaRPr lang="ru-RU" dirty="0"/>
           </a:p>
         </p:txBody>
       </p:sp>
       <p:pic>
         <p:nvPicPr>
-          <p:cNvPr id="9" name="Рисунок 8">
+          <p:cNvPr id="5" name="Рисунок 4">
             <a:extLst>
               <a:ext uri="{FF2B5EF4-FFF2-40B4-BE49-F238E27FC236}">
-                <a16:creationId xmlns:a16="http://schemas.microsoft.com/office/drawing/2014/main" id="{13963616-4877-40DE-99E0-6558F466AD85}"/>
+                <a16:creationId xmlns:a16="http://schemas.microsoft.com/office/drawing/2014/main" id="{CC6BAC89-9426-42AD-8056-C75ADBF70B28}"/>
               </a:ext>
             </a:extLst>
           </p:cNvPr>
@@ -23524,8 +28470,8 @@
         </p:blipFill>
         <p:spPr>
           <a:xfrm>
-            <a:off x="10354287" y="6202829"/>
-            <a:ext cx="621615" cy="621615"/>
+            <a:off x="5355431" y="5393294"/>
+            <a:ext cx="1481137" cy="1481137"/>
           </a:xfrm>
           <a:prstGeom prst="rect">
             <a:avLst/>
@@ -23534,10 +28480,10 @@
       </p:pic>
       <p:pic>
         <p:nvPicPr>
-          <p:cNvPr id="6" name="Рисунок 2">
+          <p:cNvPr id="7" name="Рисунок 4">
             <a:extLst>
               <a:ext uri="{FF2B5EF4-FFF2-40B4-BE49-F238E27FC236}">
-                <a16:creationId xmlns:a16="http://schemas.microsoft.com/office/drawing/2014/main" id="{15DFA396-B3D7-4EDB-8236-F8CAFC0D5CE7}"/>
+                <a16:creationId xmlns:a16="http://schemas.microsoft.com/office/drawing/2014/main" id="{62BE7508-5A54-40E0-910E-ED4C8C957334}"/>
               </a:ext>
             </a:extLst>
           </p:cNvPr>
@@ -23554,8 +28500,38 @@
         </p:blipFill>
         <p:spPr>
           <a:xfrm>
-            <a:off x="9823507" y="4835547"/>
-            <a:ext cx="1778397" cy="1330543"/>
+            <a:off x="6387292" y="1909345"/>
+            <a:ext cx="4510863" cy="3374892"/>
+          </a:xfrm>
+          <a:prstGeom prst="rect">
+            <a:avLst/>
+          </a:prstGeom>
+        </p:spPr>
+      </p:pic>
+      <p:pic>
+        <p:nvPicPr>
+          <p:cNvPr id="8" name="Рисунок 6">
+            <a:extLst>
+              <a:ext uri="{FF2B5EF4-FFF2-40B4-BE49-F238E27FC236}">
+                <a16:creationId xmlns:a16="http://schemas.microsoft.com/office/drawing/2014/main" id="{2D75C559-FFC8-4BF1-A2B5-AD13AEDD7463}"/>
+              </a:ext>
+            </a:extLst>
+          </p:cNvPr>
+          <p:cNvPicPr>
+            <a:picLocks noChangeAspect="1"/>
+          </p:cNvPicPr>
+          <p:nvPr/>
+        </p:nvPicPr>
+        <p:blipFill>
+          <a:blip r:embed="rId5"/>
+          <a:stretch>
+            <a:fillRect/>
+          </a:stretch>
+        </p:blipFill>
+        <p:spPr>
+          <a:xfrm>
+            <a:off x="1293844" y="2993138"/>
+            <a:ext cx="5093447" cy="2282710"/>
           </a:xfrm>
           <a:prstGeom prst="rect">
             <a:avLst/>
@@ -23565,383 +28541,7 @@
     </p:spTree>
     <p:extLst>
       <p:ext uri="{BB962C8B-B14F-4D97-AF65-F5344CB8AC3E}">
-        <p14:creationId xmlns:p14="http://schemas.microsoft.com/office/powerpoint/2010/main" val="964699601"/>
-      </p:ext>
-    </p:extLst>
-  </p:cSld>
-  <p:clrMapOvr>
-    <a:masterClrMapping/>
-  </p:clrMapOvr>
-  <mc:AlternateContent xmlns:mc="http://schemas.openxmlformats.org/markup-compatibility/2006" xmlns:p14="http://schemas.microsoft.com/office/powerpoint/2010/main">
-    <mc:Choice Requires="p14">
-      <p:transition spd="med" p14:dur="700">
-        <p:fade/>
-      </p:transition>
-    </mc:Choice>
-    <mc:Fallback xmlns="">
-      <p:transition spd="med">
-        <p:fade/>
-      </p:transition>
-    </mc:Fallback>
-  </mc:AlternateContent>
-</p:sld>
-</file>
-
-<file path=ppt/slides/slide33.xml><?xml version="1.0" encoding="utf-8"?>
-<p:sld xmlns:a="http://schemas.openxmlformats.org/drawingml/2006/main" xmlns:r="http://schemas.openxmlformats.org/officeDocument/2006/relationships" xmlns:p="http://schemas.openxmlformats.org/presentationml/2006/main">
-  <p:cSld>
-    <p:spTree>
-      <p:nvGrpSpPr>
-        <p:cNvPr id="1" name=""/>
-        <p:cNvGrpSpPr/>
-        <p:nvPr/>
-      </p:nvGrpSpPr>
-      <p:grpSpPr>
-        <a:xfrm>
-          <a:off x="0" y="0"/>
-          <a:ext cx="0" cy="0"/>
-          <a:chOff x="0" y="0"/>
-          <a:chExt cx="0" cy="0"/>
-        </a:xfrm>
-      </p:grpSpPr>
-      <p:sp>
-        <p:nvSpPr>
-          <p:cNvPr id="4" name="Заголовок 3">
-            <a:extLst>
-              <a:ext uri="{FF2B5EF4-FFF2-40B4-BE49-F238E27FC236}">
-                <a16:creationId xmlns:a16="http://schemas.microsoft.com/office/drawing/2014/main" id="{E67F6D79-893B-4791-9BCE-37C4B36654B3}"/>
-              </a:ext>
-            </a:extLst>
-          </p:cNvPr>
-          <p:cNvSpPr>
-            <a:spLocks noGrp="1"/>
-          </p:cNvSpPr>
-          <p:nvPr>
-            <p:ph type="title"/>
-          </p:nvPr>
-        </p:nvSpPr>
-        <p:spPr/>
-        <p:txBody>
-          <a:bodyPr/>
-          <a:lstStyle/>
-          <a:p>
-            <a:endParaRPr lang="ru-RU" dirty="0"/>
-          </a:p>
-        </p:txBody>
-      </p:sp>
-      <p:sp>
-        <p:nvSpPr>
-          <p:cNvPr id="7" name="Объект 6">
-            <a:extLst>
-              <a:ext uri="{FF2B5EF4-FFF2-40B4-BE49-F238E27FC236}">
-                <a16:creationId xmlns:a16="http://schemas.microsoft.com/office/drawing/2014/main" id="{ED9B45B7-0AA6-4CF5-B709-176069E72FC7}"/>
-              </a:ext>
-            </a:extLst>
-          </p:cNvPr>
-          <p:cNvSpPr>
-            <a:spLocks noGrp="1"/>
-          </p:cNvSpPr>
-          <p:nvPr>
-            <p:ph idx="1"/>
-          </p:nvPr>
-        </p:nvSpPr>
-        <p:spPr/>
-        <p:txBody>
-          <a:bodyPr>
-            <a:normAutofit/>
-          </a:bodyPr>
-          <a:lstStyle/>
-          <a:p>
-            <a:pPr marL="0" lvl="0" indent="0" eaLnBrk="0" fontAlgn="base" hangingPunct="0">
-              <a:lnSpc>
-                <a:spcPct val="100000"/>
-              </a:lnSpc>
-              <a:spcBef>
-                <a:spcPct val="0"/>
-              </a:spcBef>
-              <a:spcAft>
-                <a:spcPct val="0"/>
-              </a:spcAft>
-              <a:buClrTx/>
-              <a:buSzTx/>
-              <a:buNone/>
-              <a:tabLst>
-                <a:tab pos="581025" algn="l"/>
-                <a:tab pos="1163638" algn="l"/>
-                <a:tab pos="1744663" algn="l"/>
-                <a:tab pos="2327275" algn="l"/>
-                <a:tab pos="2908300" algn="l"/>
-                <a:tab pos="3489325" algn="l"/>
-                <a:tab pos="4071938" algn="l"/>
-                <a:tab pos="4652963" algn="l"/>
-                <a:tab pos="5235575" algn="l"/>
-                <a:tab pos="5816600" algn="l"/>
-                <a:tab pos="6397625" algn="l"/>
-                <a:tab pos="6980238" algn="l"/>
-                <a:tab pos="7561263" algn="l"/>
-                <a:tab pos="8143875" algn="l"/>
-                <a:tab pos="8724900" algn="l"/>
-                <a:tab pos="9305925" algn="l"/>
-              </a:tabLst>
-            </a:pPr>
-            <a:endParaRPr lang="ru-RU" altLang="ru-RU" sz="2400" dirty="0">
-              <a:latin typeface="Arial" panose="020B0604020202020204" pitchFamily="34" charset="0"/>
-            </a:endParaRPr>
-          </a:p>
-        </p:txBody>
-      </p:sp>
-      <p:pic>
-        <p:nvPicPr>
-          <p:cNvPr id="9" name="Рисунок 8">
-            <a:extLst>
-              <a:ext uri="{FF2B5EF4-FFF2-40B4-BE49-F238E27FC236}">
-                <a16:creationId xmlns:a16="http://schemas.microsoft.com/office/drawing/2014/main" id="{13963616-4877-40DE-99E0-6558F466AD85}"/>
-              </a:ext>
-            </a:extLst>
-          </p:cNvPr>
-          <p:cNvPicPr>
-            <a:picLocks noChangeAspect="1"/>
-          </p:cNvPicPr>
-          <p:nvPr/>
-        </p:nvPicPr>
-        <p:blipFill>
-          <a:blip r:embed="rId3"/>
-          <a:stretch>
-            <a:fillRect/>
-          </a:stretch>
-        </p:blipFill>
-        <p:spPr>
-          <a:xfrm>
-            <a:off x="10354287" y="6202829"/>
-            <a:ext cx="621615" cy="621615"/>
-          </a:xfrm>
-          <a:prstGeom prst="rect">
-            <a:avLst/>
-          </a:prstGeom>
-        </p:spPr>
-      </p:pic>
-      <p:pic>
-        <p:nvPicPr>
-          <p:cNvPr id="6" name="Рисунок 2">
-            <a:extLst>
-              <a:ext uri="{FF2B5EF4-FFF2-40B4-BE49-F238E27FC236}">
-                <a16:creationId xmlns:a16="http://schemas.microsoft.com/office/drawing/2014/main" id="{15DFA396-B3D7-4EDB-8236-F8CAFC0D5CE7}"/>
-              </a:ext>
-            </a:extLst>
-          </p:cNvPr>
-          <p:cNvPicPr>
-            <a:picLocks noChangeAspect="1"/>
-          </p:cNvPicPr>
-          <p:nvPr/>
-        </p:nvPicPr>
-        <p:blipFill>
-          <a:blip r:embed="rId4"/>
-          <a:stretch>
-            <a:fillRect/>
-          </a:stretch>
-        </p:blipFill>
-        <p:spPr>
-          <a:xfrm>
-            <a:off x="9823507" y="4835547"/>
-            <a:ext cx="1778397" cy="1330543"/>
-          </a:xfrm>
-          <a:prstGeom prst="rect">
-            <a:avLst/>
-          </a:prstGeom>
-        </p:spPr>
-      </p:pic>
-    </p:spTree>
-    <p:extLst>
-      <p:ext uri="{BB962C8B-B14F-4D97-AF65-F5344CB8AC3E}">
-        <p14:creationId xmlns:p14="http://schemas.microsoft.com/office/powerpoint/2010/main" val="2395962145"/>
-      </p:ext>
-    </p:extLst>
-  </p:cSld>
-  <p:clrMapOvr>
-    <a:masterClrMapping/>
-  </p:clrMapOvr>
-  <mc:AlternateContent xmlns:mc="http://schemas.openxmlformats.org/markup-compatibility/2006" xmlns:p14="http://schemas.microsoft.com/office/powerpoint/2010/main">
-    <mc:Choice Requires="p14">
-      <p:transition spd="med" p14:dur="700">
-        <p:fade/>
-      </p:transition>
-    </mc:Choice>
-    <mc:Fallback xmlns="">
-      <p:transition spd="med">
-        <p:fade/>
-      </p:transition>
-    </mc:Fallback>
-  </mc:AlternateContent>
-</p:sld>
-</file>
-
-<file path=ppt/slides/slide34.xml><?xml version="1.0" encoding="utf-8"?>
-<p:sld xmlns:a="http://schemas.openxmlformats.org/drawingml/2006/main" xmlns:r="http://schemas.openxmlformats.org/officeDocument/2006/relationships" xmlns:p="http://schemas.openxmlformats.org/presentationml/2006/main">
-  <p:cSld>
-    <p:spTree>
-      <p:nvGrpSpPr>
-        <p:cNvPr id="1" name=""/>
-        <p:cNvGrpSpPr/>
-        <p:nvPr/>
-      </p:nvGrpSpPr>
-      <p:grpSpPr>
-        <a:xfrm>
-          <a:off x="0" y="0"/>
-          <a:ext cx="0" cy="0"/>
-          <a:chOff x="0" y="0"/>
-          <a:chExt cx="0" cy="0"/>
-        </a:xfrm>
-      </p:grpSpPr>
-      <p:sp>
-        <p:nvSpPr>
-          <p:cNvPr id="4" name="Заголовок 3">
-            <a:extLst>
-              <a:ext uri="{FF2B5EF4-FFF2-40B4-BE49-F238E27FC236}">
-                <a16:creationId xmlns:a16="http://schemas.microsoft.com/office/drawing/2014/main" id="{E67F6D79-893B-4791-9BCE-37C4B36654B3}"/>
-              </a:ext>
-            </a:extLst>
-          </p:cNvPr>
-          <p:cNvSpPr>
-            <a:spLocks noGrp="1"/>
-          </p:cNvSpPr>
-          <p:nvPr>
-            <p:ph type="title"/>
-          </p:nvPr>
-        </p:nvSpPr>
-        <p:spPr/>
-        <p:txBody>
-          <a:bodyPr/>
-          <a:lstStyle/>
-          <a:p>
-            <a:endParaRPr lang="ru-RU" dirty="0"/>
-          </a:p>
-        </p:txBody>
-      </p:sp>
-      <p:sp>
-        <p:nvSpPr>
-          <p:cNvPr id="7" name="Объект 6">
-            <a:extLst>
-              <a:ext uri="{FF2B5EF4-FFF2-40B4-BE49-F238E27FC236}">
-                <a16:creationId xmlns:a16="http://schemas.microsoft.com/office/drawing/2014/main" id="{ED9B45B7-0AA6-4CF5-B709-176069E72FC7}"/>
-              </a:ext>
-            </a:extLst>
-          </p:cNvPr>
-          <p:cNvSpPr>
-            <a:spLocks noGrp="1"/>
-          </p:cNvSpPr>
-          <p:nvPr>
-            <p:ph idx="1"/>
-          </p:nvPr>
-        </p:nvSpPr>
-        <p:spPr/>
-        <p:txBody>
-          <a:bodyPr>
-            <a:normAutofit/>
-          </a:bodyPr>
-          <a:lstStyle/>
-          <a:p>
-            <a:pPr marL="0" lvl="0" indent="0" eaLnBrk="0" fontAlgn="base" hangingPunct="0">
-              <a:lnSpc>
-                <a:spcPct val="100000"/>
-              </a:lnSpc>
-              <a:spcBef>
-                <a:spcPct val="0"/>
-              </a:spcBef>
-              <a:spcAft>
-                <a:spcPct val="0"/>
-              </a:spcAft>
-              <a:buClrTx/>
-              <a:buSzTx/>
-              <a:buNone/>
-              <a:tabLst>
-                <a:tab pos="581025" algn="l"/>
-                <a:tab pos="1163638" algn="l"/>
-                <a:tab pos="1744663" algn="l"/>
-                <a:tab pos="2327275" algn="l"/>
-                <a:tab pos="2908300" algn="l"/>
-                <a:tab pos="3489325" algn="l"/>
-                <a:tab pos="4071938" algn="l"/>
-                <a:tab pos="4652963" algn="l"/>
-                <a:tab pos="5235575" algn="l"/>
-                <a:tab pos="5816600" algn="l"/>
-                <a:tab pos="6397625" algn="l"/>
-                <a:tab pos="6980238" algn="l"/>
-                <a:tab pos="7561263" algn="l"/>
-                <a:tab pos="8143875" algn="l"/>
-                <a:tab pos="8724900" algn="l"/>
-                <a:tab pos="9305925" algn="l"/>
-              </a:tabLst>
-            </a:pPr>
-            <a:endParaRPr lang="ru-RU" altLang="ru-RU" sz="2400" dirty="0">
-              <a:latin typeface="Arial" panose="020B0604020202020204" pitchFamily="34" charset="0"/>
-            </a:endParaRPr>
-          </a:p>
-        </p:txBody>
-      </p:sp>
-      <p:pic>
-        <p:nvPicPr>
-          <p:cNvPr id="9" name="Рисунок 8">
-            <a:extLst>
-              <a:ext uri="{FF2B5EF4-FFF2-40B4-BE49-F238E27FC236}">
-                <a16:creationId xmlns:a16="http://schemas.microsoft.com/office/drawing/2014/main" id="{13963616-4877-40DE-99E0-6558F466AD85}"/>
-              </a:ext>
-            </a:extLst>
-          </p:cNvPr>
-          <p:cNvPicPr>
-            <a:picLocks noChangeAspect="1"/>
-          </p:cNvPicPr>
-          <p:nvPr/>
-        </p:nvPicPr>
-        <p:blipFill>
-          <a:blip r:embed="rId3"/>
-          <a:stretch>
-            <a:fillRect/>
-          </a:stretch>
-        </p:blipFill>
-        <p:spPr>
-          <a:xfrm>
-            <a:off x="10354287" y="6202829"/>
-            <a:ext cx="621615" cy="621615"/>
-          </a:xfrm>
-          <a:prstGeom prst="rect">
-            <a:avLst/>
-          </a:prstGeom>
-        </p:spPr>
-      </p:pic>
-      <p:pic>
-        <p:nvPicPr>
-          <p:cNvPr id="6" name="Рисунок 2">
-            <a:extLst>
-              <a:ext uri="{FF2B5EF4-FFF2-40B4-BE49-F238E27FC236}">
-                <a16:creationId xmlns:a16="http://schemas.microsoft.com/office/drawing/2014/main" id="{15DFA396-B3D7-4EDB-8236-F8CAFC0D5CE7}"/>
-              </a:ext>
-            </a:extLst>
-          </p:cNvPr>
-          <p:cNvPicPr>
-            <a:picLocks noChangeAspect="1"/>
-          </p:cNvPicPr>
-          <p:nvPr/>
-        </p:nvPicPr>
-        <p:blipFill>
-          <a:blip r:embed="rId4"/>
-          <a:stretch>
-            <a:fillRect/>
-          </a:stretch>
-        </p:blipFill>
-        <p:spPr>
-          <a:xfrm>
-            <a:off x="9823507" y="4835547"/>
-            <a:ext cx="1778397" cy="1330543"/>
-          </a:xfrm>
-          <a:prstGeom prst="rect">
-            <a:avLst/>
-          </a:prstGeom>
-        </p:spPr>
-      </p:pic>
-    </p:spTree>
-    <p:extLst>
-      <p:ext uri="{BB962C8B-B14F-4D97-AF65-F5344CB8AC3E}">
-        <p14:creationId xmlns:p14="http://schemas.microsoft.com/office/powerpoint/2010/main" val="738227623"/>
+        <p14:creationId xmlns:p14="http://schemas.microsoft.com/office/powerpoint/2010/main" val="3664781449"/>
       </p:ext>
     </p:extLst>
   </p:cSld>
@@ -25273,7 +29873,10 @@
           <a:bodyPr/>
           <a:lstStyle/>
           <a:p>
-            <a:endParaRPr lang="ru-RU" dirty="0"/>
+            <a:r>
+              <a:rPr lang="ru-RU" dirty="0"/>
+              <a:t>Символ - буква латинского алфавита</a:t>
+            </a:r>
           </a:p>
         </p:txBody>
       </p:sp>
@@ -25300,12 +29903,231 @@
           </a:bodyPr>
           <a:lstStyle/>
           <a:p>
-            <a:pPr marL="0" lvl="0" indent="0" eaLnBrk="0" fontAlgn="base" hangingPunct="0">
+            <a:pPr marL="0" indent="0">
+              <a:spcBef>
+                <a:spcPts val="0"/>
+              </a:spcBef>
+              <a:buNone/>
+            </a:pPr>
+            <a:r>
+              <a:rPr lang="en-US" sz="2800" dirty="0">
+                <a:solidFill>
+                  <a:schemeClr val="accent5"/>
+                </a:solidFill>
+                <a:latin typeface="Consolas" panose="020B0609020204030204" pitchFamily="49" charset="0"/>
+              </a:rPr>
+              <a:t>char</a:t>
+            </a:r>
+            <a:r>
+              <a:rPr lang="en-US" sz="2800" dirty="0">
+                <a:latin typeface="Consolas" panose="020B0609020204030204" pitchFamily="49" charset="0"/>
+              </a:rPr>
+              <a:t> c =</a:t>
+            </a:r>
+            <a:r>
+              <a:rPr lang="ru-RU" sz="2800" dirty="0">
+                <a:latin typeface="Consolas" panose="020B0609020204030204" pitchFamily="49" charset="0"/>
+              </a:rPr>
+              <a:t> </a:t>
+            </a:r>
+            <a:r>
+              <a:rPr lang="en-US" sz="2800" dirty="0" err="1">
+                <a:solidFill>
+                  <a:schemeClr val="accent3"/>
+                </a:solidFill>
+                <a:latin typeface="Consolas" panose="020B0609020204030204" pitchFamily="49" charset="0"/>
+              </a:rPr>
+              <a:t>Convert</a:t>
+            </a:r>
+            <a:r>
+              <a:rPr lang="en-US" sz="2800" dirty="0" err="1">
+                <a:latin typeface="Consolas" panose="020B0609020204030204" pitchFamily="49" charset="0"/>
+              </a:rPr>
+              <a:t>.ToChar</a:t>
+            </a:r>
+            <a:r>
+              <a:rPr lang="en-US" sz="2800" dirty="0">
+                <a:latin typeface="Consolas" panose="020B0609020204030204" pitchFamily="49" charset="0"/>
+              </a:rPr>
+              <a:t>(</a:t>
+            </a:r>
+            <a:r>
+              <a:rPr lang="en-US" sz="2800" dirty="0" err="1">
+                <a:solidFill>
+                  <a:schemeClr val="accent3"/>
+                </a:solidFill>
+                <a:latin typeface="Consolas" panose="020B0609020204030204" pitchFamily="49" charset="0"/>
+              </a:rPr>
+              <a:t>Console</a:t>
+            </a:r>
+            <a:r>
+              <a:rPr lang="en-US" sz="2800" dirty="0" err="1">
+                <a:latin typeface="Consolas" panose="020B0609020204030204" pitchFamily="49" charset="0"/>
+              </a:rPr>
+              <a:t>.ReadLine</a:t>
+            </a:r>
+            <a:r>
+              <a:rPr lang="en-US" sz="2800" dirty="0">
+                <a:latin typeface="Consolas" panose="020B0609020204030204" pitchFamily="49" charset="0"/>
+              </a:rPr>
+              <a:t>());</a:t>
+            </a:r>
+            <a:endParaRPr lang="ru-RU" sz="2800" dirty="0">
+              <a:latin typeface="Consolas" panose="020B0609020204030204" pitchFamily="49" charset="0"/>
+            </a:endParaRPr>
+          </a:p>
+          <a:p>
+            <a:pPr marL="0" indent="0">
+              <a:spcBef>
+                <a:spcPts val="0"/>
+              </a:spcBef>
+              <a:buNone/>
+            </a:pPr>
+            <a:br>
+              <a:rPr lang="en-US" sz="2800" dirty="0">
+                <a:latin typeface="Consolas" panose="020B0609020204030204" pitchFamily="49" charset="0"/>
+              </a:rPr>
+            </a:br>
+            <a:r>
+              <a:rPr lang="en-US" sz="2800" dirty="0">
+                <a:solidFill>
+                  <a:schemeClr val="accent3"/>
+                </a:solidFill>
+                <a:latin typeface="Consolas" panose="020B0609020204030204" pitchFamily="49" charset="0"/>
+              </a:rPr>
+              <a:t>if</a:t>
+            </a:r>
+            <a:r>
+              <a:rPr lang="en-US" sz="2800" dirty="0">
+                <a:latin typeface="Consolas" panose="020B0609020204030204" pitchFamily="49" charset="0"/>
+              </a:rPr>
+              <a:t> (c &gt;= </a:t>
+            </a:r>
+            <a:r>
+              <a:rPr lang="en-US" sz="2800" dirty="0">
+                <a:solidFill>
+                  <a:schemeClr val="accent1"/>
+                </a:solidFill>
+                <a:latin typeface="Consolas" panose="020B0609020204030204" pitchFamily="49" charset="0"/>
+              </a:rPr>
+              <a:t>'A'</a:t>
+            </a:r>
+            <a:r>
+              <a:rPr lang="en-US" sz="2800" dirty="0">
+                <a:latin typeface="Consolas" panose="020B0609020204030204" pitchFamily="49" charset="0"/>
+              </a:rPr>
+              <a:t> &amp;&amp; c &lt;= </a:t>
+            </a:r>
+            <a:r>
+              <a:rPr lang="en-US" sz="2800" dirty="0">
+                <a:solidFill>
+                  <a:schemeClr val="accent1"/>
+                </a:solidFill>
+                <a:latin typeface="Consolas" panose="020B0609020204030204" pitchFamily="49" charset="0"/>
+              </a:rPr>
+              <a:t>'Z'</a:t>
+            </a:r>
+            <a:r>
+              <a:rPr lang="en-US" sz="2800" dirty="0">
+                <a:latin typeface="Consolas" panose="020B0609020204030204" pitchFamily="49" charset="0"/>
+              </a:rPr>
+              <a:t>) </a:t>
+            </a:r>
+            <a:endParaRPr lang="ru-RU" sz="2800" dirty="0">
+              <a:latin typeface="Consolas" panose="020B0609020204030204" pitchFamily="49" charset="0"/>
+            </a:endParaRPr>
+          </a:p>
+          <a:p>
+            <a:pPr marL="0" indent="0">
+              <a:spcBef>
+                <a:spcPts val="0"/>
+              </a:spcBef>
+              <a:buNone/>
+            </a:pPr>
+            <a:r>
+              <a:rPr lang="ru-RU" sz="2800" dirty="0">
+                <a:latin typeface="Consolas" panose="020B0609020204030204" pitchFamily="49" charset="0"/>
+              </a:rPr>
+              <a:t>{</a:t>
+            </a:r>
+          </a:p>
+          <a:p>
+            <a:pPr marL="0" indent="0">
+              <a:spcBef>
+                <a:spcPts val="0"/>
+              </a:spcBef>
+              <a:buNone/>
+            </a:pPr>
+            <a:r>
+              <a:rPr lang="ru-RU" sz="2800" dirty="0">
+                <a:latin typeface="Consolas" panose="020B0609020204030204" pitchFamily="49" charset="0"/>
+              </a:rPr>
+              <a:t>   </a:t>
+            </a:r>
+            <a:r>
+              <a:rPr lang="en-US" sz="2800" dirty="0">
+                <a:solidFill>
+                  <a:schemeClr val="accent3"/>
+                </a:solidFill>
+                <a:latin typeface="Consolas" panose="020B0609020204030204" pitchFamily="49" charset="0"/>
+              </a:rPr>
+              <a:t>Console</a:t>
+            </a:r>
+            <a:r>
+              <a:rPr lang="ru-RU" sz="2800" dirty="0">
+                <a:latin typeface="Consolas" panose="020B0609020204030204" pitchFamily="49" charset="0"/>
+              </a:rPr>
+              <a:t>.</a:t>
+            </a:r>
+            <a:r>
+              <a:rPr lang="en-US" sz="2800" dirty="0">
+                <a:latin typeface="Consolas" panose="020B0609020204030204" pitchFamily="49" charset="0"/>
+              </a:rPr>
+              <a:t>WriteLine</a:t>
+            </a:r>
+            <a:r>
+              <a:rPr lang="ru-RU" sz="2800" dirty="0">
+                <a:latin typeface="Consolas" panose="020B0609020204030204" pitchFamily="49" charset="0"/>
+              </a:rPr>
+              <a:t>(</a:t>
+            </a:r>
+            <a:r>
+              <a:rPr lang="ru-RU" sz="2800" dirty="0">
+                <a:solidFill>
+                  <a:schemeClr val="accent1"/>
+                </a:solidFill>
+                <a:latin typeface="Consolas" panose="020B0609020204030204" pitchFamily="49" charset="0"/>
+              </a:rPr>
+              <a:t>"Заглавная буква английского алфавита"</a:t>
+            </a:r>
+            <a:r>
+              <a:rPr lang="ru-RU" sz="2800" dirty="0">
+                <a:latin typeface="Consolas" panose="020B0609020204030204" pitchFamily="49" charset="0"/>
+              </a:rPr>
+              <a:t>);</a:t>
+            </a:r>
+          </a:p>
+          <a:p>
+            <a:pPr marL="0" indent="0">
+              <a:spcBef>
+                <a:spcPts val="0"/>
+              </a:spcBef>
+              <a:buNone/>
+            </a:pPr>
+            <a:r>
+              <a:rPr lang="ru-RU" sz="2800" dirty="0">
+                <a:latin typeface="Consolas" panose="020B0609020204030204" pitchFamily="49" charset="0"/>
+              </a:rPr>
+              <a:t>}</a:t>
+            </a:r>
+          </a:p>
+          <a:p>
+            <a:pPr marL="0" indent="0" eaLnBrk="0" fontAlgn="base" hangingPunct="0">
               <a:lnSpc>
                 <a:spcPct val="100000"/>
               </a:lnSpc>
               <a:spcBef>
-                <a:spcPct val="0"/>
+                <a:spcPts val="0"/>
               </a:spcBef>
               <a:spcAft>
                 <a:spcPct val="0"/>
@@ -25332,8 +30154,8 @@
                 <a:tab pos="9305925" algn="l"/>
               </a:tabLst>
             </a:pPr>
-            <a:endParaRPr lang="ru-RU" altLang="ru-RU" sz="2400" dirty="0">
-              <a:latin typeface="Arial" panose="020B0604020202020204" pitchFamily="34" charset="0"/>
+            <a:endParaRPr lang="ru-RU" altLang="ru-RU" sz="2800" dirty="0">
+              <a:latin typeface="Consolas" panose="020B0609020204030204" pitchFamily="49" charset="0"/>
             </a:endParaRPr>
           </a:p>
         </p:txBody>
@@ -25461,7 +30283,10 @@
           <a:bodyPr/>
           <a:lstStyle/>
           <a:p>
-            <a:endParaRPr lang="ru-RU" dirty="0"/>
+            <a:r>
+              <a:rPr lang="ru-RU" dirty="0"/>
+              <a:t>Задание 1</a:t>
+            </a:r>
           </a:p>
         </p:txBody>
       </p:sp>
@@ -25520,9 +30345,24 @@
                 <a:tab pos="9305925" algn="l"/>
               </a:tabLst>
             </a:pPr>
-            <a:endParaRPr lang="ru-RU" altLang="ru-RU" sz="2400" dirty="0">
-              <a:latin typeface="Arial" panose="020B0604020202020204" pitchFamily="34" charset="0"/>
-            </a:endParaRPr>
+            <a:r>
+              <a:rPr lang="ru-RU" altLang="ru-RU" sz="2400" dirty="0">
+                <a:latin typeface="Arial" panose="020B0604020202020204" pitchFamily="34" charset="0"/>
+              </a:rPr>
+              <a:t>	Проверьте, является ли введенный символ </a:t>
+            </a:r>
+            <a:r>
+              <a:rPr lang="ru-RU" altLang="ru-RU" sz="2400" b="1" dirty="0">
+                <a:latin typeface="Arial" panose="020B0604020202020204" pitchFamily="34" charset="0"/>
+              </a:rPr>
+              <a:t>любой</a:t>
+            </a:r>
+            <a:r>
+              <a:rPr lang="ru-RU" altLang="ru-RU" sz="2400" dirty="0">
+                <a:latin typeface="Arial" panose="020B0604020202020204" pitchFamily="34" charset="0"/>
+              </a:rPr>
+              <a:t> буквой английского языка.</a:t>
+            </a:r>
           </a:p>
         </p:txBody>
       </p:sp>
